--- a/Classification of bow shock event positions from Magnetic.pptx
+++ b/Classification of bow shock event positions from Magnetic.pptx
@@ -5,7 +5,7 @@
     <p:sldMasterId id="2147483648" r:id="rId4"/>
   </p:sldMasterIdLst>
   <p:notesMasterIdLst>
-    <p:notesMasterId r:id="rId13"/>
+    <p:notesMasterId r:id="rId19"/>
   </p:notesMasterIdLst>
   <p:sldIdLst>
     <p:sldId id="256" r:id="rId5"/>
@@ -16,6 +16,12 @@
     <p:sldId id="280" r:id="rId10"/>
     <p:sldId id="281" r:id="rId11"/>
     <p:sldId id="283" r:id="rId12"/>
+    <p:sldId id="284" r:id="rId13"/>
+    <p:sldId id="285" r:id="rId14"/>
+    <p:sldId id="289" r:id="rId15"/>
+    <p:sldId id="286" r:id="rId16"/>
+    <p:sldId id="287" r:id="rId17"/>
+    <p:sldId id="288" r:id="rId18"/>
   </p:sldIdLst>
   <p:sldSz cx="12192000" cy="6858000"/>
   <p:notesSz cx="6858000" cy="9144000"/>
@@ -204,7 +210,7 @@
           <a:p>
             <a:fld id="{C452ADB1-275D-430A-89EE-5C7E6CFF6FF2}" type="datetimeFigureOut">
               <a:rPr lang="en-US" smtClean="0"/>
-              <a:t>6/14/2021</a:t>
+              <a:t>6/18/2021</a:t>
             </a:fld>
             <a:endParaRPr lang="en-US" dirty="0"/>
           </a:p>
@@ -558,6 +564,93 @@
 </p:notes>
 </file>
 
+<file path=ppt/notesSlides/notesSlide2.xml><?xml version="1.0" encoding="utf-8"?>
+<p:notes xmlns:a="http://schemas.openxmlformats.org/drawingml/2006/main" xmlns:r="http://schemas.openxmlformats.org/officeDocument/2006/relationships" xmlns:p="http://schemas.openxmlformats.org/presentationml/2006/main">
+  <p:cSld>
+    <p:spTree>
+      <p:nvGrpSpPr>
+        <p:cNvPr id="1" name=""/>
+        <p:cNvGrpSpPr/>
+        <p:nvPr/>
+      </p:nvGrpSpPr>
+      <p:grpSpPr>
+        <a:xfrm>
+          <a:off x="0" y="0"/>
+          <a:ext cx="0" cy="0"/>
+          <a:chOff x="0" y="0"/>
+          <a:chExt cx="0" cy="0"/>
+        </a:xfrm>
+      </p:grpSpPr>
+      <p:sp>
+        <p:nvSpPr>
+          <p:cNvPr id="2" name="Slide Image Placeholder 1"/>
+          <p:cNvSpPr>
+            <a:spLocks noGrp="1" noRot="1" noChangeAspect="1"/>
+          </p:cNvSpPr>
+          <p:nvPr>
+            <p:ph type="sldImg"/>
+          </p:nvPr>
+        </p:nvSpPr>
+        <p:spPr/>
+      </p:sp>
+      <p:sp>
+        <p:nvSpPr>
+          <p:cNvPr id="3" name="Notes Placeholder 2"/>
+          <p:cNvSpPr>
+            <a:spLocks noGrp="1"/>
+          </p:cNvSpPr>
+          <p:nvPr>
+            <p:ph type="body" idx="1"/>
+          </p:nvPr>
+        </p:nvSpPr>
+        <p:spPr/>
+        <p:txBody>
+          <a:bodyPr/>
+          <a:lstStyle/>
+          <a:p>
+            <a:r>
+              <a:rPr lang="en-IN" dirty="0"/>
+              <a:t>Add Epochs Count</a:t>
+            </a:r>
+          </a:p>
+        </p:txBody>
+      </p:sp>
+      <p:sp>
+        <p:nvSpPr>
+          <p:cNvPr id="4" name="Slide Number Placeholder 3"/>
+          <p:cNvSpPr>
+            <a:spLocks noGrp="1"/>
+          </p:cNvSpPr>
+          <p:nvPr>
+            <p:ph type="sldNum" sz="quarter" idx="5"/>
+          </p:nvPr>
+        </p:nvSpPr>
+        <p:spPr/>
+        <p:txBody>
+          <a:bodyPr/>
+          <a:lstStyle/>
+          <a:p>
+            <a:fld id="{4B725628-3A68-42F4-BA86-981817953149}" type="slidenum">
+              <a:rPr lang="en-US" smtClean="0"/>
+              <a:t>9</a:t>
+            </a:fld>
+            <a:endParaRPr lang="en-US" dirty="0"/>
+          </a:p>
+        </p:txBody>
+      </p:sp>
+    </p:spTree>
+    <p:extLst>
+      <p:ext uri="{BB962C8B-B14F-4D97-AF65-F5344CB8AC3E}">
+        <p14:creationId xmlns:p14="http://schemas.microsoft.com/office/powerpoint/2010/main" val="317677484"/>
+      </p:ext>
+    </p:extLst>
+  </p:cSld>
+  <p:clrMapOvr>
+    <a:masterClrMapping/>
+  </p:clrMapOvr>
+</p:notes>
+</file>
+
 <file path=ppt/slideLayouts/slideLayout1.xml><?xml version="1.0" encoding="utf-8"?>
 <p:sldLayout xmlns:a="http://schemas.openxmlformats.org/drawingml/2006/main" xmlns:r="http://schemas.openxmlformats.org/officeDocument/2006/relationships" xmlns:p="http://schemas.openxmlformats.org/presentationml/2006/main" showMasterSp="0" type="title" preserve="1">
   <p:cSld name="Title Slide">
@@ -9351,7 +9444,7 @@
           <a:p>
             <a:fld id="{372C6F16-17D9-41AD-BC80-03452AFD9C3A}" type="datetime1">
               <a:rPr lang="en-US" smtClean="0"/>
-              <a:t>6/14/2021</a:t>
+              <a:t>6/18/2021</a:t>
             </a:fld>
             <a:endParaRPr lang="en-US" dirty="0"/>
           </a:p>
@@ -9553,7 +9646,7 @@
           <a:p>
             <a:fld id="{F01B563A-6EE7-47DE-B2CD-3F96EA06464C}" type="datetime1">
               <a:rPr lang="en-US" smtClean="0"/>
-              <a:t>6/14/2021</a:t>
+              <a:t>6/18/2021</a:t>
             </a:fld>
             <a:endParaRPr lang="en-US" dirty="0"/>
           </a:p>
@@ -9728,7 +9821,7 @@
           <a:p>
             <a:fld id="{56394B6A-1F09-43F6-A3E0-611120220952}" type="datetime1">
               <a:rPr lang="en-US" smtClean="0"/>
-              <a:t>6/14/2021</a:t>
+              <a:t>6/18/2021</a:t>
             </a:fld>
             <a:endParaRPr lang="en-US" dirty="0"/>
           </a:p>
@@ -9928,7 +10021,7 @@
           <a:p>
             <a:fld id="{9CF7B236-8972-47AA-902B-B38ED0DEE98F}" type="datetime1">
               <a:rPr lang="en-US" smtClean="0"/>
-              <a:t>6/14/2021</a:t>
+              <a:t>6/18/2021</a:t>
             </a:fld>
             <a:endParaRPr lang="en-US" dirty="0"/>
           </a:p>
@@ -18821,7 +18914,7 @@
           <a:p>
             <a:fld id="{F07572AB-E732-4A26-9F18-02E898B00289}" type="datetime1">
               <a:rPr lang="en-US" smtClean="0"/>
-              <a:t>6/14/2021</a:t>
+              <a:t>6/18/2021</a:t>
             </a:fld>
             <a:endParaRPr lang="en-US" dirty="0"/>
           </a:p>
@@ -19090,7 +19183,7 @@
           <a:p>
             <a:fld id="{CFB5713B-725A-4F68-ACFD-9802754C1A30}" type="datetime1">
               <a:rPr lang="en-US" smtClean="0"/>
-              <a:t>6/14/2021</a:t>
+              <a:t>6/18/2021</a:t>
             </a:fld>
             <a:endParaRPr lang="en-US" dirty="0"/>
           </a:p>
@@ -19483,7 +19576,7 @@
           <a:p>
             <a:fld id="{20C072FD-63D4-4B78-9DFB-EA8F4EB8EDCE}" type="datetime1">
               <a:rPr lang="en-US" smtClean="0"/>
-              <a:t>6/14/2021</a:t>
+              <a:t>6/18/2021</a:t>
             </a:fld>
             <a:endParaRPr lang="en-US" dirty="0"/>
           </a:p>
@@ -19596,7 +19689,7 @@
           <a:p>
             <a:fld id="{89702039-531C-4715-AD66-92C6E86A61E6}" type="datetime1">
               <a:rPr lang="en-US" smtClean="0"/>
-              <a:t>6/14/2021</a:t>
+              <a:t>6/18/2021</a:t>
             </a:fld>
             <a:endParaRPr lang="en-US" dirty="0"/>
           </a:p>
@@ -19686,7 +19779,7 @@
           <a:p>
             <a:fld id="{80C644CF-207B-49DD-B250-33C860A4BA35}" type="datetime1">
               <a:rPr lang="en-US" smtClean="0"/>
-              <a:t>6/14/2021</a:t>
+              <a:t>6/18/2021</a:t>
             </a:fld>
             <a:endParaRPr lang="en-US" dirty="0"/>
           </a:p>
@@ -19971,7 +20064,7 @@
           <a:p>
             <a:fld id="{EA1B8F73-0744-48BA-A290-4C63FF9E8094}" type="datetime1">
               <a:rPr lang="en-US" smtClean="0"/>
-              <a:t>6/14/2021</a:t>
+              <a:t>6/18/2021</a:t>
             </a:fld>
             <a:endParaRPr lang="en-US" dirty="0"/>
           </a:p>
@@ -20246,7 +20339,7 @@
           <a:p>
             <a:fld id="{F006B782-C0EE-441B-AE2E-8DE5D6C20F62}" type="datetime1">
               <a:rPr lang="en-US" smtClean="0"/>
-              <a:t>6/14/2021</a:t>
+              <a:t>6/18/2021</a:t>
             </a:fld>
             <a:endParaRPr lang="en-US" dirty="0"/>
           </a:p>
@@ -20491,7 +20584,7 @@
           <a:p>
             <a:fld id="{B73826A1-26CC-4FB0-BB09-54544FFF8F63}" type="datetime1">
               <a:rPr lang="en-US" smtClean="0"/>
-              <a:t>6/14/2021</a:t>
+              <a:t>6/18/2021</a:t>
             </a:fld>
             <a:endParaRPr lang="en-US" dirty="0"/>
           </a:p>
@@ -21640,6 +21733,639 @@
 </p:sld>
 </file>
 
+<file path=ppt/slides/slide10.xml><?xml version="1.0" encoding="utf-8"?>
+<p:sld xmlns:a="http://schemas.openxmlformats.org/drawingml/2006/main" xmlns:r="http://schemas.openxmlformats.org/officeDocument/2006/relationships" xmlns:p="http://schemas.openxmlformats.org/presentationml/2006/main">
+  <p:cSld>
+    <p:spTree>
+      <p:nvGrpSpPr>
+        <p:cNvPr id="1" name=""/>
+        <p:cNvGrpSpPr/>
+        <p:nvPr/>
+      </p:nvGrpSpPr>
+      <p:grpSpPr>
+        <a:xfrm>
+          <a:off x="0" y="0"/>
+          <a:ext cx="0" cy="0"/>
+          <a:chOff x="0" y="0"/>
+          <a:chExt cx="0" cy="0"/>
+        </a:xfrm>
+      </p:grpSpPr>
+      <p:sp>
+        <p:nvSpPr>
+          <p:cNvPr id="2" name="Title 1">
+            <a:extLst>
+              <a:ext uri="{FF2B5EF4-FFF2-40B4-BE49-F238E27FC236}">
+                <a16:creationId xmlns:a16="http://schemas.microsoft.com/office/drawing/2014/main" id="{E06FFED8-AB88-4AF7-943E-BB94C6A22431}"/>
+              </a:ext>
+            </a:extLst>
+          </p:cNvPr>
+          <p:cNvSpPr>
+            <a:spLocks noGrp="1"/>
+          </p:cNvSpPr>
+          <p:nvPr>
+            <p:ph type="title"/>
+          </p:nvPr>
+        </p:nvSpPr>
+        <p:spPr/>
+        <p:txBody>
+          <a:bodyPr/>
+          <a:lstStyle/>
+          <a:p>
+            <a:r>
+              <a:rPr lang="en-IN" dirty="0"/>
+              <a:t>Logistic regression</a:t>
+            </a:r>
+          </a:p>
+        </p:txBody>
+      </p:sp>
+      <p:sp>
+        <p:nvSpPr>
+          <p:cNvPr id="3" name="Content Placeholder 2">
+            <a:extLst>
+              <a:ext uri="{FF2B5EF4-FFF2-40B4-BE49-F238E27FC236}">
+                <a16:creationId xmlns:a16="http://schemas.microsoft.com/office/drawing/2014/main" id="{33F0A45B-C843-48B1-9196-189A76FC7605}"/>
+              </a:ext>
+            </a:extLst>
+          </p:cNvPr>
+          <p:cNvSpPr>
+            <a:spLocks noGrp="1"/>
+          </p:cNvSpPr>
+          <p:nvPr>
+            <p:ph idx="1"/>
+          </p:nvPr>
+        </p:nvSpPr>
+        <p:spPr>
+          <a:xfrm>
+            <a:off x="1024128" y="2084832"/>
+            <a:ext cx="9720073" cy="4224528"/>
+          </a:xfrm>
+        </p:spPr>
+        <p:txBody>
+          <a:bodyPr/>
+          <a:lstStyle/>
+          <a:p>
+            <a:endParaRPr lang="en-IN" dirty="0"/>
+          </a:p>
+        </p:txBody>
+      </p:sp>
+      <p:sp>
+        <p:nvSpPr>
+          <p:cNvPr id="4" name="Slide Number Placeholder 3">
+            <a:extLst>
+              <a:ext uri="{FF2B5EF4-FFF2-40B4-BE49-F238E27FC236}">
+                <a16:creationId xmlns:a16="http://schemas.microsoft.com/office/drawing/2014/main" id="{EC846B6A-E724-4D1E-A785-F76B727BDF64}"/>
+              </a:ext>
+            </a:extLst>
+          </p:cNvPr>
+          <p:cNvSpPr>
+            <a:spLocks noGrp="1"/>
+          </p:cNvSpPr>
+          <p:nvPr>
+            <p:ph type="sldNum" sz="quarter" idx="12"/>
+          </p:nvPr>
+        </p:nvSpPr>
+        <p:spPr>
+          <a:xfrm>
+            <a:off x="10837333" y="6381946"/>
+            <a:ext cx="973667" cy="363078"/>
+          </a:xfrm>
+        </p:spPr>
+        <p:txBody>
+          <a:bodyPr/>
+          <a:lstStyle/>
+          <a:p>
+            <a:fld id="{4FAB73BC-B049-4115-A692-8D63A059BFB8}" type="slidenum">
+              <a:rPr lang="en-US" sz="2000" smtClean="0"/>
+              <a:t>10</a:t>
+            </a:fld>
+            <a:endParaRPr lang="en-US" sz="2000" dirty="0"/>
+          </a:p>
+        </p:txBody>
+      </p:sp>
+    </p:spTree>
+    <p:extLst>
+      <p:ext uri="{BB962C8B-B14F-4D97-AF65-F5344CB8AC3E}">
+        <p14:creationId xmlns:p14="http://schemas.microsoft.com/office/powerpoint/2010/main" val="3189604281"/>
+      </p:ext>
+    </p:extLst>
+  </p:cSld>
+  <p:clrMapOvr>
+    <a:masterClrMapping/>
+  </p:clrMapOvr>
+</p:sld>
+</file>
+
+<file path=ppt/slides/slide11.xml><?xml version="1.0" encoding="utf-8"?>
+<p:sld xmlns:a="http://schemas.openxmlformats.org/drawingml/2006/main" xmlns:r="http://schemas.openxmlformats.org/officeDocument/2006/relationships" xmlns:p="http://schemas.openxmlformats.org/presentationml/2006/main">
+  <p:cSld>
+    <p:spTree>
+      <p:nvGrpSpPr>
+        <p:cNvPr id="1" name=""/>
+        <p:cNvGrpSpPr/>
+        <p:nvPr/>
+      </p:nvGrpSpPr>
+      <p:grpSpPr>
+        <a:xfrm>
+          <a:off x="0" y="0"/>
+          <a:ext cx="0" cy="0"/>
+          <a:chOff x="0" y="0"/>
+          <a:chExt cx="0" cy="0"/>
+        </a:xfrm>
+      </p:grpSpPr>
+      <p:sp>
+        <p:nvSpPr>
+          <p:cNvPr id="2" name="Title 1">
+            <a:extLst>
+              <a:ext uri="{FF2B5EF4-FFF2-40B4-BE49-F238E27FC236}">
+                <a16:creationId xmlns:a16="http://schemas.microsoft.com/office/drawing/2014/main" id="{0B712EB0-887A-4DE3-B949-B84E48B34104}"/>
+              </a:ext>
+            </a:extLst>
+          </p:cNvPr>
+          <p:cNvSpPr>
+            <a:spLocks noGrp="1"/>
+          </p:cNvSpPr>
+          <p:nvPr>
+            <p:ph type="title"/>
+          </p:nvPr>
+        </p:nvSpPr>
+        <p:spPr/>
+        <p:txBody>
+          <a:bodyPr/>
+          <a:lstStyle/>
+          <a:p>
+            <a:endParaRPr lang="en-IN"/>
+          </a:p>
+        </p:txBody>
+      </p:sp>
+      <p:sp>
+        <p:nvSpPr>
+          <p:cNvPr id="3" name="Content Placeholder 2">
+            <a:extLst>
+              <a:ext uri="{FF2B5EF4-FFF2-40B4-BE49-F238E27FC236}">
+                <a16:creationId xmlns:a16="http://schemas.microsoft.com/office/drawing/2014/main" id="{E4D13F3E-1D99-47CE-955A-730B300355D3}"/>
+              </a:ext>
+            </a:extLst>
+          </p:cNvPr>
+          <p:cNvSpPr>
+            <a:spLocks noGrp="1"/>
+          </p:cNvSpPr>
+          <p:nvPr>
+            <p:ph idx="1"/>
+          </p:nvPr>
+        </p:nvSpPr>
+        <p:spPr/>
+        <p:txBody>
+          <a:bodyPr/>
+          <a:lstStyle/>
+          <a:p>
+            <a:endParaRPr lang="en-IN" dirty="0"/>
+          </a:p>
+        </p:txBody>
+      </p:sp>
+      <p:sp>
+        <p:nvSpPr>
+          <p:cNvPr id="4" name="Slide Number Placeholder 3">
+            <a:extLst>
+              <a:ext uri="{FF2B5EF4-FFF2-40B4-BE49-F238E27FC236}">
+                <a16:creationId xmlns:a16="http://schemas.microsoft.com/office/drawing/2014/main" id="{350344E1-247F-4C44-9036-418E884CED8E}"/>
+              </a:ext>
+            </a:extLst>
+          </p:cNvPr>
+          <p:cNvSpPr>
+            <a:spLocks noGrp="1"/>
+          </p:cNvSpPr>
+          <p:nvPr>
+            <p:ph type="sldNum" sz="quarter" idx="12"/>
+          </p:nvPr>
+        </p:nvSpPr>
+        <p:spPr/>
+        <p:txBody>
+          <a:bodyPr/>
+          <a:lstStyle/>
+          <a:p>
+            <a:fld id="{4FAB73BC-B049-4115-A692-8D63A059BFB8}" type="slidenum">
+              <a:rPr lang="en-US" smtClean="0"/>
+              <a:t>11</a:t>
+            </a:fld>
+            <a:endParaRPr lang="en-US" dirty="0"/>
+          </a:p>
+        </p:txBody>
+      </p:sp>
+    </p:spTree>
+    <p:extLst>
+      <p:ext uri="{BB962C8B-B14F-4D97-AF65-F5344CB8AC3E}">
+        <p14:creationId xmlns:p14="http://schemas.microsoft.com/office/powerpoint/2010/main" val="2749314391"/>
+      </p:ext>
+    </p:extLst>
+  </p:cSld>
+  <p:clrMapOvr>
+    <a:masterClrMapping/>
+  </p:clrMapOvr>
+</p:sld>
+</file>
+
+<file path=ppt/slides/slide12.xml><?xml version="1.0" encoding="utf-8"?>
+<p:sld xmlns:a="http://schemas.openxmlformats.org/drawingml/2006/main" xmlns:r="http://schemas.openxmlformats.org/officeDocument/2006/relationships" xmlns:p="http://schemas.openxmlformats.org/presentationml/2006/main">
+  <p:cSld>
+    <p:spTree>
+      <p:nvGrpSpPr>
+        <p:cNvPr id="1" name=""/>
+        <p:cNvGrpSpPr/>
+        <p:nvPr/>
+      </p:nvGrpSpPr>
+      <p:grpSpPr>
+        <a:xfrm>
+          <a:off x="0" y="0"/>
+          <a:ext cx="0" cy="0"/>
+          <a:chOff x="0" y="0"/>
+          <a:chExt cx="0" cy="0"/>
+        </a:xfrm>
+      </p:grpSpPr>
+      <p:sp>
+        <p:nvSpPr>
+          <p:cNvPr id="2" name="Title 1">
+            <a:extLst>
+              <a:ext uri="{FF2B5EF4-FFF2-40B4-BE49-F238E27FC236}">
+                <a16:creationId xmlns:a16="http://schemas.microsoft.com/office/drawing/2014/main" id="{CAD8528C-4B7E-4599-A889-31B993BC7C27}"/>
+              </a:ext>
+            </a:extLst>
+          </p:cNvPr>
+          <p:cNvSpPr>
+            <a:spLocks noGrp="1"/>
+          </p:cNvSpPr>
+          <p:nvPr>
+            <p:ph type="title"/>
+          </p:nvPr>
+        </p:nvSpPr>
+        <p:spPr>
+          <a:xfrm>
+            <a:off x="1024129" y="802034"/>
+            <a:ext cx="9720072" cy="1045620"/>
+          </a:xfrm>
+        </p:spPr>
+        <p:txBody>
+          <a:bodyPr/>
+          <a:lstStyle/>
+          <a:p>
+            <a:r>
+              <a:rPr lang="en-IN" dirty="0"/>
+              <a:t>Conclusion</a:t>
+            </a:r>
+          </a:p>
+        </p:txBody>
+      </p:sp>
+      <p:sp>
+        <p:nvSpPr>
+          <p:cNvPr id="3" name="Content Placeholder 2">
+            <a:extLst>
+              <a:ext uri="{FF2B5EF4-FFF2-40B4-BE49-F238E27FC236}">
+                <a16:creationId xmlns:a16="http://schemas.microsoft.com/office/drawing/2014/main" id="{5B83EA17-D49F-49F7-B6EB-224A3F929617}"/>
+              </a:ext>
+            </a:extLst>
+          </p:cNvPr>
+          <p:cNvSpPr>
+            <a:spLocks noGrp="1"/>
+          </p:cNvSpPr>
+          <p:nvPr>
+            <p:ph idx="1"/>
+          </p:nvPr>
+        </p:nvSpPr>
+        <p:spPr>
+          <a:xfrm>
+            <a:off x="1024128" y="2276574"/>
+            <a:ext cx="9720073" cy="4023360"/>
+          </a:xfrm>
+        </p:spPr>
+        <p:txBody>
+          <a:bodyPr/>
+          <a:lstStyle/>
+          <a:p>
+            <a:pPr>
+              <a:lnSpc>
+                <a:spcPct val="150000"/>
+              </a:lnSpc>
+              <a:buFont typeface="Wingdings" panose="05000000000000000000" pitchFamily="2" charset="2"/>
+              <a:buChar char="§"/>
+            </a:pPr>
+            <a:r>
+              <a:rPr lang="en-IN" dirty="0"/>
+              <a:t> The dataset contains a highly imbalanced data</a:t>
+            </a:r>
+          </a:p>
+          <a:p>
+            <a:pPr>
+              <a:lnSpc>
+                <a:spcPct val="150000"/>
+              </a:lnSpc>
+              <a:buFont typeface="Wingdings" panose="05000000000000000000" pitchFamily="2" charset="2"/>
+              <a:buChar char="§"/>
+            </a:pPr>
+            <a:r>
+              <a:rPr lang="en-IN" dirty="0"/>
+              <a:t> Logistic regression model summary shown that all predictors are significant</a:t>
+            </a:r>
+          </a:p>
+          <a:p>
+            <a:pPr>
+              <a:lnSpc>
+                <a:spcPct val="150000"/>
+              </a:lnSpc>
+              <a:buFont typeface="Wingdings" panose="05000000000000000000" pitchFamily="2" charset="2"/>
+              <a:buChar char="§"/>
+            </a:pPr>
+            <a:r>
+              <a:rPr lang="en-IN" dirty="0"/>
+              <a:t> Random Forest model with dataset 2 has better results than dataset 1</a:t>
+            </a:r>
+          </a:p>
+        </p:txBody>
+      </p:sp>
+      <p:sp>
+        <p:nvSpPr>
+          <p:cNvPr id="4" name="Slide Number Placeholder 3">
+            <a:extLst>
+              <a:ext uri="{FF2B5EF4-FFF2-40B4-BE49-F238E27FC236}">
+                <a16:creationId xmlns:a16="http://schemas.microsoft.com/office/drawing/2014/main" id="{3B3182BE-8E28-4B18-9676-F7E50EDEC97F}"/>
+              </a:ext>
+            </a:extLst>
+          </p:cNvPr>
+          <p:cNvSpPr>
+            <a:spLocks noGrp="1"/>
+          </p:cNvSpPr>
+          <p:nvPr>
+            <p:ph type="sldNum" sz="quarter" idx="12"/>
+          </p:nvPr>
+        </p:nvSpPr>
+        <p:spPr>
+          <a:xfrm>
+            <a:off x="10837333" y="6299934"/>
+            <a:ext cx="973667" cy="445090"/>
+          </a:xfrm>
+        </p:spPr>
+        <p:txBody>
+          <a:bodyPr/>
+          <a:lstStyle/>
+          <a:p>
+            <a:fld id="{4FAB73BC-B049-4115-A692-8D63A059BFB8}" type="slidenum">
+              <a:rPr lang="en-US" sz="2000" smtClean="0"/>
+              <a:t>12</a:t>
+            </a:fld>
+            <a:endParaRPr lang="en-US" sz="2000" dirty="0"/>
+          </a:p>
+        </p:txBody>
+      </p:sp>
+    </p:spTree>
+    <p:extLst>
+      <p:ext uri="{BB962C8B-B14F-4D97-AF65-F5344CB8AC3E}">
+        <p14:creationId xmlns:p14="http://schemas.microsoft.com/office/powerpoint/2010/main" val="1726014210"/>
+      </p:ext>
+    </p:extLst>
+  </p:cSld>
+  <p:clrMapOvr>
+    <a:masterClrMapping/>
+  </p:clrMapOvr>
+</p:sld>
+</file>
+
+<file path=ppt/slides/slide13.xml><?xml version="1.0" encoding="utf-8"?>
+<p:sld xmlns:a="http://schemas.openxmlformats.org/drawingml/2006/main" xmlns:r="http://schemas.openxmlformats.org/officeDocument/2006/relationships" xmlns:p="http://schemas.openxmlformats.org/presentationml/2006/main">
+  <p:cSld>
+    <p:spTree>
+      <p:nvGrpSpPr>
+        <p:cNvPr id="1" name=""/>
+        <p:cNvGrpSpPr/>
+        <p:nvPr/>
+      </p:nvGrpSpPr>
+      <p:grpSpPr>
+        <a:xfrm>
+          <a:off x="0" y="0"/>
+          <a:ext cx="0" cy="0"/>
+          <a:chOff x="0" y="0"/>
+          <a:chExt cx="0" cy="0"/>
+        </a:xfrm>
+      </p:grpSpPr>
+      <p:sp>
+        <p:nvSpPr>
+          <p:cNvPr id="2" name="Title 1">
+            <a:extLst>
+              <a:ext uri="{FF2B5EF4-FFF2-40B4-BE49-F238E27FC236}">
+                <a16:creationId xmlns:a16="http://schemas.microsoft.com/office/drawing/2014/main" id="{685F5B9A-9B58-4E64-B681-E5C9E7AD0366}"/>
+              </a:ext>
+            </a:extLst>
+          </p:cNvPr>
+          <p:cNvSpPr>
+            <a:spLocks noGrp="1"/>
+          </p:cNvSpPr>
+          <p:nvPr>
+            <p:ph type="title"/>
+          </p:nvPr>
+        </p:nvSpPr>
+        <p:spPr/>
+        <p:txBody>
+          <a:bodyPr/>
+          <a:lstStyle/>
+          <a:p>
+            <a:r>
+              <a:rPr lang="en-IN" dirty="0"/>
+              <a:t>Further work</a:t>
+            </a:r>
+          </a:p>
+        </p:txBody>
+      </p:sp>
+      <p:sp>
+        <p:nvSpPr>
+          <p:cNvPr id="3" name="Content Placeholder 2">
+            <a:extLst>
+              <a:ext uri="{FF2B5EF4-FFF2-40B4-BE49-F238E27FC236}">
+                <a16:creationId xmlns:a16="http://schemas.microsoft.com/office/drawing/2014/main" id="{994163FB-276D-481F-826A-24312B936557}"/>
+              </a:ext>
+            </a:extLst>
+          </p:cNvPr>
+          <p:cNvSpPr>
+            <a:spLocks noGrp="1"/>
+          </p:cNvSpPr>
+          <p:nvPr>
+            <p:ph idx="1"/>
+          </p:nvPr>
+        </p:nvSpPr>
+        <p:spPr>
+          <a:xfrm>
+            <a:off x="1024128" y="2286000"/>
+            <a:ext cx="9720073" cy="1701538"/>
+          </a:xfrm>
+        </p:spPr>
+        <p:txBody>
+          <a:bodyPr/>
+          <a:lstStyle/>
+          <a:p>
+            <a:pPr>
+              <a:lnSpc>
+                <a:spcPct val="150000"/>
+              </a:lnSpc>
+              <a:buFont typeface="Arial" panose="020B0604020202020204" pitchFamily="34" charset="0"/>
+              <a:buChar char="•"/>
+            </a:pPr>
+            <a:r>
+              <a:rPr lang="en-IN" dirty="0"/>
+              <a:t> Classifying the events in dataset by using Neural Networks.</a:t>
+            </a:r>
+          </a:p>
+          <a:p>
+            <a:pPr>
+              <a:lnSpc>
+                <a:spcPct val="150000"/>
+              </a:lnSpc>
+              <a:buFont typeface="Arial" panose="020B0604020202020204" pitchFamily="34" charset="0"/>
+              <a:buChar char="•"/>
+            </a:pPr>
+            <a:r>
+              <a:rPr lang="en-IN" dirty="0"/>
+              <a:t> Classifying the regions at which bow shock and magneto pause separate.   </a:t>
+            </a:r>
+          </a:p>
+        </p:txBody>
+      </p:sp>
+      <p:sp>
+        <p:nvSpPr>
+          <p:cNvPr id="4" name="Slide Number Placeholder 3">
+            <a:extLst>
+              <a:ext uri="{FF2B5EF4-FFF2-40B4-BE49-F238E27FC236}">
+                <a16:creationId xmlns:a16="http://schemas.microsoft.com/office/drawing/2014/main" id="{8FE5F205-152E-41FB-97A0-CFFC1551B52C}"/>
+              </a:ext>
+            </a:extLst>
+          </p:cNvPr>
+          <p:cNvSpPr>
+            <a:spLocks noGrp="1"/>
+          </p:cNvSpPr>
+          <p:nvPr>
+            <p:ph type="sldNum" sz="quarter" idx="12"/>
+          </p:nvPr>
+        </p:nvSpPr>
+        <p:spPr>
+          <a:xfrm>
+            <a:off x="10837333" y="6344239"/>
+            <a:ext cx="973667" cy="400785"/>
+          </a:xfrm>
+        </p:spPr>
+        <p:txBody>
+          <a:bodyPr/>
+          <a:lstStyle/>
+          <a:p>
+            <a:fld id="{4FAB73BC-B049-4115-A692-8D63A059BFB8}" type="slidenum">
+              <a:rPr lang="en-US" sz="2000" smtClean="0"/>
+              <a:t>13</a:t>
+            </a:fld>
+            <a:endParaRPr lang="en-US" sz="2000" dirty="0"/>
+          </a:p>
+        </p:txBody>
+      </p:sp>
+    </p:spTree>
+    <p:extLst>
+      <p:ext uri="{BB962C8B-B14F-4D97-AF65-F5344CB8AC3E}">
+        <p14:creationId xmlns:p14="http://schemas.microsoft.com/office/powerpoint/2010/main" val="3511243828"/>
+      </p:ext>
+    </p:extLst>
+  </p:cSld>
+  <p:clrMapOvr>
+    <a:masterClrMapping/>
+  </p:clrMapOvr>
+</p:sld>
+</file>
+
+<file path=ppt/slides/slide14.xml><?xml version="1.0" encoding="utf-8"?>
+<p:sld xmlns:a="http://schemas.openxmlformats.org/drawingml/2006/main" xmlns:r="http://schemas.openxmlformats.org/officeDocument/2006/relationships" xmlns:p="http://schemas.openxmlformats.org/presentationml/2006/main">
+  <p:cSld>
+    <p:spTree>
+      <p:nvGrpSpPr>
+        <p:cNvPr id="1" name=""/>
+        <p:cNvGrpSpPr/>
+        <p:nvPr/>
+      </p:nvGrpSpPr>
+      <p:grpSpPr>
+        <a:xfrm>
+          <a:off x="0" y="0"/>
+          <a:ext cx="0" cy="0"/>
+          <a:chOff x="0" y="0"/>
+          <a:chExt cx="0" cy="0"/>
+        </a:xfrm>
+      </p:grpSpPr>
+      <p:sp>
+        <p:nvSpPr>
+          <p:cNvPr id="5" name="Title 4">
+            <a:extLst>
+              <a:ext uri="{FF2B5EF4-FFF2-40B4-BE49-F238E27FC236}">
+                <a16:creationId xmlns:a16="http://schemas.microsoft.com/office/drawing/2014/main" id="{68A244DC-5F22-4816-A70B-54CA1DE735A6}"/>
+              </a:ext>
+            </a:extLst>
+          </p:cNvPr>
+          <p:cNvSpPr>
+            <a:spLocks noGrp="1"/>
+          </p:cNvSpPr>
+          <p:nvPr>
+            <p:ph type="title"/>
+          </p:nvPr>
+        </p:nvSpPr>
+        <p:spPr>
+          <a:xfrm>
+            <a:off x="4243387" y="5007664"/>
+            <a:ext cx="3705225" cy="1463040"/>
+          </a:xfrm>
+        </p:spPr>
+        <p:txBody>
+          <a:bodyPr>
+            <a:normAutofit/>
+          </a:bodyPr>
+          <a:lstStyle/>
+          <a:p>
+            <a:r>
+              <a:rPr lang="en-IN" sz="7200" dirty="0"/>
+              <a:t>THANK YOU</a:t>
+            </a:r>
+          </a:p>
+        </p:txBody>
+      </p:sp>
+      <p:sp>
+        <p:nvSpPr>
+          <p:cNvPr id="4" name="Slide Number Placeholder 3">
+            <a:extLst>
+              <a:ext uri="{FF2B5EF4-FFF2-40B4-BE49-F238E27FC236}">
+                <a16:creationId xmlns:a16="http://schemas.microsoft.com/office/drawing/2014/main" id="{4F5C75D7-F484-44BC-B880-76FE232B1768}"/>
+              </a:ext>
+            </a:extLst>
+          </p:cNvPr>
+          <p:cNvSpPr>
+            <a:spLocks noGrp="1"/>
+          </p:cNvSpPr>
+          <p:nvPr>
+            <p:ph type="sldNum" sz="quarter" idx="12"/>
+          </p:nvPr>
+        </p:nvSpPr>
+        <p:spPr/>
+        <p:txBody>
+          <a:bodyPr/>
+          <a:lstStyle/>
+          <a:p>
+            <a:fld id="{4FAB73BC-B049-4115-A692-8D63A059BFB8}" type="slidenum">
+              <a:rPr lang="en-US" sz="2400" smtClean="0"/>
+              <a:t>14</a:t>
+            </a:fld>
+            <a:endParaRPr lang="en-US" dirty="0"/>
+          </a:p>
+        </p:txBody>
+      </p:sp>
+    </p:spTree>
+    <p:extLst>
+      <p:ext uri="{BB962C8B-B14F-4D97-AF65-F5344CB8AC3E}">
+        <p14:creationId xmlns:p14="http://schemas.microsoft.com/office/powerpoint/2010/main" val="755896139"/>
+      </p:ext>
+    </p:extLst>
+  </p:cSld>
+  <p:clrMapOvr>
+    <a:masterClrMapping/>
+  </p:clrMapOvr>
+</p:sld>
+</file>
+
 <file path=ppt/slides/slide2.xml><?xml version="1.0" encoding="utf-8"?>
 <p:sld xmlns:a="http://schemas.openxmlformats.org/drawingml/2006/main" xmlns:r="http://schemas.openxmlformats.org/officeDocument/2006/relationships" xmlns:p="http://schemas.openxmlformats.org/presentationml/2006/main">
   <p:cSld>
@@ -22571,7 +23297,7 @@
           <a:lstStyle/>
           <a:p>
             <a:r>
-              <a:rPr lang="en-IN"/>
+              <a:rPr lang="en-IN" dirty="0"/>
               <a:t>Data Visualization</a:t>
             </a:r>
           </a:p>
@@ -22933,35 +23659,6 @@
           </a:p>
         </p:txBody>
       </p:sp>
-      <p:pic>
-        <p:nvPicPr>
-          <p:cNvPr id="11" name="Content Placeholder 10" descr="Total Proportion of Events in dataset">
-            <a:extLst>
-              <a:ext uri="{FF2B5EF4-FFF2-40B4-BE49-F238E27FC236}">
-                <a16:creationId xmlns:a16="http://schemas.microsoft.com/office/drawing/2014/main" id="{473C2BD8-FEF4-43EE-BBA5-3F4C57B97A39}"/>
-              </a:ext>
-            </a:extLst>
-          </p:cNvPr>
-          <p:cNvPicPr>
-            <a:picLocks noChangeAspect="1"/>
-          </p:cNvPicPr>
-          <p:nvPr/>
-        </p:nvPicPr>
-        <p:blipFill rotWithShape="1">
-          <a:blip r:embed="rId3"/>
-          <a:srcRect r="829" b="6"/>
-          <a:stretch/>
-        </p:blipFill>
-        <p:spPr>
-          <a:xfrm>
-            <a:off x="499532" y="302898"/>
-            <a:ext cx="4773802" cy="2875652"/>
-          </a:xfrm>
-          <a:prstGeom prst="rect">
-            <a:avLst/>
-          </a:prstGeom>
-        </p:spPr>
-      </p:pic>
       <p:sp>
         <p:nvSpPr>
           <p:cNvPr id="12" name="TextBox 11">
@@ -22976,8 +23673,8 @@
         </p:nvSpPr>
         <p:spPr>
           <a:xfrm>
-            <a:off x="914400" y="3162037"/>
-            <a:ext cx="4358934" cy="307777"/>
+            <a:off x="731753" y="3121223"/>
+            <a:ext cx="4599939" cy="307777"/>
           </a:xfrm>
           <a:prstGeom prst="rect">
             <a:avLst/>
@@ -22995,7 +23692,7 @@
             <a:pPr algn="ctr"/>
             <a:r>
               <a:rPr lang="en-IN" sz="1400" dirty="0"/>
-              <a:t>Fig 1(a) :Total proportion of Events in Data</a:t>
+              <a:t>Fig 1(a) :Total Counts of Events in Data</a:t>
             </a:r>
           </a:p>
         </p:txBody>
@@ -23038,6 +23735,36 @@
           </a:p>
         </p:txBody>
       </p:sp>
+      <p:pic>
+        <p:nvPicPr>
+          <p:cNvPr id="5" name="Picture 4">
+            <a:extLst>
+              <a:ext uri="{FF2B5EF4-FFF2-40B4-BE49-F238E27FC236}">
+                <a16:creationId xmlns:a16="http://schemas.microsoft.com/office/drawing/2014/main" id="{AD389684-CDF1-4D62-9E8A-43F98A6B32B9}"/>
+              </a:ext>
+            </a:extLst>
+          </p:cNvPr>
+          <p:cNvPicPr>
+            <a:picLocks noChangeAspect="1"/>
+          </p:cNvPicPr>
+          <p:nvPr/>
+        </p:nvPicPr>
+        <p:blipFill>
+          <a:blip r:embed="rId3"/>
+          <a:stretch>
+            <a:fillRect/>
+          </a:stretch>
+        </p:blipFill>
+        <p:spPr>
+          <a:xfrm>
+            <a:off x="929548" y="484632"/>
+            <a:ext cx="4050890" cy="2650876"/>
+          </a:xfrm>
+          <a:prstGeom prst="rect">
+            <a:avLst/>
+          </a:prstGeom>
+        </p:spPr>
+      </p:pic>
     </p:spTree>
     <p:extLst>
       <p:ext uri="{BB962C8B-B14F-4D97-AF65-F5344CB8AC3E}">
@@ -23864,7 +24591,12 @@
             <p:ph type="title"/>
           </p:nvPr>
         </p:nvSpPr>
-        <p:spPr/>
+        <p:spPr>
+          <a:xfrm>
+            <a:off x="1024128" y="585216"/>
+            <a:ext cx="9720072" cy="1253013"/>
+          </a:xfrm>
+        </p:spPr>
         <p:txBody>
           <a:bodyPr/>
           <a:lstStyle/>
@@ -23892,12 +24624,141 @@
             <p:ph idx="1"/>
           </p:nvPr>
         </p:nvSpPr>
-        <p:spPr/>
+        <p:spPr>
+          <a:xfrm>
+            <a:off x="1024128" y="1964736"/>
+            <a:ext cx="9720073" cy="4308047"/>
+          </a:xfrm>
+        </p:spPr>
         <p:txBody>
-          <a:bodyPr/>
+          <a:bodyPr>
+            <a:normAutofit/>
+          </a:bodyPr>
           <a:lstStyle/>
           <a:p>
-            <a:endParaRPr lang="en-IN" dirty="0"/>
+            <a:pPr>
+              <a:lnSpc>
+                <a:spcPct val="110000"/>
+              </a:lnSpc>
+              <a:buFont typeface="Arial" panose="020B0604020202020204" pitchFamily="34" charset="0"/>
+              <a:buChar char="•"/>
+            </a:pPr>
+            <a:r>
+              <a:rPr lang="en-IN" sz="2000" dirty="0"/>
+              <a:t> For classification two datasets were used which was derived from the main dataset</a:t>
+            </a:r>
+          </a:p>
+          <a:p>
+            <a:pPr lvl="5">
+              <a:lnSpc>
+                <a:spcPct val="110000"/>
+              </a:lnSpc>
+              <a:buFont typeface="Wingdings" panose="05000000000000000000" pitchFamily="2" charset="2"/>
+              <a:buChar char="§"/>
+            </a:pPr>
+            <a:r>
+              <a:rPr lang="en-IN" sz="2000" b="1" dirty="0"/>
+              <a:t>Dataset 1: </a:t>
+            </a:r>
+            <a:r>
+              <a:rPr lang="en-IN" sz="2000" dirty="0"/>
+              <a:t>A dataset which contains the 500 NE points and remaining occurred events</a:t>
+            </a:r>
+          </a:p>
+          <a:p>
+            <a:pPr lvl="5">
+              <a:lnSpc>
+                <a:spcPct val="110000"/>
+              </a:lnSpc>
+              <a:buFont typeface="Wingdings" panose="05000000000000000000" pitchFamily="2" charset="2"/>
+              <a:buChar char="§"/>
+            </a:pPr>
+            <a:r>
+              <a:rPr lang="en-IN" sz="2000" b="1" dirty="0"/>
+              <a:t>Dataset 2:  </a:t>
+            </a:r>
+            <a:r>
+              <a:rPr lang="en-IN" sz="2000" dirty="0"/>
+              <a:t>A Full Dataset  </a:t>
+            </a:r>
+          </a:p>
+          <a:p>
+            <a:pPr>
+              <a:lnSpc>
+                <a:spcPct val="110000"/>
+              </a:lnSpc>
+              <a:buFont typeface="Arial" panose="020B0604020202020204" pitchFamily="34" charset="0"/>
+              <a:buChar char="•"/>
+            </a:pPr>
+            <a:r>
+              <a:rPr lang="en-IN" sz="2000" dirty="0"/>
+              <a:t>Test-Training set: 67% - 33% proportion split is used</a:t>
+            </a:r>
+          </a:p>
+          <a:p>
+            <a:pPr>
+              <a:lnSpc>
+                <a:spcPct val="110000"/>
+              </a:lnSpc>
+              <a:buFont typeface="Arial" panose="020B0604020202020204" pitchFamily="34" charset="0"/>
+              <a:buChar char="•"/>
+            </a:pPr>
+            <a:r>
+              <a:rPr lang="en-IN" sz="2000" dirty="0"/>
+              <a:t> Models used</a:t>
+            </a:r>
+          </a:p>
+          <a:p>
+            <a:pPr lvl="5">
+              <a:lnSpc>
+                <a:spcPct val="110000"/>
+              </a:lnSpc>
+              <a:buFont typeface="Wingdings" panose="05000000000000000000" pitchFamily="2" charset="2"/>
+              <a:buChar char="§"/>
+            </a:pPr>
+            <a:r>
+              <a:rPr lang="en-IN" sz="2000" b="1" dirty="0"/>
+              <a:t>Logistic Regression</a:t>
+            </a:r>
+          </a:p>
+          <a:p>
+            <a:pPr lvl="6">
+              <a:lnSpc>
+                <a:spcPct val="110000"/>
+              </a:lnSpc>
+              <a:buFont typeface="Wingdings" panose="05000000000000000000" pitchFamily="2" charset="2"/>
+              <a:buChar char="§"/>
+            </a:pPr>
+            <a:r>
+              <a:rPr lang="en-IN" sz="2000" dirty="0"/>
+              <a:t> Trying to classify two categories: Events occurred and No Events Occurred </a:t>
+            </a:r>
+          </a:p>
+          <a:p>
+            <a:pPr lvl="5">
+              <a:lnSpc>
+                <a:spcPct val="110000"/>
+              </a:lnSpc>
+              <a:buFont typeface="Wingdings" panose="05000000000000000000" pitchFamily="2" charset="2"/>
+              <a:buChar char="§"/>
+            </a:pPr>
+            <a:r>
+              <a:rPr lang="en-IN" sz="2000" b="1" dirty="0"/>
+              <a:t> Random Forrest</a:t>
+            </a:r>
+          </a:p>
+          <a:p>
+            <a:pPr lvl="6">
+              <a:lnSpc>
+                <a:spcPct val="110000"/>
+              </a:lnSpc>
+              <a:buFont typeface="Wingdings" panose="05000000000000000000" pitchFamily="2" charset="2"/>
+              <a:buChar char="§"/>
+            </a:pPr>
+            <a:r>
+              <a:rPr lang="en-IN" sz="2000" dirty="0"/>
+              <a:t> Trying to classify all the categories</a:t>
+            </a:r>
           </a:p>
         </p:txBody>
       </p:sp>
@@ -23917,13 +24778,18 @@
             <p:ph type="sldNum" sz="quarter" idx="12"/>
           </p:nvPr>
         </p:nvSpPr>
-        <p:spPr/>
+        <p:spPr>
+          <a:xfrm>
+            <a:off x="10837333" y="6200775"/>
+            <a:ext cx="973667" cy="544249"/>
+          </a:xfrm>
+        </p:spPr>
         <p:txBody>
           <a:bodyPr/>
           <a:lstStyle/>
           <a:p>
             <a:fld id="{4FAB73BC-B049-4115-A692-8D63A059BFB8}" type="slidenum">
-              <a:rPr lang="en-US" smtClean="0"/>
+              <a:rPr lang="en-US" sz="2000" smtClean="0"/>
               <a:t>8</a:t>
             </a:fld>
             <a:endParaRPr lang="en-US" dirty="0"/>
@@ -23934,6 +24800,391 @@
     <p:extLst>
       <p:ext uri="{BB962C8B-B14F-4D97-AF65-F5344CB8AC3E}">
         <p14:creationId xmlns:p14="http://schemas.microsoft.com/office/powerpoint/2010/main" val="28719597"/>
+      </p:ext>
+    </p:extLst>
+  </p:cSld>
+  <p:clrMapOvr>
+    <a:masterClrMapping/>
+  </p:clrMapOvr>
+</p:sld>
+</file>
+
+<file path=ppt/slides/slide9.xml><?xml version="1.0" encoding="utf-8"?>
+<p:sld xmlns:a="http://schemas.openxmlformats.org/drawingml/2006/main" xmlns:r="http://schemas.openxmlformats.org/officeDocument/2006/relationships" xmlns:p="http://schemas.openxmlformats.org/presentationml/2006/main">
+  <p:cSld>
+    <p:bg>
+      <p:bgPr>
+        <a:solidFill>
+          <a:schemeClr val="bg1"/>
+        </a:solidFill>
+        <a:effectLst/>
+      </p:bgPr>
+    </p:bg>
+    <p:spTree>
+      <p:nvGrpSpPr>
+        <p:cNvPr id="1" name=""/>
+        <p:cNvGrpSpPr/>
+        <p:nvPr/>
+      </p:nvGrpSpPr>
+      <p:grpSpPr>
+        <a:xfrm>
+          <a:off x="0" y="0"/>
+          <a:ext cx="0" cy="0"/>
+          <a:chOff x="0" y="0"/>
+          <a:chExt cx="0" cy="0"/>
+        </a:xfrm>
+      </p:grpSpPr>
+      <p:sp>
+        <p:nvSpPr>
+          <p:cNvPr id="2" name="Title 1">
+            <a:extLst>
+              <a:ext uri="{FF2B5EF4-FFF2-40B4-BE49-F238E27FC236}">
+                <a16:creationId xmlns:a16="http://schemas.microsoft.com/office/drawing/2014/main" id="{081D94C2-E172-4F07-B6FE-D5CF5FD815EA}"/>
+              </a:ext>
+            </a:extLst>
+          </p:cNvPr>
+          <p:cNvSpPr>
+            <a:spLocks noGrp="1"/>
+          </p:cNvSpPr>
+          <p:nvPr>
+            <p:ph type="title"/>
+          </p:nvPr>
+        </p:nvSpPr>
+        <p:spPr>
+          <a:xfrm>
+            <a:off x="1024128" y="585216"/>
+            <a:ext cx="5902061" cy="1499616"/>
+          </a:xfrm>
+        </p:spPr>
+        <p:txBody>
+          <a:bodyPr>
+            <a:normAutofit/>
+          </a:bodyPr>
+          <a:lstStyle/>
+          <a:p>
+            <a:r>
+              <a:rPr lang="en-IN" dirty="0"/>
+              <a:t>Random Forest</a:t>
+            </a:r>
+          </a:p>
+        </p:txBody>
+      </p:sp>
+      <p:sp>
+        <p:nvSpPr>
+          <p:cNvPr id="18" name="Content Placeholder 17">
+            <a:extLst>
+              <a:ext uri="{FF2B5EF4-FFF2-40B4-BE49-F238E27FC236}">
+                <a16:creationId xmlns:a16="http://schemas.microsoft.com/office/drawing/2014/main" id="{5B9B1CCC-31F9-42ED-9DCB-107A89E180C2}"/>
+              </a:ext>
+            </a:extLst>
+          </p:cNvPr>
+          <p:cNvSpPr>
+            <a:spLocks noGrp="1"/>
+          </p:cNvSpPr>
+          <p:nvPr>
+            <p:ph idx="1"/>
+          </p:nvPr>
+        </p:nvSpPr>
+        <p:spPr>
+          <a:xfrm>
+            <a:off x="889264" y="2455164"/>
+            <a:ext cx="5902061" cy="3931920"/>
+          </a:xfrm>
+        </p:spPr>
+        <p:txBody>
+          <a:bodyPr>
+            <a:normAutofit/>
+          </a:bodyPr>
+          <a:lstStyle/>
+          <a:p>
+            <a:pPr>
+              <a:lnSpc>
+                <a:spcPct val="150000"/>
+              </a:lnSpc>
+              <a:buFont typeface="Wingdings" panose="05000000000000000000" pitchFamily="2" charset="2"/>
+              <a:buChar char="§"/>
+            </a:pPr>
+            <a:r>
+              <a:rPr lang="en-US" sz="2000" dirty="0"/>
+              <a:t> </a:t>
+            </a:r>
+            <a:r>
+              <a:rPr lang="en-US" sz="2000" b="1" dirty="0"/>
+              <a:t>Dataset 1</a:t>
+            </a:r>
+          </a:p>
+          <a:p>
+            <a:pPr lvl="2">
+              <a:lnSpc>
+                <a:spcPct val="150000"/>
+              </a:lnSpc>
+              <a:buFont typeface="Wingdings" panose="05000000000000000000" pitchFamily="2" charset="2"/>
+              <a:buChar char="§"/>
+            </a:pPr>
+            <a:r>
+              <a:rPr lang="en-US" sz="2000" dirty="0"/>
+              <a:t>Accuracy of the model is about 40%</a:t>
+            </a:r>
+          </a:p>
+          <a:p>
+            <a:pPr lvl="2">
+              <a:lnSpc>
+                <a:spcPct val="150000"/>
+              </a:lnSpc>
+              <a:buFont typeface="Wingdings" panose="05000000000000000000" pitchFamily="2" charset="2"/>
+              <a:buChar char="§"/>
+            </a:pPr>
+            <a:r>
+              <a:rPr lang="en-US" sz="2000" dirty="0"/>
+              <a:t>Sensitivity of the BS Class is about 78%</a:t>
+            </a:r>
+          </a:p>
+          <a:p>
+            <a:pPr>
+              <a:lnSpc>
+                <a:spcPct val="150000"/>
+              </a:lnSpc>
+              <a:buFont typeface="Wingdings" panose="05000000000000000000" pitchFamily="2" charset="2"/>
+              <a:buChar char="§"/>
+            </a:pPr>
+            <a:r>
+              <a:rPr lang="en-US" sz="2000" dirty="0"/>
+              <a:t> </a:t>
+            </a:r>
+            <a:r>
+              <a:rPr lang="en-US" sz="2000" b="1" dirty="0"/>
+              <a:t>Dataset 2</a:t>
+            </a:r>
+          </a:p>
+          <a:p>
+            <a:pPr lvl="2">
+              <a:lnSpc>
+                <a:spcPct val="150000"/>
+              </a:lnSpc>
+              <a:buFont typeface="Wingdings" panose="05000000000000000000" pitchFamily="2" charset="2"/>
+              <a:buChar char="§"/>
+            </a:pPr>
+            <a:r>
+              <a:rPr lang="en-US" sz="2000" dirty="0"/>
+              <a:t> Accuracy of the model is about 52%</a:t>
+            </a:r>
+          </a:p>
+          <a:p>
+            <a:pPr lvl="2">
+              <a:lnSpc>
+                <a:spcPct val="150000"/>
+              </a:lnSpc>
+              <a:buFont typeface="Wingdings" panose="05000000000000000000" pitchFamily="2" charset="2"/>
+              <a:buChar char="§"/>
+            </a:pPr>
+            <a:r>
+              <a:rPr lang="en-US" sz="2000" dirty="0"/>
+              <a:t> Sensitivity of the BS class is about 82%</a:t>
+            </a:r>
+          </a:p>
+          <a:p>
+            <a:pPr>
+              <a:buFont typeface="Wingdings" panose="05000000000000000000" pitchFamily="2" charset="2"/>
+              <a:buChar char="§"/>
+            </a:pPr>
+            <a:endParaRPr lang="en-US" sz="2000" dirty="0"/>
+          </a:p>
+          <a:p>
+            <a:pPr lvl="2">
+              <a:buFont typeface="Wingdings" panose="05000000000000000000" pitchFamily="2" charset="2"/>
+              <a:buChar char="§"/>
+            </a:pPr>
+            <a:endParaRPr lang="en-US" sz="1200" dirty="0"/>
+          </a:p>
+          <a:p>
+            <a:pPr lvl="1">
+              <a:buFont typeface="Wingdings" panose="05000000000000000000" pitchFamily="2" charset="2"/>
+              <a:buChar char="§"/>
+            </a:pPr>
+            <a:endParaRPr lang="en-US" sz="1600" dirty="0"/>
+          </a:p>
+        </p:txBody>
+      </p:sp>
+      <p:pic>
+        <p:nvPicPr>
+          <p:cNvPr id="14" name="Content Placeholder 13">
+            <a:extLst>
+              <a:ext uri="{FF2B5EF4-FFF2-40B4-BE49-F238E27FC236}">
+                <a16:creationId xmlns:a16="http://schemas.microsoft.com/office/drawing/2014/main" id="{B79DAA73-6428-4A0B-9D97-C98E5DDC0C13}"/>
+              </a:ext>
+            </a:extLst>
+          </p:cNvPr>
+          <p:cNvPicPr>
+            <a:picLocks noChangeAspect="1"/>
+          </p:cNvPicPr>
+          <p:nvPr/>
+        </p:nvPicPr>
+        <p:blipFill>
+          <a:blip r:embed="rId3"/>
+          <a:stretch>
+            <a:fillRect/>
+          </a:stretch>
+        </p:blipFill>
+        <p:spPr>
+          <a:xfrm>
+            <a:off x="7183291" y="3430858"/>
+            <a:ext cx="4329760" cy="2809687"/>
+          </a:xfrm>
+          <a:prstGeom prst="rect">
+            <a:avLst/>
+          </a:prstGeom>
+        </p:spPr>
+      </p:pic>
+      <p:sp>
+        <p:nvSpPr>
+          <p:cNvPr id="4" name="Slide Number Placeholder 3">
+            <a:extLst>
+              <a:ext uri="{FF2B5EF4-FFF2-40B4-BE49-F238E27FC236}">
+                <a16:creationId xmlns:a16="http://schemas.microsoft.com/office/drawing/2014/main" id="{ED70D88F-73C8-4419-9F9D-F10DB88F0734}"/>
+              </a:ext>
+            </a:extLst>
+          </p:cNvPr>
+          <p:cNvSpPr>
+            <a:spLocks noGrp="1"/>
+          </p:cNvSpPr>
+          <p:nvPr>
+            <p:ph type="sldNum" sz="quarter" idx="12"/>
+          </p:nvPr>
+        </p:nvSpPr>
+        <p:spPr>
+          <a:xfrm>
+            <a:off x="10799626" y="6473711"/>
+            <a:ext cx="973667" cy="367792"/>
+          </a:xfrm>
+        </p:spPr>
+        <p:txBody>
+          <a:bodyPr>
+            <a:normAutofit lnSpcReduction="10000"/>
+          </a:bodyPr>
+          <a:lstStyle/>
+          <a:p>
+            <a:pPr>
+              <a:spcAft>
+                <a:spcPts val="600"/>
+              </a:spcAft>
+            </a:pPr>
+            <a:fld id="{4FAB73BC-B049-4115-A692-8D63A059BFB8}" type="slidenum">
+              <a:rPr lang="en-US" sz="2000" smtClean="0"/>
+              <a:pPr>
+                <a:spcAft>
+                  <a:spcPts val="600"/>
+                </a:spcAft>
+              </a:pPr>
+              <a:t>9</a:t>
+            </a:fld>
+            <a:endParaRPr lang="en-US" sz="1400" dirty="0"/>
+          </a:p>
+        </p:txBody>
+      </p:sp>
+      <p:pic>
+        <p:nvPicPr>
+          <p:cNvPr id="16" name="Picture 15">
+            <a:extLst>
+              <a:ext uri="{FF2B5EF4-FFF2-40B4-BE49-F238E27FC236}">
+                <a16:creationId xmlns:a16="http://schemas.microsoft.com/office/drawing/2014/main" id="{5D3E51E1-EBAB-4B8E-A859-4D28B2B20F86}"/>
+              </a:ext>
+            </a:extLst>
+          </p:cNvPr>
+          <p:cNvPicPr>
+            <a:picLocks noChangeAspect="1"/>
+          </p:cNvPicPr>
+          <p:nvPr/>
+        </p:nvPicPr>
+        <p:blipFill>
+          <a:blip r:embed="rId4"/>
+          <a:stretch>
+            <a:fillRect/>
+          </a:stretch>
+        </p:blipFill>
+        <p:spPr>
+          <a:xfrm>
+            <a:off x="7144808" y="436836"/>
+            <a:ext cx="4291278" cy="2592370"/>
+          </a:xfrm>
+          <a:prstGeom prst="rect">
+            <a:avLst/>
+          </a:prstGeom>
+        </p:spPr>
+      </p:pic>
+      <p:sp>
+        <p:nvSpPr>
+          <p:cNvPr id="20" name="TextBox 19">
+            <a:extLst>
+              <a:ext uri="{FF2B5EF4-FFF2-40B4-BE49-F238E27FC236}">
+                <a16:creationId xmlns:a16="http://schemas.microsoft.com/office/drawing/2014/main" id="{3432C70D-382A-4181-AC52-C4D335C1DC78}"/>
+              </a:ext>
+            </a:extLst>
+          </p:cNvPr>
+          <p:cNvSpPr txBox="1"/>
+          <p:nvPr/>
+        </p:nvSpPr>
+        <p:spPr>
+          <a:xfrm>
+            <a:off x="7144808" y="3100324"/>
+            <a:ext cx="4505946" cy="307777"/>
+          </a:xfrm>
+          <a:prstGeom prst="rect">
+            <a:avLst/>
+          </a:prstGeom>
+          <a:noFill/>
+        </p:spPr>
+        <p:txBody>
+          <a:bodyPr wrap="square" rtlCol="0">
+            <a:spAutoFit/>
+          </a:bodyPr>
+          <a:lstStyle/>
+          <a:p>
+            <a:r>
+              <a:rPr lang="en-IN" sz="1400" dirty="0"/>
+              <a:t>Fig 1(a): Confusion Matrix Logistic Regression with Dataset 1  </a:t>
+            </a:r>
+          </a:p>
+        </p:txBody>
+      </p:sp>
+      <p:sp>
+        <p:nvSpPr>
+          <p:cNvPr id="21" name="TextBox 20">
+            <a:extLst>
+              <a:ext uri="{FF2B5EF4-FFF2-40B4-BE49-F238E27FC236}">
+                <a16:creationId xmlns:a16="http://schemas.microsoft.com/office/drawing/2014/main" id="{8066B30D-1E34-4455-8448-6E45E37C096B}"/>
+              </a:ext>
+            </a:extLst>
+          </p:cNvPr>
+          <p:cNvSpPr txBox="1"/>
+          <p:nvPr/>
+        </p:nvSpPr>
+        <p:spPr>
+          <a:xfrm>
+            <a:off x="7183291" y="6173854"/>
+            <a:ext cx="4505946" cy="307777"/>
+          </a:xfrm>
+          <a:prstGeom prst="rect">
+            <a:avLst/>
+          </a:prstGeom>
+          <a:noFill/>
+        </p:spPr>
+        <p:txBody>
+          <a:bodyPr wrap="square" rtlCol="0">
+            <a:spAutoFit/>
+          </a:bodyPr>
+          <a:lstStyle/>
+          <a:p>
+            <a:r>
+              <a:rPr lang="en-IN" sz="1400" dirty="0"/>
+              <a:t>Fig 1(b):  Confusion Matrix Logistic Regression with Dataset 2  </a:t>
+            </a:r>
+          </a:p>
+        </p:txBody>
+      </p:sp>
+    </p:spTree>
+    <p:extLst>
+      <p:ext uri="{BB962C8B-B14F-4D97-AF65-F5344CB8AC3E}">
+        <p14:creationId xmlns:p14="http://schemas.microsoft.com/office/powerpoint/2010/main" val="2082599721"/>
       </p:ext>
     </p:extLst>
   </p:cSld>

--- a/Classification of bow shock event positions from Magnetic.pptx
+++ b/Classification of bow shock event positions from Magnetic.pptx
@@ -210,7 +210,7 @@
           <a:p>
             <a:fld id="{C452ADB1-275D-430A-89EE-5C7E6CFF6FF2}" type="datetimeFigureOut">
               <a:rPr lang="en-US" smtClean="0"/>
-              <a:t>6/18/2021</a:t>
+              <a:t>6/20/2021</a:t>
             </a:fld>
             <a:endParaRPr lang="en-US" dirty="0"/>
           </a:p>
@@ -9444,7 +9444,7 @@
           <a:p>
             <a:fld id="{372C6F16-17D9-41AD-BC80-03452AFD9C3A}" type="datetime1">
               <a:rPr lang="en-US" smtClean="0"/>
-              <a:t>6/18/2021</a:t>
+              <a:t>6/20/2021</a:t>
             </a:fld>
             <a:endParaRPr lang="en-US" dirty="0"/>
           </a:p>
@@ -9646,7 +9646,7 @@
           <a:p>
             <a:fld id="{F01B563A-6EE7-47DE-B2CD-3F96EA06464C}" type="datetime1">
               <a:rPr lang="en-US" smtClean="0"/>
-              <a:t>6/18/2021</a:t>
+              <a:t>6/20/2021</a:t>
             </a:fld>
             <a:endParaRPr lang="en-US" dirty="0"/>
           </a:p>
@@ -9821,7 +9821,7 @@
           <a:p>
             <a:fld id="{56394B6A-1F09-43F6-A3E0-611120220952}" type="datetime1">
               <a:rPr lang="en-US" smtClean="0"/>
-              <a:t>6/18/2021</a:t>
+              <a:t>6/20/2021</a:t>
             </a:fld>
             <a:endParaRPr lang="en-US" dirty="0"/>
           </a:p>
@@ -10021,7 +10021,7 @@
           <a:p>
             <a:fld id="{9CF7B236-8972-47AA-902B-B38ED0DEE98F}" type="datetime1">
               <a:rPr lang="en-US" smtClean="0"/>
-              <a:t>6/18/2021</a:t>
+              <a:t>6/20/2021</a:t>
             </a:fld>
             <a:endParaRPr lang="en-US" dirty="0"/>
           </a:p>
@@ -18914,7 +18914,7 @@
           <a:p>
             <a:fld id="{F07572AB-E732-4A26-9F18-02E898B00289}" type="datetime1">
               <a:rPr lang="en-US" smtClean="0"/>
-              <a:t>6/18/2021</a:t>
+              <a:t>6/20/2021</a:t>
             </a:fld>
             <a:endParaRPr lang="en-US" dirty="0"/>
           </a:p>
@@ -19183,7 +19183,7 @@
           <a:p>
             <a:fld id="{CFB5713B-725A-4F68-ACFD-9802754C1A30}" type="datetime1">
               <a:rPr lang="en-US" smtClean="0"/>
-              <a:t>6/18/2021</a:t>
+              <a:t>6/20/2021</a:t>
             </a:fld>
             <a:endParaRPr lang="en-US" dirty="0"/>
           </a:p>
@@ -19576,7 +19576,7 @@
           <a:p>
             <a:fld id="{20C072FD-63D4-4B78-9DFB-EA8F4EB8EDCE}" type="datetime1">
               <a:rPr lang="en-US" smtClean="0"/>
-              <a:t>6/18/2021</a:t>
+              <a:t>6/20/2021</a:t>
             </a:fld>
             <a:endParaRPr lang="en-US" dirty="0"/>
           </a:p>
@@ -19689,7 +19689,7 @@
           <a:p>
             <a:fld id="{89702039-531C-4715-AD66-92C6E86A61E6}" type="datetime1">
               <a:rPr lang="en-US" smtClean="0"/>
-              <a:t>6/18/2021</a:t>
+              <a:t>6/20/2021</a:t>
             </a:fld>
             <a:endParaRPr lang="en-US" dirty="0"/>
           </a:p>
@@ -19779,7 +19779,7 @@
           <a:p>
             <a:fld id="{80C644CF-207B-49DD-B250-33C860A4BA35}" type="datetime1">
               <a:rPr lang="en-US" smtClean="0"/>
-              <a:t>6/18/2021</a:t>
+              <a:t>6/20/2021</a:t>
             </a:fld>
             <a:endParaRPr lang="en-US" dirty="0"/>
           </a:p>
@@ -20064,7 +20064,7 @@
           <a:p>
             <a:fld id="{EA1B8F73-0744-48BA-A290-4C63FF9E8094}" type="datetime1">
               <a:rPr lang="en-US" smtClean="0"/>
-              <a:t>6/18/2021</a:t>
+              <a:t>6/20/2021</a:t>
             </a:fld>
             <a:endParaRPr lang="en-US" dirty="0"/>
           </a:p>
@@ -20339,7 +20339,7 @@
           <a:p>
             <a:fld id="{F006B782-C0EE-441B-AE2E-8DE5D6C20F62}" type="datetime1">
               <a:rPr lang="en-US" smtClean="0"/>
-              <a:t>6/18/2021</a:t>
+              <a:t>6/20/2021</a:t>
             </a:fld>
             <a:endParaRPr lang="en-US" dirty="0"/>
           </a:p>
@@ -20584,7 +20584,7 @@
           <a:p>
             <a:fld id="{B73826A1-26CC-4FB0-BB09-54544FFF8F63}" type="datetime1">
               <a:rPr lang="en-US" smtClean="0"/>
-              <a:t>6/18/2021</a:t>
+              <a:t>6/20/2021</a:t>
             </a:fld>
             <a:endParaRPr lang="en-US" dirty="0"/>
           </a:p>
@@ -22075,7 +22075,7 @@
             </a:pPr>
             <a:r>
               <a:rPr lang="en-IN" dirty="0"/>
-              <a:t> Random Forest model with dataset 2 has better results than dataset 1</a:t>
+              <a:t> Random Forest model with the balanced data configuration has performed better</a:t>
             </a:r>
           </a:p>
         </p:txBody>
@@ -24658,11 +24658,11 @@
             </a:pPr>
             <a:r>
               <a:rPr lang="en-IN" sz="2000" b="1" dirty="0"/>
-              <a:t>Dataset 1: </a:t>
+              <a:t>Training Dataset: </a:t>
             </a:r>
             <a:r>
               <a:rPr lang="en-IN" sz="2000" dirty="0"/>
-              <a:t>A dataset which contains the 500 NE points and remaining occurred events</a:t>
+              <a:t>A dataset which contains the 100 data points of each events.</a:t>
             </a:r>
           </a:p>
           <a:p>
@@ -24675,11 +24675,11 @@
             </a:pPr>
             <a:r>
               <a:rPr lang="en-IN" sz="2000" b="1" dirty="0"/>
-              <a:t>Dataset 2:  </a:t>
+              <a:t>Test Dataset:  </a:t>
             </a:r>
             <a:r>
               <a:rPr lang="en-IN" sz="2000" dirty="0"/>
-              <a:t>A Full Dataset  </a:t>
+              <a:t>All remaining data points</a:t>
             </a:r>
           </a:p>
           <a:p>
@@ -24692,7 +24692,7 @@
             </a:pPr>
             <a:r>
               <a:rPr lang="en-IN" sz="2000" dirty="0"/>
-              <a:t>Test-Training set: 67% - 33% proportion split is used</a:t>
+              <a:t>Above method is used to make the data balanced for training.</a:t>
             </a:r>
           </a:p>
           <a:p>
@@ -24705,7 +24705,7 @@
             </a:pPr>
             <a:r>
               <a:rPr lang="en-IN" sz="2000" dirty="0"/>
-              <a:t> Models used</a:t>
+              <a:t>Models used</a:t>
             </a:r>
           </a:p>
           <a:p>
@@ -24836,6 +24836,69 @@
       </p:grpSpPr>
       <p:sp>
         <p:nvSpPr>
+          <p:cNvPr id="26" name="Rectangle 25">
+            <a:extLst>
+              <a:ext uri="{FF2B5EF4-FFF2-40B4-BE49-F238E27FC236}">
+                <a16:creationId xmlns:a16="http://schemas.microsoft.com/office/drawing/2014/main" id="{4FAE1107-CEC3-4041-8BAA-CDB6F6759B35}"/>
+              </a:ext>
+              <a:ext uri="{C183D7F6-B498-43B3-948B-1728B52AA6E4}">
+                <adec:decorative xmlns:adec="http://schemas.microsoft.com/office/drawing/2017/decorative" val="1"/>
+              </a:ext>
+            </a:extLst>
+          </p:cNvPr>
+          <p:cNvSpPr>
+            <a:spLocks noGrp="1" noRot="1" noChangeAspect="1" noMove="1" noResize="1" noEditPoints="1" noAdjustHandles="1" noChangeArrowheads="1" noChangeShapeType="1" noTextEdit="1"/>
+          </p:cNvSpPr>
+          <p:nvPr>
+            <p:extLst>
+              <p:ext uri="{386F3935-93C4-4BCD-93E2-E3B085C9AB24}">
+                <p16:designElem xmlns:p16="http://schemas.microsoft.com/office/powerpoint/2015/main" val="1"/>
+              </p:ext>
+            </p:extLst>
+          </p:nvPr>
+        </p:nvSpPr>
+        <p:spPr>
+          <a:xfrm>
+            <a:off x="0" y="0"/>
+            <a:ext cx="5468548" cy="6858000"/>
+          </a:xfrm>
+          <a:prstGeom prst="rect">
+            <a:avLst/>
+          </a:prstGeom>
+          <a:solidFill>
+            <a:schemeClr val="accent1"/>
+          </a:solidFill>
+          <a:ln>
+            <a:noFill/>
+          </a:ln>
+        </p:spPr>
+        <p:style>
+          <a:lnRef idx="2">
+            <a:schemeClr val="accent1">
+              <a:shade val="50000"/>
+            </a:schemeClr>
+          </a:lnRef>
+          <a:fillRef idx="1">
+            <a:schemeClr val="accent1"/>
+          </a:fillRef>
+          <a:effectRef idx="0">
+            <a:schemeClr val="accent1"/>
+          </a:effectRef>
+          <a:fontRef idx="minor">
+            <a:schemeClr val="lt1"/>
+          </a:fontRef>
+        </p:style>
+        <p:txBody>
+          <a:bodyPr rtlCol="0" anchor="ctr"/>
+          <a:lstStyle/>
+          <a:p>
+            <a:pPr algn="ctr"/>
+            <a:endParaRPr lang="en-US"/>
+          </a:p>
+        </p:txBody>
+      </p:sp>
+      <p:sp>
+        <p:nvSpPr>
           <p:cNvPr id="2" name="Title 1">
             <a:extLst>
               <a:ext uri="{FF2B5EF4-FFF2-40B4-BE49-F238E27FC236}">
@@ -24852,8 +24915,8 @@
         </p:nvSpPr>
         <p:spPr>
           <a:xfrm>
-            <a:off x="1024128" y="585216"/>
-            <a:ext cx="5902061" cy="1499616"/>
+            <a:off x="1024129" y="585216"/>
+            <a:ext cx="3779085" cy="1499616"/>
           </a:xfrm>
         </p:spPr>
         <p:txBody>
@@ -24863,12 +24926,71 @@
           <a:lstStyle/>
           <a:p>
             <a:r>
-              <a:rPr lang="en-IN" dirty="0"/>
+              <a:rPr lang="en-IN" dirty="0">
+                <a:solidFill>
+                  <a:srgbClr val="FFFFFF"/>
+                </a:solidFill>
+              </a:rPr>
               <a:t>Random Forest</a:t>
             </a:r>
           </a:p>
         </p:txBody>
       </p:sp>
+      <p:cxnSp>
+        <p:nvCxnSpPr>
+          <p:cNvPr id="28" name="Straight Connector 27">
+            <a:extLst>
+              <a:ext uri="{FF2B5EF4-FFF2-40B4-BE49-F238E27FC236}">
+                <a16:creationId xmlns:a16="http://schemas.microsoft.com/office/drawing/2014/main" id="{1AEA88FB-F5DD-45CE-AAE1-7B33D0ABDD25}"/>
+              </a:ext>
+              <a:ext uri="{C183D7F6-B498-43B3-948B-1728B52AA6E4}">
+                <adec:decorative xmlns:adec="http://schemas.microsoft.com/office/drawing/2017/decorative" val="1"/>
+              </a:ext>
+            </a:extLst>
+          </p:cNvPr>
+          <p:cNvCxnSpPr>
+            <a:cxnSpLocks noGrp="1" noRot="1" noChangeAspect="1" noMove="1" noResize="1" noEditPoints="1" noAdjustHandles="1" noChangeArrowheads="1" noChangeShapeType="1"/>
+          </p:cNvCxnSpPr>
+          <p:nvPr>
+            <p:extLst>
+              <p:ext uri="{386F3935-93C4-4BCD-93E2-E3B085C9AB24}">
+                <p16:designElem xmlns:p16="http://schemas.microsoft.com/office/powerpoint/2015/main" val="1"/>
+              </p:ext>
+            </p:extLst>
+          </p:nvPr>
+        </p:nvCxnSpPr>
+        <p:spPr>
+          <a:xfrm flipV="1">
+            <a:off x="762000" y="826324"/>
+            <a:ext cx="0" cy="914400"/>
+          </a:xfrm>
+          <a:prstGeom prst="line">
+            <a:avLst/>
+          </a:prstGeom>
+          <a:ln w="19050">
+            <a:solidFill>
+              <a:schemeClr val="accent1">
+                <a:lumMod val="20000"/>
+                <a:lumOff val="80000"/>
+              </a:schemeClr>
+            </a:solidFill>
+          </a:ln>
+        </p:spPr>
+        <p:style>
+          <a:lnRef idx="1">
+            <a:schemeClr val="accent1"/>
+          </a:lnRef>
+          <a:fillRef idx="0">
+            <a:schemeClr val="accent1"/>
+          </a:fillRef>
+          <a:effectRef idx="0">
+            <a:schemeClr val="accent1"/>
+          </a:effectRef>
+          <a:fontRef idx="minor">
+            <a:schemeClr val="tx1"/>
+          </a:fontRef>
+        </p:style>
+      </p:cxnSp>
       <p:sp>
         <p:nvSpPr>
           <p:cNvPr id="18" name="Content Placeholder 17">
@@ -24887,9 +25009,14 @@
         </p:nvSpPr>
         <p:spPr>
           <a:xfrm>
-            <a:off x="889264" y="2455164"/>
-            <a:ext cx="5902061" cy="3931920"/>
+            <a:off x="518533" y="2286000"/>
+            <a:ext cx="4940588" cy="3931920"/>
           </a:xfrm>
+          <a:ln>
+            <a:solidFill>
+              <a:srgbClr val="1CADE4"/>
+            </a:solidFill>
+          </a:ln>
         </p:spPr>
         <p:txBody>
           <a:bodyPr>
@@ -24897,7 +25024,7 @@
           </a:bodyPr>
           <a:lstStyle/>
           <a:p>
-            <a:pPr>
+            <a:pPr lvl="1">
               <a:lnSpc>
                 <a:spcPct val="150000"/>
               </a:lnSpc>
@@ -24905,16 +25032,16 @@
               <a:buChar char="§"/>
             </a:pPr>
             <a:r>
-              <a:rPr lang="en-US" sz="2000" dirty="0"/>
-              <a:t> </a:t>
-            </a:r>
-            <a:r>
-              <a:rPr lang="en-US" sz="2000" b="1" dirty="0"/>
-              <a:t>Dataset 1</a:t>
+              <a:rPr lang="en-US" sz="2000" dirty="0">
+                <a:solidFill>
+                  <a:schemeClr val="bg1"/>
+                </a:solidFill>
+              </a:rPr>
+              <a:t>- Trained using the balanced dataset</a:t>
             </a:r>
           </a:p>
           <a:p>
-            <a:pPr lvl="2">
+            <a:pPr lvl="1">
               <a:lnSpc>
                 <a:spcPct val="150000"/>
               </a:lnSpc>
@@ -24922,12 +25049,16 @@
               <a:buChar char="§"/>
             </a:pPr>
             <a:r>
-              <a:rPr lang="en-US" sz="2000" dirty="0"/>
-              <a:t>Accuracy of the model is about 40%</a:t>
+              <a:rPr lang="en-US" sz="2000" dirty="0">
+                <a:solidFill>
+                  <a:schemeClr val="bg1"/>
+                </a:solidFill>
+              </a:rPr>
+              <a:t>- Tested Using all the remaining  Datapoints</a:t>
             </a:r>
           </a:p>
           <a:p>
-            <a:pPr lvl="2">
+            <a:pPr lvl="1">
               <a:lnSpc>
                 <a:spcPct val="150000"/>
               </a:lnSpc>
@@ -24935,12 +25066,16 @@
               <a:buChar char="§"/>
             </a:pPr>
             <a:r>
-              <a:rPr lang="en-US" sz="2000" dirty="0"/>
-              <a:t>Sensitivity of the BS Class is about 78%</a:t>
+              <a:rPr lang="en-US" sz="2000" dirty="0">
+                <a:solidFill>
+                  <a:schemeClr val="bg1"/>
+                </a:solidFill>
+              </a:rPr>
+              <a:t>- Used the ‘ranger’ package</a:t>
             </a:r>
           </a:p>
           <a:p>
-            <a:pPr>
+            <a:pPr lvl="1">
               <a:lnSpc>
                 <a:spcPct val="150000"/>
               </a:lnSpc>
@@ -24948,16 +25083,16 @@
               <a:buChar char="§"/>
             </a:pPr>
             <a:r>
-              <a:rPr lang="en-US" sz="2000" dirty="0"/>
-              <a:t> </a:t>
-            </a:r>
-            <a:r>
-              <a:rPr lang="en-US" sz="2000" b="1" dirty="0"/>
-              <a:t>Dataset 2</a:t>
+              <a:rPr lang="en-US" sz="2000" dirty="0">
+                <a:solidFill>
+                  <a:schemeClr val="bg1"/>
+                </a:solidFill>
+              </a:rPr>
+              <a:t>- Accuracy is about 90%</a:t>
             </a:r>
           </a:p>
           <a:p>
-            <a:pPr lvl="2">
+            <a:pPr lvl="1">
               <a:lnSpc>
                 <a:spcPct val="150000"/>
               </a:lnSpc>
@@ -24965,52 +25100,36 @@
               <a:buChar char="§"/>
             </a:pPr>
             <a:r>
-              <a:rPr lang="en-US" sz="2000" dirty="0"/>
-              <a:t> Accuracy of the model is about 52%</a:t>
+              <a:rPr lang="en-US" sz="2000" dirty="0">
+                <a:solidFill>
+                  <a:schemeClr val="bg1"/>
+                </a:solidFill>
+              </a:rPr>
+              <a:t>- Only 28 BS events are Classified correctly</a:t>
             </a:r>
           </a:p>
           <a:p>
-            <a:pPr lvl="2">
+            <a:pPr lvl="1">
               <a:lnSpc>
                 <a:spcPct val="150000"/>
               </a:lnSpc>
               <a:buFont typeface="Wingdings" panose="05000000000000000000" pitchFamily="2" charset="2"/>
               <a:buChar char="§"/>
             </a:pPr>
-            <a:r>
-              <a:rPr lang="en-US" sz="2000" dirty="0"/>
-              <a:t> Sensitivity of the BS class is about 82%</a:t>
-            </a:r>
-          </a:p>
-          <a:p>
-            <a:pPr>
-              <a:buFont typeface="Wingdings" panose="05000000000000000000" pitchFamily="2" charset="2"/>
-              <a:buChar char="§"/>
-            </a:pPr>
-            <a:endParaRPr lang="en-US" sz="2000" dirty="0"/>
-          </a:p>
-          <a:p>
-            <a:pPr lvl="2">
-              <a:buFont typeface="Wingdings" panose="05000000000000000000" pitchFamily="2" charset="2"/>
-              <a:buChar char="§"/>
-            </a:pPr>
-            <a:endParaRPr lang="en-US" sz="1200" dirty="0"/>
-          </a:p>
-          <a:p>
-            <a:pPr lvl="1">
-              <a:buFont typeface="Wingdings" panose="05000000000000000000" pitchFamily="2" charset="2"/>
-              <a:buChar char="§"/>
-            </a:pPr>
-            <a:endParaRPr lang="en-US" sz="1600" dirty="0"/>
+            <a:endParaRPr lang="en-US" sz="2000" dirty="0">
+              <a:solidFill>
+                <a:schemeClr val="bg1"/>
+              </a:solidFill>
+            </a:endParaRPr>
           </a:p>
         </p:txBody>
       </p:sp>
       <p:pic>
         <p:nvPicPr>
-          <p:cNvPr id="14" name="Content Placeholder 13">
+          <p:cNvPr id="5" name="Picture 4">
             <a:extLst>
               <a:ext uri="{FF2B5EF4-FFF2-40B4-BE49-F238E27FC236}">
-                <a16:creationId xmlns:a16="http://schemas.microsoft.com/office/drawing/2014/main" id="{B79DAA73-6428-4A0B-9D97-C98E5DDC0C13}"/>
+                <a16:creationId xmlns:a16="http://schemas.microsoft.com/office/drawing/2014/main" id="{EBE8182B-8CEC-4E99-8D01-4FD162A74E63}"/>
               </a:ext>
             </a:extLst>
           </p:cNvPr>
@@ -25027,8 +25146,8 @@
         </p:blipFill>
         <p:spPr>
           <a:xfrm>
-            <a:off x="7183291" y="3430858"/>
-            <a:ext cx="4329760" cy="2809687"/>
+            <a:off x="6108627" y="1212532"/>
+            <a:ext cx="5455921" cy="4432935"/>
           </a:xfrm>
           <a:prstGeom prst="rect">
             <a:avLst/>
@@ -25053,13 +25172,13 @@
         </p:nvSpPr>
         <p:spPr>
           <a:xfrm>
-            <a:off x="10799626" y="6473711"/>
-            <a:ext cx="973667" cy="367792"/>
+            <a:off x="10837333" y="6301731"/>
+            <a:ext cx="973667" cy="443293"/>
           </a:xfrm>
         </p:spPr>
         <p:txBody>
           <a:bodyPr>
-            <a:normAutofit lnSpcReduction="10000"/>
+            <a:normAutofit/>
           </a:bodyPr>
           <a:lstStyle/>
           <a:p>
@@ -25077,72 +25196,7 @@
               </a:pPr>
               <a:t>9</a:t>
             </a:fld>
-            <a:endParaRPr lang="en-US" sz="1400" dirty="0"/>
-          </a:p>
-        </p:txBody>
-      </p:sp>
-      <p:pic>
-        <p:nvPicPr>
-          <p:cNvPr id="16" name="Picture 15">
-            <a:extLst>
-              <a:ext uri="{FF2B5EF4-FFF2-40B4-BE49-F238E27FC236}">
-                <a16:creationId xmlns:a16="http://schemas.microsoft.com/office/drawing/2014/main" id="{5D3E51E1-EBAB-4B8E-A859-4D28B2B20F86}"/>
-              </a:ext>
-            </a:extLst>
-          </p:cNvPr>
-          <p:cNvPicPr>
-            <a:picLocks noChangeAspect="1"/>
-          </p:cNvPicPr>
-          <p:nvPr/>
-        </p:nvPicPr>
-        <p:blipFill>
-          <a:blip r:embed="rId4"/>
-          <a:stretch>
-            <a:fillRect/>
-          </a:stretch>
-        </p:blipFill>
-        <p:spPr>
-          <a:xfrm>
-            <a:off x="7144808" y="436836"/>
-            <a:ext cx="4291278" cy="2592370"/>
-          </a:xfrm>
-          <a:prstGeom prst="rect">
-            <a:avLst/>
-          </a:prstGeom>
-        </p:spPr>
-      </p:pic>
-      <p:sp>
-        <p:nvSpPr>
-          <p:cNvPr id="20" name="TextBox 19">
-            <a:extLst>
-              <a:ext uri="{FF2B5EF4-FFF2-40B4-BE49-F238E27FC236}">
-                <a16:creationId xmlns:a16="http://schemas.microsoft.com/office/drawing/2014/main" id="{3432C70D-382A-4181-AC52-C4D335C1DC78}"/>
-              </a:ext>
-            </a:extLst>
-          </p:cNvPr>
-          <p:cNvSpPr txBox="1"/>
-          <p:nvPr/>
-        </p:nvSpPr>
-        <p:spPr>
-          <a:xfrm>
-            <a:off x="7144808" y="3100324"/>
-            <a:ext cx="4505946" cy="307777"/>
-          </a:xfrm>
-          <a:prstGeom prst="rect">
-            <a:avLst/>
-          </a:prstGeom>
-          <a:noFill/>
-        </p:spPr>
-        <p:txBody>
-          <a:bodyPr wrap="square" rtlCol="0">
-            <a:spAutoFit/>
-          </a:bodyPr>
-          <a:lstStyle/>
-          <a:p>
-            <a:r>
-              <a:rPr lang="en-IN" sz="1400" dirty="0"/>
-              <a:t>Fig 1(a): Confusion Matrix Logistic Regression with Dataset 1  </a:t>
-            </a:r>
+            <a:endParaRPr lang="en-US" sz="2000" dirty="0"/>
           </a:p>
         </p:txBody>
       </p:sp>
@@ -25160,23 +25214,39 @@
         </p:nvSpPr>
         <p:spPr>
           <a:xfrm>
-            <a:off x="7183291" y="6173854"/>
-            <a:ext cx="4505946" cy="307777"/>
+            <a:off x="6095999" y="5774627"/>
+            <a:ext cx="5455921" cy="443293"/>
           </a:xfrm>
           <a:prstGeom prst="rect">
             <a:avLst/>
           </a:prstGeom>
-          <a:noFill/>
+          <a:solidFill>
+            <a:srgbClr val="000000">
+              <a:alpha val="50000"/>
+            </a:srgbClr>
+          </a:solidFill>
+          <a:ln>
+            <a:noFill/>
+          </a:ln>
         </p:spPr>
         <p:txBody>
           <a:bodyPr wrap="square" rtlCol="0">
-            <a:spAutoFit/>
+            <a:noAutofit/>
           </a:bodyPr>
           <a:lstStyle/>
           <a:p>
+            <a:pPr algn="ctr">
+              <a:spcAft>
+                <a:spcPts val="600"/>
+              </a:spcAft>
+            </a:pPr>
             <a:r>
-              <a:rPr lang="en-IN" sz="1400" dirty="0"/>
-              <a:t>Fig 1(b):  Confusion Matrix Logistic Regression with Dataset 2  </a:t>
+              <a:rPr lang="en-IN" sz="1300" dirty="0">
+                <a:solidFill>
+                  <a:srgbClr val="FFFFFF"/>
+                </a:solidFill>
+              </a:rPr>
+              <a:t>Fig 1:  Confusion Matrix of Random Forrest Model</a:t>
             </a:r>
           </a:p>
         </p:txBody>
@@ -25758,23 +25828,6 @@
 </file>
 
 <file path=customXml/item1.xml><?xml version="1.0" encoding="utf-8"?>
-<p:properties xmlns:p="http://schemas.microsoft.com/office/2006/metadata/properties" xmlns:xsi="http://www.w3.org/2001/XMLSchema-instance" xmlns:pc="http://schemas.microsoft.com/office/infopath/2007/PartnerControls">
-  <documentManagement>
-    <MediaServiceKeyPoints xmlns="71af3243-3dd4-4a8d-8c0d-dd76da1f02a5" xsi:nil="true"/>
-  </documentManagement>
-</p:properties>
-</file>
-
-<file path=customXml/item2.xml><?xml version="1.0" encoding="utf-8"?>
-<?mso-contentType ?>
-<FormTemplates xmlns="http://schemas.microsoft.com/sharepoint/v3/contenttype/forms">
-  <Display>DocumentLibraryForm</Display>
-  <Edit>DocumentLibraryForm</Edit>
-  <New>DocumentLibraryForm</New>
-</FormTemplates>
-</file>
-
-<file path=customXml/item3.xml><?xml version="1.0" encoding="utf-8"?>
 <ct:contentTypeSchema xmlns:ct="http://schemas.microsoft.com/office/2006/metadata/contentType" xmlns:ma="http://schemas.microsoft.com/office/2006/metadata/properties/metaAttributes" ct:_="" ma:_="" ma:contentTypeName="Document" ma:contentTypeID="0x01010079F111ED35F8CC479449609E8A0923A6" ma:contentTypeVersion="11" ma:contentTypeDescription="Create a new document." ma:contentTypeScope="" ma:versionID="9677210f24a1be23c92c90fd886aa0aa">
   <xsd:schema xmlns:xsd="http://www.w3.org/2001/XMLSchema" xmlns:xs="http://www.w3.org/2001/XMLSchema" xmlns:p="http://schemas.microsoft.com/office/2006/metadata/properties" xmlns:ns2="71af3243-3dd4-4a8d-8c0d-dd76da1f02a5" xmlns:ns3="16c05727-aa75-4e4a-9b5f-8a80a1165891" targetNamespace="http://schemas.microsoft.com/office/2006/metadata/properties" ma:root="true" ma:fieldsID="60e05723c5c1908df1a1a4ebf11d344e" ns2:_="" ns3:_="">
     <xsd:import namespace="71af3243-3dd4-4a8d-8c0d-dd76da1f02a5"/>
@@ -25985,25 +26038,24 @@
 </ct:contentTypeSchema>
 </file>
 
-<file path=customXml/itemProps1.xml><?xml version="1.0" encoding="utf-8"?>
-<ds:datastoreItem xmlns:ds="http://schemas.openxmlformats.org/officeDocument/2006/customXml" ds:itemID="{788A2F88-55C5-4ED1-9541-807C65424763}">
-  <ds:schemaRefs>
-    <ds:schemaRef ds:uri="http://schemas.microsoft.com/office/2006/metadata/properties"/>
-    <ds:schemaRef ds:uri="http://schemas.microsoft.com/office/infopath/2007/PartnerControls"/>
-    <ds:schemaRef ds:uri="71af3243-3dd4-4a8d-8c0d-dd76da1f02a5"/>
-  </ds:schemaRefs>
-</ds:datastoreItem>
+<file path=customXml/item2.xml><?xml version="1.0" encoding="utf-8"?>
+<?mso-contentType ?>
+<FormTemplates xmlns="http://schemas.microsoft.com/sharepoint/v3/contenttype/forms">
+  <Display>DocumentLibraryForm</Display>
+  <Edit>DocumentLibraryForm</Edit>
+  <New>DocumentLibraryForm</New>
+</FormTemplates>
 </file>
 
-<file path=customXml/itemProps2.xml><?xml version="1.0" encoding="utf-8"?>
-<ds:datastoreItem xmlns:ds="http://schemas.openxmlformats.org/officeDocument/2006/customXml" ds:itemID="{4F44C90D-2A62-4985-9618-3460247437B1}">
-  <ds:schemaRefs>
-    <ds:schemaRef ds:uri="http://schemas.microsoft.com/sharepoint/v3/contenttype/forms"/>
-  </ds:schemaRefs>
-</ds:datastoreItem>
+<file path=customXml/item3.xml><?xml version="1.0" encoding="utf-8"?>
+<p:properties xmlns:p="http://schemas.microsoft.com/office/2006/metadata/properties" xmlns:xsi="http://www.w3.org/2001/XMLSchema-instance" xmlns:pc="http://schemas.microsoft.com/office/infopath/2007/PartnerControls">
+  <documentManagement>
+    <MediaServiceKeyPoints xmlns="71af3243-3dd4-4a8d-8c0d-dd76da1f02a5" xsi:nil="true"/>
+  </documentManagement>
+</p:properties>
 </file>
 
-<file path=customXml/itemProps3.xml><?xml version="1.0" encoding="utf-8"?>
+<file path=customXml/itemProps1.xml><?xml version="1.0" encoding="utf-8"?>
 <ds:datastoreItem xmlns:ds="http://schemas.openxmlformats.org/officeDocument/2006/customXml" ds:itemID="{B61EAB5F-88FC-4FAE-AE3C-037A3C365EB8}">
   <ds:schemaRefs>
     <ds:schemaRef ds:uri="http://schemas.microsoft.com/office/2006/metadata/contentType"/>
@@ -26020,4 +26072,22 @@
     <ds:schemaRef ds:uri="http://schemas.microsoft.com/internal/obd"/>
   </ds:schemaRefs>
 </ds:datastoreItem>
+</file>
+
+<file path=customXml/itemProps2.xml><?xml version="1.0" encoding="utf-8"?>
+<ds:datastoreItem xmlns:ds="http://schemas.openxmlformats.org/officeDocument/2006/customXml" ds:itemID="{4F44C90D-2A62-4985-9618-3460247437B1}">
+  <ds:schemaRefs>
+    <ds:schemaRef ds:uri="http://schemas.microsoft.com/sharepoint/v3/contenttype/forms"/>
+  </ds:schemaRefs>
+</ds:datastoreItem>
+</file>
+
+<file path=customXml/itemProps3.xml><?xml version="1.0" encoding="utf-8"?>
+<ds:datastoreItem xmlns:ds="http://schemas.openxmlformats.org/officeDocument/2006/customXml" ds:itemID="{788A2F88-55C5-4ED1-9541-807C65424763}">
+  <ds:schemaRefs>
+    <ds:schemaRef ds:uri="http://schemas.microsoft.com/office/2006/metadata/properties"/>
+    <ds:schemaRef ds:uri="http://schemas.microsoft.com/office/infopath/2007/PartnerControls"/>
+    <ds:schemaRef ds:uri="71af3243-3dd4-4a8d-8c0d-dd76da1f02a5"/>
+  </ds:schemaRefs>
+</ds:datastoreItem>
 </file>
--- a/Classification of bow shock event positions from Magnetic.pptx
+++ b/Classification of bow shock event positions from Magnetic.pptx
@@ -210,7 +210,7 @@
           <a:p>
             <a:fld id="{C452ADB1-275D-430A-89EE-5C7E6CFF6FF2}" type="datetimeFigureOut">
               <a:rPr lang="en-US" smtClean="0"/>
-              <a:t>6/20/2021</a:t>
+              <a:t>6/21/2021</a:t>
             </a:fld>
             <a:endParaRPr lang="en-US" dirty="0"/>
           </a:p>
@@ -9444,7 +9444,7 @@
           <a:p>
             <a:fld id="{372C6F16-17D9-41AD-BC80-03452AFD9C3A}" type="datetime1">
               <a:rPr lang="en-US" smtClean="0"/>
-              <a:t>6/20/2021</a:t>
+              <a:t>6/21/2021</a:t>
             </a:fld>
             <a:endParaRPr lang="en-US" dirty="0"/>
           </a:p>
@@ -9646,7 +9646,7 @@
           <a:p>
             <a:fld id="{F01B563A-6EE7-47DE-B2CD-3F96EA06464C}" type="datetime1">
               <a:rPr lang="en-US" smtClean="0"/>
-              <a:t>6/20/2021</a:t>
+              <a:t>6/21/2021</a:t>
             </a:fld>
             <a:endParaRPr lang="en-US" dirty="0"/>
           </a:p>
@@ -9821,7 +9821,7 @@
           <a:p>
             <a:fld id="{56394B6A-1F09-43F6-A3E0-611120220952}" type="datetime1">
               <a:rPr lang="en-US" smtClean="0"/>
-              <a:t>6/20/2021</a:t>
+              <a:t>6/21/2021</a:t>
             </a:fld>
             <a:endParaRPr lang="en-US" dirty="0"/>
           </a:p>
@@ -10021,7 +10021,7 @@
           <a:p>
             <a:fld id="{9CF7B236-8972-47AA-902B-B38ED0DEE98F}" type="datetime1">
               <a:rPr lang="en-US" smtClean="0"/>
-              <a:t>6/20/2021</a:t>
+              <a:t>6/21/2021</a:t>
             </a:fld>
             <a:endParaRPr lang="en-US" dirty="0"/>
           </a:p>
@@ -18914,7 +18914,7 @@
           <a:p>
             <a:fld id="{F07572AB-E732-4A26-9F18-02E898B00289}" type="datetime1">
               <a:rPr lang="en-US" smtClean="0"/>
-              <a:t>6/20/2021</a:t>
+              <a:t>6/21/2021</a:t>
             </a:fld>
             <a:endParaRPr lang="en-US" dirty="0"/>
           </a:p>
@@ -19183,7 +19183,7 @@
           <a:p>
             <a:fld id="{CFB5713B-725A-4F68-ACFD-9802754C1A30}" type="datetime1">
               <a:rPr lang="en-US" smtClean="0"/>
-              <a:t>6/20/2021</a:t>
+              <a:t>6/21/2021</a:t>
             </a:fld>
             <a:endParaRPr lang="en-US" dirty="0"/>
           </a:p>
@@ -19576,7 +19576,7 @@
           <a:p>
             <a:fld id="{20C072FD-63D4-4B78-9DFB-EA8F4EB8EDCE}" type="datetime1">
               <a:rPr lang="en-US" smtClean="0"/>
-              <a:t>6/20/2021</a:t>
+              <a:t>6/21/2021</a:t>
             </a:fld>
             <a:endParaRPr lang="en-US" dirty="0"/>
           </a:p>
@@ -19689,7 +19689,7 @@
           <a:p>
             <a:fld id="{89702039-531C-4715-AD66-92C6E86A61E6}" type="datetime1">
               <a:rPr lang="en-US" smtClean="0"/>
-              <a:t>6/20/2021</a:t>
+              <a:t>6/21/2021</a:t>
             </a:fld>
             <a:endParaRPr lang="en-US" dirty="0"/>
           </a:p>
@@ -19779,7 +19779,7 @@
           <a:p>
             <a:fld id="{80C644CF-207B-49DD-B250-33C860A4BA35}" type="datetime1">
               <a:rPr lang="en-US" smtClean="0"/>
-              <a:t>6/20/2021</a:t>
+              <a:t>6/21/2021</a:t>
             </a:fld>
             <a:endParaRPr lang="en-US" dirty="0"/>
           </a:p>
@@ -20064,7 +20064,7 @@
           <a:p>
             <a:fld id="{EA1B8F73-0744-48BA-A290-4C63FF9E8094}" type="datetime1">
               <a:rPr lang="en-US" smtClean="0"/>
-              <a:t>6/20/2021</a:t>
+              <a:t>6/21/2021</a:t>
             </a:fld>
             <a:endParaRPr lang="en-US" dirty="0"/>
           </a:p>
@@ -20339,7 +20339,7 @@
           <a:p>
             <a:fld id="{F006B782-C0EE-441B-AE2E-8DE5D6C20F62}" type="datetime1">
               <a:rPr lang="en-US" smtClean="0"/>
-              <a:t>6/20/2021</a:t>
+              <a:t>6/21/2021</a:t>
             </a:fld>
             <a:endParaRPr lang="en-US" dirty="0"/>
           </a:p>
@@ -20584,7 +20584,7 @@
           <a:p>
             <a:fld id="{B73826A1-26CC-4FB0-BB09-54544FFF8F63}" type="datetime1">
               <a:rPr lang="en-US" smtClean="0"/>
-              <a:t>6/20/2021</a:t>
+              <a:t>6/21/2021</a:t>
             </a:fld>
             <a:endParaRPr lang="en-US" dirty="0"/>
           </a:p>
@@ -21691,35 +21691,6 @@
           </a:p>
         </p:txBody>
       </p:sp>
-      <p:sp>
-        <p:nvSpPr>
-          <p:cNvPr id="4" name="Slide Number Placeholder 3">
-            <a:extLst>
-              <a:ext uri="{FF2B5EF4-FFF2-40B4-BE49-F238E27FC236}">
-                <a16:creationId xmlns:a16="http://schemas.microsoft.com/office/drawing/2014/main" id="{ED2A6BBF-3758-4B07-9B8A-9C869228B313}"/>
-              </a:ext>
-            </a:extLst>
-          </p:cNvPr>
-          <p:cNvSpPr>
-            <a:spLocks noGrp="1"/>
-          </p:cNvSpPr>
-          <p:nvPr>
-            <p:ph type="sldNum" sz="quarter" idx="12"/>
-          </p:nvPr>
-        </p:nvSpPr>
-        <p:spPr/>
-        <p:txBody>
-          <a:bodyPr/>
-          <a:lstStyle/>
-          <a:p>
-            <a:fld id="{4FAB73BC-B049-4115-A692-8D63A059BFB8}" type="slidenum">
-              <a:rPr lang="en-US" smtClean="0"/>
-              <a:t>1</a:t>
-            </a:fld>
-            <a:endParaRPr lang="en-US" dirty="0"/>
-          </a:p>
-        </p:txBody>
-      </p:sp>
     </p:spTree>
     <p:extLst>
       <p:ext uri="{BB962C8B-B14F-4D97-AF65-F5344CB8AC3E}">
@@ -21736,6 +21707,14 @@
 <file path=ppt/slides/slide10.xml><?xml version="1.0" encoding="utf-8"?>
 <p:sld xmlns:a="http://schemas.openxmlformats.org/drawingml/2006/main" xmlns:r="http://schemas.openxmlformats.org/officeDocument/2006/relationships" xmlns:p="http://schemas.openxmlformats.org/presentationml/2006/main">
   <p:cSld>
+    <p:bg>
+      <p:bgPr>
+        <a:solidFill>
+          <a:schemeClr val="bg1"/>
+        </a:solidFill>
+        <a:effectLst/>
+      </p:bgPr>
+    </p:bg>
     <p:spTree>
       <p:nvGrpSpPr>
         <p:cNvPr id="1" name=""/>
@@ -21766,14 +21745,21 @@
             <p:ph type="title"/>
           </p:nvPr>
         </p:nvSpPr>
-        <p:spPr/>
+        <p:spPr>
+          <a:xfrm>
+            <a:off x="1024129" y="585216"/>
+            <a:ext cx="4431792" cy="1499616"/>
+          </a:xfrm>
+        </p:spPr>
         <p:txBody>
-          <a:bodyPr/>
+          <a:bodyPr>
+            <a:normAutofit fontScale="90000"/>
+          </a:bodyPr>
           <a:lstStyle/>
           <a:p>
             <a:r>
               <a:rPr lang="en-IN" dirty="0"/>
-              <a:t>Logistic regression</a:t>
+              <a:t>Logistic regression model-1 </a:t>
             </a:r>
           </a:p>
         </p:txBody>
@@ -21796,15 +21782,110 @@
         </p:nvSpPr>
         <p:spPr>
           <a:xfrm>
-            <a:off x="1024128" y="2084832"/>
-            <a:ext cx="9720073" cy="4224528"/>
+            <a:off x="1024128" y="2286000"/>
+            <a:ext cx="4978222" cy="3931920"/>
           </a:xfrm>
         </p:spPr>
         <p:txBody>
-          <a:bodyPr/>
+          <a:bodyPr>
+            <a:normAutofit/>
+          </a:bodyPr>
           <a:lstStyle/>
           <a:p>
-            <a:endParaRPr lang="en-IN" dirty="0"/>
+            <a:pPr>
+              <a:lnSpc>
+                <a:spcPct val="150000"/>
+              </a:lnSpc>
+              <a:buFont typeface="Wingdings" panose="05000000000000000000" pitchFamily="2" charset="2"/>
+              <a:buChar char="§"/>
+            </a:pPr>
+            <a:r>
+              <a:rPr lang="en-IN" sz="2000" dirty="0"/>
+              <a:t>In this Model we are trying to predict </a:t>
+            </a:r>
+          </a:p>
+          <a:p>
+            <a:pPr lvl="2">
+              <a:lnSpc>
+                <a:spcPct val="100000"/>
+              </a:lnSpc>
+              <a:buFont typeface="Wingdings" panose="05000000000000000000" pitchFamily="2" charset="2"/>
+              <a:buChar char="§"/>
+            </a:pPr>
+            <a:r>
+              <a:rPr lang="en-IN" sz="2000" dirty="0"/>
+              <a:t>BS points which is recorded as ‘1’ in the column event_recorded</a:t>
+            </a:r>
+            <a:r>
+              <a:rPr lang="en-IN" sz="1200" dirty="0"/>
+              <a:t> </a:t>
+            </a:r>
+          </a:p>
+          <a:p>
+            <a:pPr lvl="2">
+              <a:lnSpc>
+                <a:spcPct val="100000"/>
+              </a:lnSpc>
+              <a:buFont typeface="Wingdings" panose="05000000000000000000" pitchFamily="2" charset="2"/>
+              <a:buChar char="§"/>
+            </a:pPr>
+            <a:r>
+              <a:rPr lang="en-IN" sz="2000" dirty="0"/>
+              <a:t>MP and NE points are recorded as ‘0’ in the column event_recorded </a:t>
+            </a:r>
+          </a:p>
+          <a:p>
+            <a:pPr>
+              <a:lnSpc>
+                <a:spcPct val="100000"/>
+              </a:lnSpc>
+              <a:buFont typeface="Wingdings" panose="05000000000000000000" pitchFamily="2" charset="2"/>
+              <a:buChar char="§"/>
+            </a:pPr>
+            <a:r>
+              <a:rPr lang="en-IN" sz="2000" dirty="0"/>
+              <a:t>Accuracy is about 69%</a:t>
+            </a:r>
+          </a:p>
+          <a:p>
+            <a:pPr>
+              <a:lnSpc>
+                <a:spcPct val="100000"/>
+              </a:lnSpc>
+              <a:buFont typeface="Wingdings" panose="05000000000000000000" pitchFamily="2" charset="2"/>
+              <a:buChar char="§"/>
+            </a:pPr>
+            <a:r>
+              <a:rPr lang="en-IN" sz="2000" dirty="0"/>
+              <a:t>60/145 Bow shock points were predicted correctly.</a:t>
+            </a:r>
+          </a:p>
+          <a:p>
+            <a:pPr>
+              <a:lnSpc>
+                <a:spcPct val="100000"/>
+              </a:lnSpc>
+              <a:buFont typeface="Wingdings" panose="05000000000000000000" pitchFamily="2" charset="2"/>
+              <a:buChar char="§"/>
+            </a:pPr>
+            <a:r>
+              <a:rPr lang="en-IN" sz="2000" dirty="0"/>
+              <a:t>The threshold used here is 0.9</a:t>
+            </a:r>
+          </a:p>
+          <a:p>
+            <a:pPr lvl="2">
+              <a:buFont typeface="Wingdings" panose="05000000000000000000" pitchFamily="2" charset="2"/>
+              <a:buChar char="§"/>
+            </a:pPr>
+            <a:endParaRPr lang="en-IN" sz="1200" dirty="0"/>
+          </a:p>
+          <a:p>
+            <a:pPr lvl="2">
+              <a:buFont typeface="Wingdings" panose="05000000000000000000" pitchFamily="2" charset="2"/>
+              <a:buChar char="§"/>
+            </a:pPr>
+            <a:endParaRPr lang="en-IN" sz="1200" dirty="0"/>
           </a:p>
         </p:txBody>
       </p:sp>
@@ -21826,22 +21907,115 @@
         </p:nvSpPr>
         <p:spPr>
           <a:xfrm>
-            <a:off x="10837333" y="6381946"/>
-            <a:ext cx="973667" cy="363078"/>
+            <a:off x="10837333" y="6339440"/>
+            <a:ext cx="973667" cy="405584"/>
           </a:xfrm>
         </p:spPr>
         <p:txBody>
-          <a:bodyPr/>
+          <a:bodyPr>
+            <a:normAutofit/>
+          </a:bodyPr>
           <a:lstStyle/>
           <a:p>
+            <a:pPr>
+              <a:spcAft>
+                <a:spcPts val="600"/>
+              </a:spcAft>
+            </a:pPr>
             <a:fld id="{4FAB73BC-B049-4115-A692-8D63A059BFB8}" type="slidenum">
               <a:rPr lang="en-US" sz="2000" smtClean="0"/>
+              <a:pPr>
+                <a:spcAft>
+                  <a:spcPts val="600"/>
+                </a:spcAft>
+              </a:pPr>
               <a:t>10</a:t>
             </a:fld>
             <a:endParaRPr lang="en-US" sz="2000" dirty="0"/>
           </a:p>
         </p:txBody>
       </p:sp>
+      <p:sp>
+        <p:nvSpPr>
+          <p:cNvPr id="7" name="TextBox 6">
+            <a:extLst>
+              <a:ext uri="{FF2B5EF4-FFF2-40B4-BE49-F238E27FC236}">
+                <a16:creationId xmlns:a16="http://schemas.microsoft.com/office/drawing/2014/main" id="{5916F81C-CD8F-4C47-95D5-D34D83F2BBC9}"/>
+              </a:ext>
+            </a:extLst>
+          </p:cNvPr>
+          <p:cNvSpPr txBox="1"/>
+          <p:nvPr/>
+        </p:nvSpPr>
+        <p:spPr>
+          <a:xfrm>
+            <a:off x="6334849" y="6065120"/>
+            <a:ext cx="5310724" cy="274320"/>
+          </a:xfrm>
+          <a:prstGeom prst="rect">
+            <a:avLst/>
+          </a:prstGeom>
+          <a:solidFill>
+            <a:srgbClr val="000000">
+              <a:alpha val="50000"/>
+            </a:srgbClr>
+          </a:solidFill>
+          <a:ln>
+            <a:noFill/>
+          </a:ln>
+        </p:spPr>
+        <p:txBody>
+          <a:bodyPr wrap="square" rtlCol="0">
+            <a:noAutofit/>
+          </a:bodyPr>
+          <a:lstStyle/>
+          <a:p>
+            <a:pPr algn="ctr">
+              <a:spcAft>
+                <a:spcPts val="600"/>
+              </a:spcAft>
+            </a:pPr>
+            <a:r>
+              <a:rPr lang="en-IN" sz="1300" dirty="0">
+                <a:solidFill>
+                  <a:srgbClr val="FFFFFF"/>
+                </a:solidFill>
+              </a:rPr>
+              <a:t>Fig 5:  Confusion Matrix of Logistic Regression Model-1</a:t>
+            </a:r>
+          </a:p>
+        </p:txBody>
+      </p:sp>
+      <p:pic>
+        <p:nvPicPr>
+          <p:cNvPr id="9" name="Picture 8">
+            <a:extLst>
+              <a:ext uri="{FF2B5EF4-FFF2-40B4-BE49-F238E27FC236}">
+                <a16:creationId xmlns:a16="http://schemas.microsoft.com/office/drawing/2014/main" id="{3C40A3C9-5221-49D8-A111-AD7602A9E547}"/>
+              </a:ext>
+            </a:extLst>
+          </p:cNvPr>
+          <p:cNvPicPr>
+            <a:picLocks noChangeAspect="1"/>
+          </p:cNvPicPr>
+          <p:nvPr/>
+        </p:nvPicPr>
+        <p:blipFill>
+          <a:blip r:embed="rId2"/>
+          <a:stretch>
+            <a:fillRect/>
+          </a:stretch>
+        </p:blipFill>
+        <p:spPr>
+          <a:xfrm>
+            <a:off x="6656191" y="1123311"/>
+            <a:ext cx="4840483" cy="4978008"/>
+          </a:xfrm>
+          <a:prstGeom prst="rect">
+            <a:avLst/>
+          </a:prstGeom>
+        </p:spPr>
+      </p:pic>
     </p:spTree>
     <p:extLst>
       <p:ext uri="{BB962C8B-B14F-4D97-AF65-F5344CB8AC3E}">
@@ -21858,6 +22032,14 @@
 <file path=ppt/slides/slide11.xml><?xml version="1.0" encoding="utf-8"?>
 <p:sld xmlns:a="http://schemas.openxmlformats.org/drawingml/2006/main" xmlns:r="http://schemas.openxmlformats.org/officeDocument/2006/relationships" xmlns:p="http://schemas.openxmlformats.org/presentationml/2006/main">
   <p:cSld>
+    <p:bg>
+      <p:bgPr>
+        <a:solidFill>
+          <a:schemeClr val="bg1"/>
+        </a:solidFill>
+        <a:effectLst/>
+      </p:bgPr>
+    </p:bg>
     <p:spTree>
       <p:nvGrpSpPr>
         <p:cNvPr id="1" name=""/>
@@ -21888,12 +22070,22 @@
             <p:ph type="title"/>
           </p:nvPr>
         </p:nvSpPr>
-        <p:spPr/>
+        <p:spPr>
+          <a:xfrm>
+            <a:off x="1024129" y="585216"/>
+            <a:ext cx="4431792" cy="1499616"/>
+          </a:xfrm>
+        </p:spPr>
         <p:txBody>
-          <a:bodyPr/>
+          <a:bodyPr>
+            <a:normAutofit/>
+          </a:bodyPr>
           <a:lstStyle/>
           <a:p>
-            <a:endParaRPr lang="en-IN"/>
+            <a:r>
+              <a:rPr lang="en-IN" sz="4600" dirty="0"/>
+              <a:t>Logistic regression model-2</a:t>
+            </a:r>
           </a:p>
         </p:txBody>
       </p:sp>
@@ -21913,15 +22105,148 @@
             <p:ph idx="1"/>
           </p:nvPr>
         </p:nvSpPr>
-        <p:spPr/>
+        <p:spPr>
+          <a:xfrm>
+            <a:off x="879886" y="2286000"/>
+            <a:ext cx="5358989" cy="3931920"/>
+          </a:xfrm>
+        </p:spPr>
         <p:txBody>
-          <a:bodyPr/>
+          <a:bodyPr>
+            <a:normAutofit/>
+          </a:bodyPr>
           <a:lstStyle/>
+          <a:p>
+            <a:pPr>
+              <a:lnSpc>
+                <a:spcPct val="150000"/>
+              </a:lnSpc>
+              <a:buFont typeface="Wingdings" panose="05000000000000000000" pitchFamily="2" charset="2"/>
+              <a:buChar char="§"/>
+            </a:pPr>
+            <a:r>
+              <a:rPr lang="en-IN" sz="2000" dirty="0"/>
+              <a:t>In this Model we are trying to predict </a:t>
+            </a:r>
+          </a:p>
+          <a:p>
+            <a:pPr lvl="2">
+              <a:lnSpc>
+                <a:spcPct val="100000"/>
+              </a:lnSpc>
+              <a:buFont typeface="Wingdings" panose="05000000000000000000" pitchFamily="2" charset="2"/>
+              <a:buChar char="§"/>
+            </a:pPr>
+            <a:r>
+              <a:rPr lang="en-IN" sz="2000" dirty="0"/>
+              <a:t>MP points which is recorded as ‘1’ in the column ‘event_recorded’</a:t>
+            </a:r>
+            <a:r>
+              <a:rPr lang="en-IN" sz="1200" dirty="0"/>
+              <a:t> </a:t>
+            </a:r>
+          </a:p>
+          <a:p>
+            <a:pPr lvl="2">
+              <a:lnSpc>
+                <a:spcPct val="100000"/>
+              </a:lnSpc>
+              <a:buFont typeface="Wingdings" panose="05000000000000000000" pitchFamily="2" charset="2"/>
+              <a:buChar char="§"/>
+            </a:pPr>
+            <a:r>
+              <a:rPr lang="en-IN" sz="2000" dirty="0"/>
+              <a:t>BS and NE points are recorded as ‘0’ in the column ‘event_recorded’ </a:t>
+            </a:r>
+          </a:p>
+          <a:p>
+            <a:pPr>
+              <a:lnSpc>
+                <a:spcPct val="100000"/>
+              </a:lnSpc>
+              <a:buFont typeface="Wingdings" panose="05000000000000000000" pitchFamily="2" charset="2"/>
+              <a:buChar char="§"/>
+            </a:pPr>
+            <a:r>
+              <a:rPr lang="en-IN" sz="2000" dirty="0"/>
+              <a:t>Accuracy is about 69%</a:t>
+            </a:r>
+          </a:p>
+          <a:p>
+            <a:pPr>
+              <a:lnSpc>
+                <a:spcPct val="100000"/>
+              </a:lnSpc>
+              <a:buFont typeface="Wingdings" panose="05000000000000000000" pitchFamily="2" charset="2"/>
+              <a:buChar char="§"/>
+            </a:pPr>
+            <a:r>
+              <a:rPr lang="en-IN" sz="2000" dirty="0"/>
+              <a:t>33/103 Bow shock points were predicted correctly.</a:t>
+            </a:r>
+          </a:p>
+          <a:p>
+            <a:pPr>
+              <a:lnSpc>
+                <a:spcPct val="100000"/>
+              </a:lnSpc>
+              <a:buFont typeface="Wingdings" panose="05000000000000000000" pitchFamily="2" charset="2"/>
+              <a:buChar char="§"/>
+            </a:pPr>
+            <a:r>
+              <a:rPr lang="en-IN" sz="2000" dirty="0"/>
+              <a:t>The threshold used here is 0.9</a:t>
+            </a:r>
+          </a:p>
+          <a:p>
+            <a:pPr lvl="2">
+              <a:buFont typeface="Wingdings" panose="05000000000000000000" pitchFamily="2" charset="2"/>
+              <a:buChar char="§"/>
+            </a:pPr>
+            <a:endParaRPr lang="en-IN" sz="1200" dirty="0"/>
+          </a:p>
+          <a:p>
+            <a:pPr lvl="2">
+              <a:buFont typeface="Wingdings" panose="05000000000000000000" pitchFamily="2" charset="2"/>
+              <a:buChar char="§"/>
+            </a:pPr>
+            <a:endParaRPr lang="en-IN" sz="1200" dirty="0"/>
+          </a:p>
           <a:p>
             <a:endParaRPr lang="en-IN" dirty="0"/>
           </a:p>
         </p:txBody>
       </p:sp>
+      <p:pic>
+        <p:nvPicPr>
+          <p:cNvPr id="6" name="Picture 5">
+            <a:extLst>
+              <a:ext uri="{FF2B5EF4-FFF2-40B4-BE49-F238E27FC236}">
+                <a16:creationId xmlns:a16="http://schemas.microsoft.com/office/drawing/2014/main" id="{EB2287AE-7C12-46C7-BD76-B4BC2BF91825}"/>
+              </a:ext>
+            </a:extLst>
+          </p:cNvPr>
+          <p:cNvPicPr>
+            <a:picLocks noChangeAspect="1"/>
+          </p:cNvPicPr>
+          <p:nvPr/>
+        </p:nvPicPr>
+        <p:blipFill>
+          <a:blip r:embed="rId2"/>
+          <a:stretch>
+            <a:fillRect/>
+          </a:stretch>
+        </p:blipFill>
+        <p:spPr>
+          <a:xfrm>
+            <a:off x="6497731" y="1168922"/>
+            <a:ext cx="4976308" cy="4745836"/>
+          </a:xfrm>
+          <a:prstGeom prst="rect">
+            <a:avLst/>
+          </a:prstGeom>
+        </p:spPr>
+      </p:pic>
       <p:sp>
         <p:nvSpPr>
           <p:cNvPr id="4" name="Slide Number Placeholder 3">
@@ -21938,16 +22263,84 @@
             <p:ph type="sldNum" sz="quarter" idx="12"/>
           </p:nvPr>
         </p:nvSpPr>
-        <p:spPr/>
+        <p:spPr>
+          <a:xfrm>
+            <a:off x="10844134" y="6217920"/>
+            <a:ext cx="973667" cy="527104"/>
+          </a:xfrm>
+        </p:spPr>
         <p:txBody>
-          <a:bodyPr/>
+          <a:bodyPr>
+            <a:normAutofit/>
+          </a:bodyPr>
           <a:lstStyle/>
           <a:p>
+            <a:pPr>
+              <a:spcAft>
+                <a:spcPts val="600"/>
+              </a:spcAft>
+            </a:pPr>
             <a:fld id="{4FAB73BC-B049-4115-A692-8D63A059BFB8}" type="slidenum">
-              <a:rPr lang="en-US" smtClean="0"/>
+              <a:rPr lang="en-US" sz="2000" smtClean="0"/>
+              <a:pPr>
+                <a:spcAft>
+                  <a:spcPts val="600"/>
+                </a:spcAft>
+              </a:pPr>
               <a:t>11</a:t>
             </a:fld>
-            <a:endParaRPr lang="en-US" dirty="0"/>
+            <a:endParaRPr lang="en-US" sz="2000" dirty="0"/>
+          </a:p>
+        </p:txBody>
+      </p:sp>
+      <p:sp>
+        <p:nvSpPr>
+          <p:cNvPr id="7" name="TextBox 6">
+            <a:extLst>
+              <a:ext uri="{FF2B5EF4-FFF2-40B4-BE49-F238E27FC236}">
+                <a16:creationId xmlns:a16="http://schemas.microsoft.com/office/drawing/2014/main" id="{34308FC8-7E39-43AD-986D-9058661FED90}"/>
+              </a:ext>
+            </a:extLst>
+          </p:cNvPr>
+          <p:cNvSpPr txBox="1"/>
+          <p:nvPr/>
+        </p:nvSpPr>
+        <p:spPr>
+          <a:xfrm>
+            <a:off x="6334849" y="5838878"/>
+            <a:ext cx="5310724" cy="274320"/>
+          </a:xfrm>
+          <a:prstGeom prst="rect">
+            <a:avLst/>
+          </a:prstGeom>
+          <a:solidFill>
+            <a:srgbClr val="000000">
+              <a:alpha val="50000"/>
+            </a:srgbClr>
+          </a:solidFill>
+          <a:ln>
+            <a:noFill/>
+          </a:ln>
+        </p:spPr>
+        <p:txBody>
+          <a:bodyPr wrap="square" rtlCol="0">
+            <a:noAutofit/>
+          </a:bodyPr>
+          <a:lstStyle/>
+          <a:p>
+            <a:pPr algn="ctr">
+              <a:spcAft>
+                <a:spcPts val="600"/>
+              </a:spcAft>
+            </a:pPr>
+            <a:r>
+              <a:rPr lang="en-IN" sz="1300" dirty="0">
+                <a:solidFill>
+                  <a:srgbClr val="FFFFFF"/>
+                </a:solidFill>
+              </a:rPr>
+              <a:t>Fig 6:  Confusion Matrix of Logistic Regression Model-2</a:t>
+            </a:r>
           </a:p>
         </p:txBody>
       </p:sp>
@@ -22033,7 +22426,7 @@
         <p:spPr>
           <a:xfrm>
             <a:off x="1024128" y="2276574"/>
-            <a:ext cx="9720073" cy="4023360"/>
+            <a:ext cx="10401159" cy="4023360"/>
           </a:xfrm>
         </p:spPr>
         <p:txBody>
@@ -22063,6 +22456,19 @@
             <a:r>
               <a:rPr lang="en-IN" dirty="0"/>
               <a:t> Logistic regression model summary shown that all predictors are significant</a:t>
+            </a:r>
+          </a:p>
+          <a:p>
+            <a:pPr>
+              <a:lnSpc>
+                <a:spcPct val="150000"/>
+              </a:lnSpc>
+              <a:buFont typeface="Wingdings" panose="05000000000000000000" pitchFamily="2" charset="2"/>
+              <a:buChar char="§"/>
+            </a:pPr>
+            <a:r>
+              <a:rPr lang="en-IN" dirty="0"/>
+              <a:t>BS events were predicted accurately than the MP events in Logistic regression Models</a:t>
             </a:r>
           </a:p>
           <a:p>
@@ -22207,7 +22613,7 @@
             </a:pPr>
             <a:r>
               <a:rPr lang="en-IN" dirty="0"/>
-              <a:t> Classifying the events in dataset by using Neural Networks.</a:t>
+              <a:t> Classifying the events in dataset by using Neural Networks (RNN).</a:t>
             </a:r>
           </a:p>
           <a:p>
@@ -22321,35 +22727,6 @@
               <a:rPr lang="en-IN" sz="7200" dirty="0"/>
               <a:t>THANK YOU</a:t>
             </a:r>
-          </a:p>
-        </p:txBody>
-      </p:sp>
-      <p:sp>
-        <p:nvSpPr>
-          <p:cNvPr id="4" name="Slide Number Placeholder 3">
-            <a:extLst>
-              <a:ext uri="{FF2B5EF4-FFF2-40B4-BE49-F238E27FC236}">
-                <a16:creationId xmlns:a16="http://schemas.microsoft.com/office/drawing/2014/main" id="{4F5C75D7-F484-44BC-B880-76FE232B1768}"/>
-              </a:ext>
-            </a:extLst>
-          </p:cNvPr>
-          <p:cNvSpPr>
-            <a:spLocks noGrp="1"/>
-          </p:cNvSpPr>
-          <p:nvPr>
-            <p:ph type="sldNum" sz="quarter" idx="12"/>
-          </p:nvPr>
-        </p:nvSpPr>
-        <p:spPr/>
-        <p:txBody>
-          <a:bodyPr/>
-          <a:lstStyle/>
-          <a:p>
-            <a:fld id="{4FAB73BC-B049-4115-A692-8D63A059BFB8}" type="slidenum">
-              <a:rPr lang="en-US" sz="2400" smtClean="0"/>
-              <a:t>14</a:t>
-            </a:fld>
-            <a:endParaRPr lang="en-US" dirty="0"/>
           </a:p>
         </p:txBody>
       </p:sp>
@@ -22772,8 +23149,8 @@
         </p:nvSpPr>
         <p:spPr>
           <a:xfrm>
-            <a:off x="926473" y="1978296"/>
-            <a:ext cx="9720073" cy="4187952"/>
+            <a:off x="690803" y="1819373"/>
+            <a:ext cx="10310277" cy="4562573"/>
           </a:xfrm>
         </p:spPr>
         <p:txBody>
@@ -22793,16 +23170,8 @@
               <a:buChar char="ü"/>
             </a:pPr>
             <a:r>
-              <a:rPr lang="en-US" sz="1800" b="1" dirty="0"/>
-              <a:t> Full_Cassini_</a:t>
-            </a:r>
-            <a:r>
               <a:rPr lang="en-US" sz="2000" b="1" dirty="0"/>
-              <a:t>Master</a:t>
-            </a:r>
-            <a:r>
-              <a:rPr lang="en-US" sz="1800" b="1" dirty="0"/>
-              <a:t>_MP_BS_CMJ_revised2005</a:t>
+              <a:t> Full_Cassini_Master_MP_BS_CMJ_revised2005</a:t>
             </a:r>
           </a:p>
           <a:p>
@@ -22844,7 +23213,7 @@
             <a:pPr marL="457200" lvl="3" indent="0">
               <a:buNone/>
             </a:pPr>
-            <a:endParaRPr lang="en-US" sz="1800" b="1" dirty="0"/>
+            <a:endParaRPr lang="en-US" sz="2000" b="1" dirty="0"/>
           </a:p>
           <a:p>
             <a:pPr lvl="2">
@@ -23025,7 +23394,12 @@
             <p:ph idx="1"/>
           </p:nvPr>
         </p:nvSpPr>
-        <p:spPr/>
+        <p:spPr>
+          <a:xfrm>
+            <a:off x="1024128" y="1970202"/>
+            <a:ext cx="9720073" cy="4339158"/>
+          </a:xfrm>
+        </p:spPr>
         <p:txBody>
           <a:bodyPr>
             <a:normAutofit/>
@@ -23037,28 +23411,32 @@
               <a:buChar char="•"/>
             </a:pPr>
             <a:r>
+              <a:rPr lang="en-IN" sz="2000" b="1" dirty="0"/>
+              <a:t> Merged the two datasets :</a:t>
+            </a:r>
+            <a:r>
               <a:rPr lang="en-IN" dirty="0"/>
-              <a:t> Merged the two datasets :	</a:t>
+              <a:t>	</a:t>
             </a:r>
           </a:p>
           <a:p>
             <a:pPr lvl="3"/>
             <a:r>
-              <a:rPr lang="en-IN" sz="1800" dirty="0"/>
+              <a:rPr lang="en-IN" sz="2000" dirty="0"/>
               <a:t>Used Timestamp of both the datasets as the key value for joining.</a:t>
             </a:r>
           </a:p>
           <a:p>
             <a:pPr lvl="3"/>
             <a:r>
-              <a:rPr lang="en-IN" sz="1800" dirty="0"/>
+              <a:rPr lang="en-IN" sz="2000" dirty="0"/>
               <a:t>To identify the Magnetometer readings during different events.</a:t>
             </a:r>
           </a:p>
           <a:p>
             <a:pPr lvl="3"/>
             <a:r>
-              <a:rPr lang="en-IN" sz="1800" dirty="0"/>
+              <a:rPr lang="en-IN" sz="2000" dirty="0"/>
               <a:t>Dimension of data after joining (49452,18)  </a:t>
             </a:r>
           </a:p>
@@ -23091,7 +23469,7 @@
             </a:pPr>
             <a:r>
               <a:rPr lang="en-IN" sz="2000" dirty="0"/>
-              <a:t>Imputed all the NA values in </a:t>
+              <a:t> Imputed all the NA values in </a:t>
             </a:r>
             <a:r>
               <a:rPr lang="en-IN" sz="2000" dirty="0" err="1"/>
@@ -23109,7 +23487,11 @@
             </a:pPr>
             <a:r>
               <a:rPr lang="en-IN" sz="2000" dirty="0"/>
-              <a:t> Made the data wider</a:t>
+              <a:t> </a:t>
+            </a:r>
+            <a:r>
+              <a:rPr lang="en-IN" sz="2000" b="1" dirty="0"/>
+              <a:t>Made the data wider</a:t>
             </a:r>
           </a:p>
           <a:p>
@@ -23118,7 +23500,7 @@
               <a:buChar char="•"/>
             </a:pPr>
             <a:r>
-              <a:rPr lang="en-IN" sz="1800" dirty="0"/>
+              <a:rPr lang="en-IN" sz="2000" dirty="0"/>
               <a:t>Created columns which contains information of Magnetic field strength of 15 data points before and after an event.</a:t>
             </a:r>
           </a:p>
@@ -23128,16 +23510,35 @@
               <a:buChar char="•"/>
             </a:pPr>
             <a:r>
-              <a:rPr lang="en-IN" sz="1800" dirty="0"/>
+              <a:rPr lang="en-IN" sz="2000" dirty="0"/>
               <a:t>Dimension of data (49452,219)  </a:t>
             </a:r>
           </a:p>
           <a:p>
-            <a:pPr lvl="3">
+            <a:pPr>
               <a:buFont typeface="Arial" panose="020B0604020202020204" pitchFamily="34" charset="0"/>
               <a:buChar char="•"/>
             </a:pPr>
-            <a:endParaRPr lang="en-IN" sz="1800" dirty="0"/>
+            <a:r>
+              <a:rPr lang="en-IN" sz="2000" dirty="0"/>
+              <a:t>Removed all the rows with </a:t>
+            </a:r>
+            <a:r>
+              <a:rPr lang="en-IN" sz="2000" dirty="0" err="1"/>
+              <a:t>type_cross</a:t>
+            </a:r>
+            <a:r>
+              <a:rPr lang="en-IN" sz="2000" dirty="0"/>
+              <a:t>=“DG” and </a:t>
+            </a:r>
+            <a:r>
+              <a:rPr lang="en-IN" sz="2000" dirty="0" err="1"/>
+              <a:t>type_cross</a:t>
+            </a:r>
+            <a:r>
+              <a:rPr lang="en-IN" sz="2000" dirty="0"/>
+              <a:t>=“SC”</a:t>
+            </a:r>
           </a:p>
         </p:txBody>
       </p:sp>
@@ -23560,7 +23961,7 @@
               <a:buChar char="§"/>
             </a:pPr>
             <a:r>
-              <a:rPr lang="en-US" dirty="0"/>
+              <a:rPr lang="en-US" sz="2000" b="1" dirty="0"/>
               <a:t>From Fig 1(a)</a:t>
             </a:r>
           </a:p>
@@ -23587,7 +23988,7 @@
               <a:buChar char="§"/>
             </a:pPr>
             <a:r>
-              <a:rPr lang="en-US" sz="2000" dirty="0"/>
+              <a:rPr lang="en-US" sz="2000" b="1" dirty="0"/>
               <a:t>From Fig 1(b)</a:t>
             </a:r>
           </a:p>
@@ -24000,7 +24401,7 @@
                   <a:schemeClr val="bg1"/>
                 </a:solidFill>
               </a:rPr>
-              <a:t>- In both the fig 1(a) and (b) </a:t>
+              <a:t>- In both the fig 2(a) and (b) </a:t>
             </a:r>
           </a:p>
           <a:p>
@@ -24078,7 +24479,7 @@
                   <a:schemeClr val="bg1"/>
                 </a:solidFill>
               </a:rPr>
-              <a:t>- Fig 1(a) : The points are recorded when    	   Cassini Spacecraft was in 	   Outbound</a:t>
+              <a:t>- Fig 2(a) : The points are recorded when    	   Cassini Spacecraft was in 	   Outbound</a:t>
             </a:r>
           </a:p>
           <a:p>
@@ -24091,7 +24492,7 @@
                   <a:schemeClr val="bg1"/>
                 </a:solidFill>
               </a:rPr>
-              <a:t>-Fig 1(b): The Points are recorded when 	 Cassini Spacecraft is in Inbound</a:t>
+              <a:t>-Fig 2(b): The Points are recorded when 	 Cassini Spacecraft is in Inbound</a:t>
             </a:r>
           </a:p>
         </p:txBody>
@@ -24265,7 +24666,7 @@
           <a:p>
             <a:r>
               <a:rPr lang="en-IN" dirty="0"/>
-              <a:t>Fig 1(a): </a:t>
+              <a:t>Fig 2(a): </a:t>
             </a:r>
             <a:r>
               <a:rPr lang="en-IN" dirty="0" err="1"/>
@@ -24308,7 +24709,7 @@
           <a:p>
             <a:r>
               <a:rPr lang="en-IN" dirty="0"/>
-              <a:t>Fig 1(b): </a:t>
+              <a:t>Fig 2(b): </a:t>
             </a:r>
             <a:r>
               <a:rPr lang="en-IN" dirty="0" err="1"/>
@@ -24545,6 +24946,57 @@
           </a:p>
         </p:txBody>
       </p:sp>
+      <p:sp>
+        <p:nvSpPr>
+          <p:cNvPr id="6" name="TextBox 5">
+            <a:extLst>
+              <a:ext uri="{FF2B5EF4-FFF2-40B4-BE49-F238E27FC236}">
+                <a16:creationId xmlns:a16="http://schemas.microsoft.com/office/drawing/2014/main" id="{A46F2003-ABAD-40EC-B202-EBA76A76FD10}"/>
+              </a:ext>
+            </a:extLst>
+          </p:cNvPr>
+          <p:cNvSpPr txBox="1"/>
+          <p:nvPr/>
+        </p:nvSpPr>
+        <p:spPr>
+          <a:xfrm>
+            <a:off x="5417269" y="6324601"/>
+            <a:ext cx="5455921" cy="311870"/>
+          </a:xfrm>
+          <a:prstGeom prst="rect">
+            <a:avLst/>
+          </a:prstGeom>
+          <a:solidFill>
+            <a:srgbClr val="000000">
+              <a:alpha val="50000"/>
+            </a:srgbClr>
+          </a:solidFill>
+          <a:ln>
+            <a:noFill/>
+          </a:ln>
+        </p:spPr>
+        <p:txBody>
+          <a:bodyPr wrap="square" rtlCol="0">
+            <a:noAutofit/>
+          </a:bodyPr>
+          <a:lstStyle/>
+          <a:p>
+            <a:pPr algn="ctr">
+              <a:spcAft>
+                <a:spcPts val="600"/>
+              </a:spcAft>
+            </a:pPr>
+            <a:r>
+              <a:rPr lang="en-IN" sz="1300" dirty="0">
+                <a:solidFill>
+                  <a:srgbClr val="FFFFFF"/>
+                </a:solidFill>
+              </a:rPr>
+              <a:t>Fig 3:  Trajectory of Spacecraft</a:t>
+            </a:r>
+          </a:p>
+        </p:txBody>
+      </p:sp>
     </p:spTree>
     <p:extLst>
       <p:ext uri="{BB962C8B-B14F-4D97-AF65-F5344CB8AC3E}">
@@ -24593,8 +25045,8 @@
         </p:nvSpPr>
         <p:spPr>
           <a:xfrm>
-            <a:off x="1024128" y="585216"/>
-            <a:ext cx="9720072" cy="1253013"/>
+            <a:off x="1024128" y="848412"/>
+            <a:ext cx="9720072" cy="989817"/>
           </a:xfrm>
         </p:spPr>
         <p:txBody>
@@ -24603,7 +25055,7 @@
           <a:p>
             <a:r>
               <a:rPr lang="en-IN" dirty="0"/>
-              <a:t>Classification</a:t>
+              <a:t>Classification models used</a:t>
             </a:r>
           </a:p>
         </p:txBody>
@@ -24626,13 +25078,13 @@
         </p:nvSpPr>
         <p:spPr>
           <a:xfrm>
-            <a:off x="1024128" y="1964736"/>
-            <a:ext cx="9720073" cy="4308047"/>
+            <a:off x="1117260" y="1904217"/>
+            <a:ext cx="9720073" cy="4434555"/>
           </a:xfrm>
         </p:spPr>
         <p:txBody>
           <a:bodyPr>
-            <a:normAutofit/>
+            <a:normAutofit lnSpcReduction="10000"/>
           </a:bodyPr>
           <a:lstStyle/>
           <a:p>
@@ -24731,7 +25183,33 @@
             </a:pPr>
             <a:r>
               <a:rPr lang="en-IN" sz="2000" dirty="0"/>
-              <a:t> Trying to classify two categories: Events occurred and No Events Occurred </a:t>
+              <a:t> Trying to classify two categories:</a:t>
+            </a:r>
+          </a:p>
+          <a:p>
+            <a:pPr lvl="8">
+              <a:lnSpc>
+                <a:spcPct val="110000"/>
+              </a:lnSpc>
+              <a:buFont typeface="Wingdings" panose="05000000000000000000" pitchFamily="2" charset="2"/>
+              <a:buChar char="§"/>
+            </a:pPr>
+            <a:r>
+              <a:rPr lang="en-IN" sz="2000" dirty="0"/>
+              <a:t> Bow Shock Events (1) and Remaining events (0)</a:t>
+            </a:r>
+          </a:p>
+          <a:p>
+            <a:pPr lvl="8">
+              <a:lnSpc>
+                <a:spcPct val="110000"/>
+              </a:lnSpc>
+              <a:buFont typeface="Wingdings" panose="05000000000000000000" pitchFamily="2" charset="2"/>
+              <a:buChar char="§"/>
+            </a:pPr>
+            <a:r>
+              <a:rPr lang="en-IN" sz="2000" dirty="0"/>
+              <a:t>Magneto Pause Events (1) and Remaining Events (0)</a:t>
             </a:r>
           </a:p>
           <a:p>
@@ -24757,7 +25235,7 @@
             </a:pPr>
             <a:r>
               <a:rPr lang="en-IN" sz="2000" dirty="0"/>
-              <a:t> Trying to classify all the categories</a:t>
+              <a:t> Trying to classify all the categories (BS,MP and NE)</a:t>
             </a:r>
           </a:p>
         </p:txBody>
@@ -25009,7 +25487,7 @@
         </p:nvSpPr>
         <p:spPr>
           <a:xfrm>
-            <a:off x="518533" y="2286000"/>
+            <a:off x="443377" y="2286000"/>
             <a:ext cx="4940588" cy="3931920"/>
           </a:xfrm>
           <a:ln>
@@ -25105,7 +25583,24 @@
                   <a:schemeClr val="bg1"/>
                 </a:solidFill>
               </a:rPr>
-              <a:t>- Only 28 BS events are Classified correctly</a:t>
+              <a:t>- 116/145 BS events are classified correctly </a:t>
+            </a:r>
+          </a:p>
+          <a:p>
+            <a:pPr lvl="1">
+              <a:lnSpc>
+                <a:spcPct val="150000"/>
+              </a:lnSpc>
+              <a:buFont typeface="Wingdings" panose="05000000000000000000" pitchFamily="2" charset="2"/>
+              <a:buChar char="§"/>
+            </a:pPr>
+            <a:r>
+              <a:rPr lang="en-US" sz="2000" dirty="0">
+                <a:solidFill>
+                  <a:schemeClr val="bg1"/>
+                </a:solidFill>
+              </a:rPr>
+              <a:t>- 80/106 MP events are classified Correctly</a:t>
             </a:r>
           </a:p>
           <a:p>
@@ -25124,36 +25619,6 @@
           </a:p>
         </p:txBody>
       </p:sp>
-      <p:pic>
-        <p:nvPicPr>
-          <p:cNvPr id="5" name="Picture 4">
-            <a:extLst>
-              <a:ext uri="{FF2B5EF4-FFF2-40B4-BE49-F238E27FC236}">
-                <a16:creationId xmlns:a16="http://schemas.microsoft.com/office/drawing/2014/main" id="{EBE8182B-8CEC-4E99-8D01-4FD162A74E63}"/>
-              </a:ext>
-            </a:extLst>
-          </p:cNvPr>
-          <p:cNvPicPr>
-            <a:picLocks noChangeAspect="1"/>
-          </p:cNvPicPr>
-          <p:nvPr/>
-        </p:nvPicPr>
-        <p:blipFill>
-          <a:blip r:embed="rId3"/>
-          <a:stretch>
-            <a:fillRect/>
-          </a:stretch>
-        </p:blipFill>
-        <p:spPr>
-          <a:xfrm>
-            <a:off x="6108627" y="1212532"/>
-            <a:ext cx="5455921" cy="4432935"/>
-          </a:xfrm>
-          <a:prstGeom prst="rect">
-            <a:avLst/>
-          </a:prstGeom>
-        </p:spPr>
-      </p:pic>
       <p:sp>
         <p:nvSpPr>
           <p:cNvPr id="4" name="Slide Number Placeholder 3">
@@ -25246,11 +25711,41 @@
                   <a:srgbClr val="FFFFFF"/>
                 </a:solidFill>
               </a:rPr>
-              <a:t>Fig 1:  Confusion Matrix of Random Forrest Model</a:t>
+              <a:t>Fig 4:  Confusion Matrix of Random Forrest Model</a:t>
             </a:r>
           </a:p>
         </p:txBody>
       </p:sp>
+      <p:pic>
+        <p:nvPicPr>
+          <p:cNvPr id="16" name="Picture 15">
+            <a:extLst>
+              <a:ext uri="{FF2B5EF4-FFF2-40B4-BE49-F238E27FC236}">
+                <a16:creationId xmlns:a16="http://schemas.microsoft.com/office/drawing/2014/main" id="{33E9D915-5CAE-48D9-885C-40347B0AEB41}"/>
+              </a:ext>
+            </a:extLst>
+          </p:cNvPr>
+          <p:cNvPicPr>
+            <a:picLocks noChangeAspect="1"/>
+          </p:cNvPicPr>
+          <p:nvPr/>
+        </p:nvPicPr>
+        <p:blipFill>
+          <a:blip r:embed="rId3"/>
+          <a:stretch>
+            <a:fillRect/>
+          </a:stretch>
+        </p:blipFill>
+        <p:spPr>
+          <a:xfrm>
+            <a:off x="6095999" y="1093509"/>
+            <a:ext cx="5376146" cy="4511954"/>
+          </a:xfrm>
+          <a:prstGeom prst="rect">
+            <a:avLst/>
+          </a:prstGeom>
+        </p:spPr>
+      </p:pic>
     </p:spTree>
     <p:extLst>
       <p:ext uri="{BB962C8B-B14F-4D97-AF65-F5344CB8AC3E}">
@@ -25828,6 +26323,23 @@
 </file>
 
 <file path=customXml/item1.xml><?xml version="1.0" encoding="utf-8"?>
+<p:properties xmlns:p="http://schemas.microsoft.com/office/2006/metadata/properties" xmlns:xsi="http://www.w3.org/2001/XMLSchema-instance" xmlns:pc="http://schemas.microsoft.com/office/infopath/2007/PartnerControls">
+  <documentManagement>
+    <MediaServiceKeyPoints xmlns="71af3243-3dd4-4a8d-8c0d-dd76da1f02a5" xsi:nil="true"/>
+  </documentManagement>
+</p:properties>
+</file>
+
+<file path=customXml/item2.xml><?xml version="1.0" encoding="utf-8"?>
+<?mso-contentType ?>
+<FormTemplates xmlns="http://schemas.microsoft.com/sharepoint/v3/contenttype/forms">
+  <Display>DocumentLibraryForm</Display>
+  <Edit>DocumentLibraryForm</Edit>
+  <New>DocumentLibraryForm</New>
+</FormTemplates>
+</file>
+
+<file path=customXml/item3.xml><?xml version="1.0" encoding="utf-8"?>
 <ct:contentTypeSchema xmlns:ct="http://schemas.microsoft.com/office/2006/metadata/contentType" xmlns:ma="http://schemas.microsoft.com/office/2006/metadata/properties/metaAttributes" ct:_="" ma:_="" ma:contentTypeName="Document" ma:contentTypeID="0x01010079F111ED35F8CC479449609E8A0923A6" ma:contentTypeVersion="11" ma:contentTypeDescription="Create a new document." ma:contentTypeScope="" ma:versionID="9677210f24a1be23c92c90fd886aa0aa">
   <xsd:schema xmlns:xsd="http://www.w3.org/2001/XMLSchema" xmlns:xs="http://www.w3.org/2001/XMLSchema" xmlns:p="http://schemas.microsoft.com/office/2006/metadata/properties" xmlns:ns2="71af3243-3dd4-4a8d-8c0d-dd76da1f02a5" xmlns:ns3="16c05727-aa75-4e4a-9b5f-8a80a1165891" targetNamespace="http://schemas.microsoft.com/office/2006/metadata/properties" ma:root="true" ma:fieldsID="60e05723c5c1908df1a1a4ebf11d344e" ns2:_="" ns3:_="">
     <xsd:import namespace="71af3243-3dd4-4a8d-8c0d-dd76da1f02a5"/>
@@ -26038,24 +26550,25 @@
 </ct:contentTypeSchema>
 </file>
 
-<file path=customXml/item2.xml><?xml version="1.0" encoding="utf-8"?>
-<?mso-contentType ?>
-<FormTemplates xmlns="http://schemas.microsoft.com/sharepoint/v3/contenttype/forms">
-  <Display>DocumentLibraryForm</Display>
-  <Edit>DocumentLibraryForm</Edit>
-  <New>DocumentLibraryForm</New>
-</FormTemplates>
+<file path=customXml/itemProps1.xml><?xml version="1.0" encoding="utf-8"?>
+<ds:datastoreItem xmlns:ds="http://schemas.openxmlformats.org/officeDocument/2006/customXml" ds:itemID="{788A2F88-55C5-4ED1-9541-807C65424763}">
+  <ds:schemaRefs>
+    <ds:schemaRef ds:uri="http://schemas.microsoft.com/office/2006/metadata/properties"/>
+    <ds:schemaRef ds:uri="http://schemas.microsoft.com/office/infopath/2007/PartnerControls"/>
+    <ds:schemaRef ds:uri="71af3243-3dd4-4a8d-8c0d-dd76da1f02a5"/>
+  </ds:schemaRefs>
+</ds:datastoreItem>
 </file>
 
-<file path=customXml/item3.xml><?xml version="1.0" encoding="utf-8"?>
-<p:properties xmlns:p="http://schemas.microsoft.com/office/2006/metadata/properties" xmlns:xsi="http://www.w3.org/2001/XMLSchema-instance" xmlns:pc="http://schemas.microsoft.com/office/infopath/2007/PartnerControls">
-  <documentManagement>
-    <MediaServiceKeyPoints xmlns="71af3243-3dd4-4a8d-8c0d-dd76da1f02a5" xsi:nil="true"/>
-  </documentManagement>
-</p:properties>
+<file path=customXml/itemProps2.xml><?xml version="1.0" encoding="utf-8"?>
+<ds:datastoreItem xmlns:ds="http://schemas.openxmlformats.org/officeDocument/2006/customXml" ds:itemID="{4F44C90D-2A62-4985-9618-3460247437B1}">
+  <ds:schemaRefs>
+    <ds:schemaRef ds:uri="http://schemas.microsoft.com/sharepoint/v3/contenttype/forms"/>
+  </ds:schemaRefs>
+</ds:datastoreItem>
 </file>
 
-<file path=customXml/itemProps1.xml><?xml version="1.0" encoding="utf-8"?>
+<file path=customXml/itemProps3.xml><?xml version="1.0" encoding="utf-8"?>
 <ds:datastoreItem xmlns:ds="http://schemas.openxmlformats.org/officeDocument/2006/customXml" ds:itemID="{B61EAB5F-88FC-4FAE-AE3C-037A3C365EB8}">
   <ds:schemaRefs>
     <ds:schemaRef ds:uri="http://schemas.microsoft.com/office/2006/metadata/contentType"/>
@@ -26072,22 +26585,4 @@
     <ds:schemaRef ds:uri="http://schemas.microsoft.com/internal/obd"/>
   </ds:schemaRefs>
 </ds:datastoreItem>
-</file>
-
-<file path=customXml/itemProps2.xml><?xml version="1.0" encoding="utf-8"?>
-<ds:datastoreItem xmlns:ds="http://schemas.openxmlformats.org/officeDocument/2006/customXml" ds:itemID="{4F44C90D-2A62-4985-9618-3460247437B1}">
-  <ds:schemaRefs>
-    <ds:schemaRef ds:uri="http://schemas.microsoft.com/sharepoint/v3/contenttype/forms"/>
-  </ds:schemaRefs>
-</ds:datastoreItem>
-</file>
-
-<file path=customXml/itemProps3.xml><?xml version="1.0" encoding="utf-8"?>
-<ds:datastoreItem xmlns:ds="http://schemas.openxmlformats.org/officeDocument/2006/customXml" ds:itemID="{788A2F88-55C5-4ED1-9541-807C65424763}">
-  <ds:schemaRefs>
-    <ds:schemaRef ds:uri="http://schemas.microsoft.com/office/2006/metadata/properties"/>
-    <ds:schemaRef ds:uri="http://schemas.microsoft.com/office/infopath/2007/PartnerControls"/>
-    <ds:schemaRef ds:uri="71af3243-3dd4-4a8d-8c0d-dd76da1f02a5"/>
-  </ds:schemaRefs>
-</ds:datastoreItem>
 </file>
--- a/Classification of bow shock event positions from Magnetic.pptx
+++ b/Classification of bow shock event positions from Magnetic.pptx
@@ -16,9 +16,9 @@
     <p:sldId id="280" r:id="rId10"/>
     <p:sldId id="281" r:id="rId11"/>
     <p:sldId id="283" r:id="rId12"/>
-    <p:sldId id="284" r:id="rId13"/>
-    <p:sldId id="285" r:id="rId14"/>
-    <p:sldId id="289" r:id="rId15"/>
+    <p:sldId id="285" r:id="rId13"/>
+    <p:sldId id="289" r:id="rId14"/>
+    <p:sldId id="284" r:id="rId15"/>
     <p:sldId id="286" r:id="rId16"/>
     <p:sldId id="287" r:id="rId17"/>
     <p:sldId id="288" r:id="rId18"/>
@@ -210,7 +210,7 @@
           <a:p>
             <a:fld id="{C452ADB1-275D-430A-89EE-5C7E6CFF6FF2}" type="datetimeFigureOut">
               <a:rPr lang="en-US" smtClean="0"/>
-              <a:t>6/21/2021</a:t>
+              <a:t>6/22/2021</a:t>
             </a:fld>
             <a:endParaRPr lang="en-US" dirty="0"/>
           </a:p>
@@ -521,10 +521,235 @@
           <a:bodyPr/>
           <a:lstStyle/>
           <a:p>
+            <a:endParaRPr lang="en-IN" dirty="0"/>
+          </a:p>
+        </p:txBody>
+      </p:sp>
+      <p:sp>
+        <p:nvSpPr>
+          <p:cNvPr id="4" name="Slide Number Placeholder 3"/>
+          <p:cNvSpPr>
+            <a:spLocks noGrp="1"/>
+          </p:cNvSpPr>
+          <p:nvPr>
+            <p:ph type="sldNum" sz="quarter" idx="5"/>
+          </p:nvPr>
+        </p:nvSpPr>
+        <p:spPr/>
+        <p:txBody>
+          <a:bodyPr/>
+          <a:lstStyle/>
+          <a:p>
+            <a:fld id="{4B725628-3A68-42F4-BA86-981817953149}" type="slidenum">
+              <a:rPr lang="en-US" smtClean="0"/>
+              <a:t>1</a:t>
+            </a:fld>
+            <a:endParaRPr lang="en-US" dirty="0"/>
+          </a:p>
+        </p:txBody>
+      </p:sp>
+    </p:spTree>
+    <p:extLst>
+      <p:ext uri="{BB962C8B-B14F-4D97-AF65-F5344CB8AC3E}">
+        <p14:creationId xmlns:p14="http://schemas.microsoft.com/office/powerpoint/2010/main" val="2453816931"/>
+      </p:ext>
+    </p:extLst>
+  </p:cSld>
+  <p:clrMapOvr>
+    <a:masterClrMapping/>
+  </p:clrMapOvr>
+</p:notes>
+</file>
+
+<file path=ppt/notesSlides/notesSlide2.xml><?xml version="1.0" encoding="utf-8"?>
+<p:notes xmlns:a="http://schemas.openxmlformats.org/drawingml/2006/main" xmlns:r="http://schemas.openxmlformats.org/officeDocument/2006/relationships" xmlns:p="http://schemas.openxmlformats.org/presentationml/2006/main">
+  <p:cSld>
+    <p:spTree>
+      <p:nvGrpSpPr>
+        <p:cNvPr id="1" name=""/>
+        <p:cNvGrpSpPr/>
+        <p:nvPr/>
+      </p:nvGrpSpPr>
+      <p:grpSpPr>
+        <a:xfrm>
+          <a:off x="0" y="0"/>
+          <a:ext cx="0" cy="0"/>
+          <a:chOff x="0" y="0"/>
+          <a:chExt cx="0" cy="0"/>
+        </a:xfrm>
+      </p:grpSpPr>
+      <p:sp>
+        <p:nvSpPr>
+          <p:cNvPr id="2" name="Slide Image Placeholder 1"/>
+          <p:cNvSpPr>
+            <a:spLocks noGrp="1" noRot="1" noChangeAspect="1"/>
+          </p:cNvSpPr>
+          <p:nvPr>
+            <p:ph type="sldImg"/>
+          </p:nvPr>
+        </p:nvSpPr>
+        <p:spPr/>
+      </p:sp>
+      <p:sp>
+        <p:nvSpPr>
+          <p:cNvPr id="3" name="Notes Placeholder 2"/>
+          <p:cNvSpPr>
+            <a:spLocks noGrp="1"/>
+          </p:cNvSpPr>
+          <p:nvPr>
+            <p:ph type="body" idx="1"/>
+          </p:nvPr>
+        </p:nvSpPr>
+        <p:spPr/>
+        <p:txBody>
+          <a:bodyPr/>
+          <a:lstStyle/>
+          <a:p>
+            <a:pPr marL="171450" indent="-171450">
+              <a:buFont typeface="Arial" panose="020B0604020202020204" pitchFamily="34" charset="0"/>
+              <a:buChar char="•"/>
+            </a:pPr>
             <a:r>
               <a:rPr lang="en-IN" dirty="0"/>
-              <a:t>ss</a:t>
+              <a:t>Cassini-Huygens mission was initiated to study the planet Saturn and its system(natural satellite)</a:t>
             </a:r>
+          </a:p>
+          <a:p>
+            <a:pPr marL="171450" indent="-171450">
+              <a:buFont typeface="Arial" panose="020B0604020202020204" pitchFamily="34" charset="0"/>
+              <a:buChar char="•"/>
+            </a:pPr>
+            <a:r>
+              <a:rPr lang="en-IN" dirty="0"/>
+              <a:t>Bow Shock Occurs when magnetosphere of astrophysical objects interacts with the flowing plasma like solar wind when the speed or pressure of the wind decreases suddenly.</a:t>
+            </a:r>
+          </a:p>
+          <a:p>
+            <a:pPr marL="171450" indent="-171450">
+              <a:buFont typeface="Arial" panose="020B0604020202020204" pitchFamily="34" charset="0"/>
+              <a:buChar char="•"/>
+            </a:pPr>
+            <a:r>
+              <a:rPr lang="en-US" b="0" i="0" dirty="0">
+                <a:solidFill>
+                  <a:srgbClr val="4D5156"/>
+                </a:solidFill>
+                <a:effectLst/>
+                <a:latin typeface="arial" panose="020B0604020202020204" pitchFamily="34" charset="0"/>
+              </a:rPr>
+              <a:t>Magnetopause is the boundary between the planet's magnetic field and the solar wind.</a:t>
+            </a:r>
+            <a:endParaRPr lang="en-IN" dirty="0"/>
+          </a:p>
+        </p:txBody>
+      </p:sp>
+      <p:sp>
+        <p:nvSpPr>
+          <p:cNvPr id="4" name="Slide Number Placeholder 3"/>
+          <p:cNvSpPr>
+            <a:spLocks noGrp="1"/>
+          </p:cNvSpPr>
+          <p:nvPr>
+            <p:ph type="sldNum" sz="quarter" idx="5"/>
+          </p:nvPr>
+        </p:nvSpPr>
+        <p:spPr/>
+        <p:txBody>
+          <a:bodyPr/>
+          <a:lstStyle/>
+          <a:p>
+            <a:fld id="{4B725628-3A68-42F4-BA86-981817953149}" type="slidenum">
+              <a:rPr lang="en-US" smtClean="0"/>
+              <a:t>2</a:t>
+            </a:fld>
+            <a:endParaRPr lang="en-US" dirty="0"/>
+          </a:p>
+        </p:txBody>
+      </p:sp>
+    </p:spTree>
+    <p:extLst>
+      <p:ext uri="{BB962C8B-B14F-4D97-AF65-F5344CB8AC3E}">
+        <p14:creationId xmlns:p14="http://schemas.microsoft.com/office/powerpoint/2010/main" val="3745260495"/>
+      </p:ext>
+    </p:extLst>
+  </p:cSld>
+  <p:clrMapOvr>
+    <a:masterClrMapping/>
+  </p:clrMapOvr>
+</p:notes>
+</file>
+
+<file path=ppt/notesSlides/notesSlide3.xml><?xml version="1.0" encoding="utf-8"?>
+<p:notes xmlns:a="http://schemas.openxmlformats.org/drawingml/2006/main" xmlns:r="http://schemas.openxmlformats.org/officeDocument/2006/relationships" xmlns:p="http://schemas.openxmlformats.org/presentationml/2006/main">
+  <p:cSld>
+    <p:spTree>
+      <p:nvGrpSpPr>
+        <p:cNvPr id="1" name=""/>
+        <p:cNvGrpSpPr/>
+        <p:nvPr/>
+      </p:nvGrpSpPr>
+      <p:grpSpPr>
+        <a:xfrm>
+          <a:off x="0" y="0"/>
+          <a:ext cx="0" cy="0"/>
+          <a:chOff x="0" y="0"/>
+          <a:chExt cx="0" cy="0"/>
+        </a:xfrm>
+      </p:grpSpPr>
+      <p:sp>
+        <p:nvSpPr>
+          <p:cNvPr id="2" name="Slide Image Placeholder 1"/>
+          <p:cNvSpPr>
+            <a:spLocks noGrp="1" noRot="1" noChangeAspect="1"/>
+          </p:cNvSpPr>
+          <p:nvPr>
+            <p:ph type="sldImg"/>
+          </p:nvPr>
+        </p:nvSpPr>
+        <p:spPr/>
+      </p:sp>
+      <p:sp>
+        <p:nvSpPr>
+          <p:cNvPr id="3" name="Notes Placeholder 2"/>
+          <p:cNvSpPr>
+            <a:spLocks noGrp="1"/>
+          </p:cNvSpPr>
+          <p:nvPr>
+            <p:ph type="body" idx="1"/>
+          </p:nvPr>
+        </p:nvSpPr>
+        <p:spPr/>
+        <p:txBody>
+          <a:bodyPr/>
+          <a:lstStyle/>
+          <a:p>
+            <a:r>
+              <a:rPr lang="en-IN" b="0" i="0" dirty="0" err="1">
+                <a:solidFill>
+                  <a:srgbClr val="4D5156"/>
+                </a:solidFill>
+                <a:effectLst/>
+                <a:latin typeface="arial" panose="020B0604020202020204" pitchFamily="34" charset="0"/>
+              </a:rPr>
+              <a:t>Kronocentric</a:t>
+            </a:r>
+            <a:r>
+              <a:rPr lang="en-IN" b="0" i="0" dirty="0">
+                <a:solidFill>
+                  <a:srgbClr val="4D5156"/>
+                </a:solidFill>
+                <a:effectLst/>
+                <a:latin typeface="arial" panose="020B0604020202020204" pitchFamily="34" charset="0"/>
+              </a:rPr>
+              <a:t> Solar Magnetospheric(KSM)</a:t>
+            </a:r>
+          </a:p>
+          <a:p>
+            <a:r>
+              <a:rPr lang="en-US"/>
+              <a:t>KSM is a cartesian Saturn-center coordinate system where X points from Saturn to the Sun, the X-Z plane contains Saturn's centered magnetic dipole axis, M, and Y completes right handed set.</a:t>
+            </a:r>
+            <a:endParaRPr lang="en-IN" dirty="0"/>
           </a:p>
         </p:txBody>
       </p:sp>
@@ -564,7 +789,175 @@
 </p:notes>
 </file>
 
-<file path=ppt/notesSlides/notesSlide2.xml><?xml version="1.0" encoding="utf-8"?>
+<file path=ppt/notesSlides/notesSlide4.xml><?xml version="1.0" encoding="utf-8"?>
+<p:notes xmlns:a="http://schemas.openxmlformats.org/drawingml/2006/main" xmlns:r="http://schemas.openxmlformats.org/officeDocument/2006/relationships" xmlns:p="http://schemas.openxmlformats.org/presentationml/2006/main">
+  <p:cSld>
+    <p:spTree>
+      <p:nvGrpSpPr>
+        <p:cNvPr id="1" name=""/>
+        <p:cNvGrpSpPr/>
+        <p:nvPr/>
+      </p:nvGrpSpPr>
+      <p:grpSpPr>
+        <a:xfrm>
+          <a:off x="0" y="0"/>
+          <a:ext cx="0" cy="0"/>
+          <a:chOff x="0" y="0"/>
+          <a:chExt cx="0" cy="0"/>
+        </a:xfrm>
+      </p:grpSpPr>
+      <p:sp>
+        <p:nvSpPr>
+          <p:cNvPr id="2" name="Slide Image Placeholder 1"/>
+          <p:cNvSpPr>
+            <a:spLocks noGrp="1" noRot="1" noChangeAspect="1"/>
+          </p:cNvSpPr>
+          <p:nvPr>
+            <p:ph type="sldImg"/>
+          </p:nvPr>
+        </p:nvSpPr>
+        <p:spPr/>
+      </p:sp>
+      <p:sp>
+        <p:nvSpPr>
+          <p:cNvPr id="3" name="Notes Placeholder 2"/>
+          <p:cNvSpPr>
+            <a:spLocks noGrp="1"/>
+          </p:cNvSpPr>
+          <p:nvPr>
+            <p:ph type="body" idx="1"/>
+          </p:nvPr>
+        </p:nvSpPr>
+        <p:spPr/>
+        <p:txBody>
+          <a:bodyPr/>
+          <a:lstStyle/>
+          <a:p>
+            <a:endParaRPr lang="en-IN" dirty="0"/>
+          </a:p>
+        </p:txBody>
+      </p:sp>
+      <p:sp>
+        <p:nvSpPr>
+          <p:cNvPr id="4" name="Slide Number Placeholder 3"/>
+          <p:cNvSpPr>
+            <a:spLocks noGrp="1"/>
+          </p:cNvSpPr>
+          <p:nvPr>
+            <p:ph type="sldNum" sz="quarter" idx="5"/>
+          </p:nvPr>
+        </p:nvSpPr>
+        <p:spPr/>
+        <p:txBody>
+          <a:bodyPr/>
+          <a:lstStyle/>
+          <a:p>
+            <a:fld id="{4B725628-3A68-42F4-BA86-981817953149}" type="slidenum">
+              <a:rPr lang="en-US" smtClean="0"/>
+              <a:t>6</a:t>
+            </a:fld>
+            <a:endParaRPr lang="en-US" dirty="0"/>
+          </a:p>
+        </p:txBody>
+      </p:sp>
+    </p:spTree>
+    <p:extLst>
+      <p:ext uri="{BB962C8B-B14F-4D97-AF65-F5344CB8AC3E}">
+        <p14:creationId xmlns:p14="http://schemas.microsoft.com/office/powerpoint/2010/main" val="2793728921"/>
+      </p:ext>
+    </p:extLst>
+  </p:cSld>
+  <p:clrMapOvr>
+    <a:masterClrMapping/>
+  </p:clrMapOvr>
+</p:notes>
+</file>
+
+<file path=ppt/notesSlides/notesSlide5.xml><?xml version="1.0" encoding="utf-8"?>
+<p:notes xmlns:a="http://schemas.openxmlformats.org/drawingml/2006/main" xmlns:r="http://schemas.openxmlformats.org/officeDocument/2006/relationships" xmlns:p="http://schemas.openxmlformats.org/presentationml/2006/main">
+  <p:cSld>
+    <p:spTree>
+      <p:nvGrpSpPr>
+        <p:cNvPr id="1" name=""/>
+        <p:cNvGrpSpPr/>
+        <p:nvPr/>
+      </p:nvGrpSpPr>
+      <p:grpSpPr>
+        <a:xfrm>
+          <a:off x="0" y="0"/>
+          <a:ext cx="0" cy="0"/>
+          <a:chOff x="0" y="0"/>
+          <a:chExt cx="0" cy="0"/>
+        </a:xfrm>
+      </p:grpSpPr>
+      <p:sp>
+        <p:nvSpPr>
+          <p:cNvPr id="2" name="Slide Image Placeholder 1"/>
+          <p:cNvSpPr>
+            <a:spLocks noGrp="1" noRot="1" noChangeAspect="1"/>
+          </p:cNvSpPr>
+          <p:nvPr>
+            <p:ph type="sldImg"/>
+          </p:nvPr>
+        </p:nvSpPr>
+        <p:spPr/>
+      </p:sp>
+      <p:sp>
+        <p:nvSpPr>
+          <p:cNvPr id="3" name="Notes Placeholder 2"/>
+          <p:cNvSpPr>
+            <a:spLocks noGrp="1"/>
+          </p:cNvSpPr>
+          <p:nvPr>
+            <p:ph type="body" idx="1"/>
+          </p:nvPr>
+        </p:nvSpPr>
+        <p:spPr/>
+        <p:txBody>
+          <a:bodyPr/>
+          <a:lstStyle/>
+          <a:p>
+            <a:endParaRPr lang="en-IN" dirty="0"/>
+          </a:p>
+        </p:txBody>
+      </p:sp>
+      <p:sp>
+        <p:nvSpPr>
+          <p:cNvPr id="4" name="Slide Number Placeholder 3"/>
+          <p:cNvSpPr>
+            <a:spLocks noGrp="1"/>
+          </p:cNvSpPr>
+          <p:nvPr>
+            <p:ph type="sldNum" sz="quarter" idx="5"/>
+          </p:nvPr>
+        </p:nvSpPr>
+        <p:spPr/>
+        <p:txBody>
+          <a:bodyPr/>
+          <a:lstStyle/>
+          <a:p>
+            <a:fld id="{4B725628-3A68-42F4-BA86-981817953149}" type="slidenum">
+              <a:rPr lang="en-US" smtClean="0"/>
+              <a:t>10</a:t>
+            </a:fld>
+            <a:endParaRPr lang="en-US" dirty="0"/>
+          </a:p>
+        </p:txBody>
+      </p:sp>
+    </p:spTree>
+    <p:extLst>
+      <p:ext uri="{BB962C8B-B14F-4D97-AF65-F5344CB8AC3E}">
+        <p14:creationId xmlns:p14="http://schemas.microsoft.com/office/powerpoint/2010/main" val="506878657"/>
+      </p:ext>
+    </p:extLst>
+  </p:cSld>
+  <p:clrMapOvr>
+    <a:masterClrMapping/>
+  </p:clrMapOvr>
+</p:notes>
+</file>
+
+<file path=ppt/notesSlides/notesSlide6.xml><?xml version="1.0" encoding="utf-8"?>
 <p:notes xmlns:a="http://schemas.openxmlformats.org/drawingml/2006/main" xmlns:r="http://schemas.openxmlformats.org/officeDocument/2006/relationships" xmlns:p="http://schemas.openxmlformats.org/presentationml/2006/main">
   <p:cSld>
     <p:spTree>
@@ -632,7 +1025,7 @@
           <a:p>
             <a:fld id="{4B725628-3A68-42F4-BA86-981817953149}" type="slidenum">
               <a:rPr lang="en-US" smtClean="0"/>
-              <a:t>9</a:t>
+              <a:t>11</a:t>
             </a:fld>
             <a:endParaRPr lang="en-US" dirty="0"/>
           </a:p>
@@ -9444,7 +9837,7 @@
           <a:p>
             <a:fld id="{372C6F16-17D9-41AD-BC80-03452AFD9C3A}" type="datetime1">
               <a:rPr lang="en-US" smtClean="0"/>
-              <a:t>6/21/2021</a:t>
+              <a:t>6/22/2021</a:t>
             </a:fld>
             <a:endParaRPr lang="en-US" dirty="0"/>
           </a:p>
@@ -9646,7 +10039,7 @@
           <a:p>
             <a:fld id="{F01B563A-6EE7-47DE-B2CD-3F96EA06464C}" type="datetime1">
               <a:rPr lang="en-US" smtClean="0"/>
-              <a:t>6/21/2021</a:t>
+              <a:t>6/22/2021</a:t>
             </a:fld>
             <a:endParaRPr lang="en-US" dirty="0"/>
           </a:p>
@@ -9821,7 +10214,7 @@
           <a:p>
             <a:fld id="{56394B6A-1F09-43F6-A3E0-611120220952}" type="datetime1">
               <a:rPr lang="en-US" smtClean="0"/>
-              <a:t>6/21/2021</a:t>
+              <a:t>6/22/2021</a:t>
             </a:fld>
             <a:endParaRPr lang="en-US" dirty="0"/>
           </a:p>
@@ -10021,7 +10414,7 @@
           <a:p>
             <a:fld id="{9CF7B236-8972-47AA-902B-B38ED0DEE98F}" type="datetime1">
               <a:rPr lang="en-US" smtClean="0"/>
-              <a:t>6/21/2021</a:t>
+              <a:t>6/22/2021</a:t>
             </a:fld>
             <a:endParaRPr lang="en-US" dirty="0"/>
           </a:p>
@@ -18914,7 +19307,7 @@
           <a:p>
             <a:fld id="{F07572AB-E732-4A26-9F18-02E898B00289}" type="datetime1">
               <a:rPr lang="en-US" smtClean="0"/>
-              <a:t>6/21/2021</a:t>
+              <a:t>6/22/2021</a:t>
             </a:fld>
             <a:endParaRPr lang="en-US" dirty="0"/>
           </a:p>
@@ -19183,7 +19576,7 @@
           <a:p>
             <a:fld id="{CFB5713B-725A-4F68-ACFD-9802754C1A30}" type="datetime1">
               <a:rPr lang="en-US" smtClean="0"/>
-              <a:t>6/21/2021</a:t>
+              <a:t>6/22/2021</a:t>
             </a:fld>
             <a:endParaRPr lang="en-US" dirty="0"/>
           </a:p>
@@ -19576,7 +19969,7 @@
           <a:p>
             <a:fld id="{20C072FD-63D4-4B78-9DFB-EA8F4EB8EDCE}" type="datetime1">
               <a:rPr lang="en-US" smtClean="0"/>
-              <a:t>6/21/2021</a:t>
+              <a:t>6/22/2021</a:t>
             </a:fld>
             <a:endParaRPr lang="en-US" dirty="0"/>
           </a:p>
@@ -19689,7 +20082,7 @@
           <a:p>
             <a:fld id="{89702039-531C-4715-AD66-92C6E86A61E6}" type="datetime1">
               <a:rPr lang="en-US" smtClean="0"/>
-              <a:t>6/21/2021</a:t>
+              <a:t>6/22/2021</a:t>
             </a:fld>
             <a:endParaRPr lang="en-US" dirty="0"/>
           </a:p>
@@ -19779,7 +20172,7 @@
           <a:p>
             <a:fld id="{80C644CF-207B-49DD-B250-33C860A4BA35}" type="datetime1">
               <a:rPr lang="en-US" smtClean="0"/>
-              <a:t>6/21/2021</a:t>
+              <a:t>6/22/2021</a:t>
             </a:fld>
             <a:endParaRPr lang="en-US" dirty="0"/>
           </a:p>
@@ -20064,7 +20457,7 @@
           <a:p>
             <a:fld id="{EA1B8F73-0744-48BA-A290-4C63FF9E8094}" type="datetime1">
               <a:rPr lang="en-US" smtClean="0"/>
-              <a:t>6/21/2021</a:t>
+              <a:t>6/22/2021</a:t>
             </a:fld>
             <a:endParaRPr lang="en-US" dirty="0"/>
           </a:p>
@@ -20339,7 +20732,7 @@
           <a:p>
             <a:fld id="{F006B782-C0EE-441B-AE2E-8DE5D6C20F62}" type="datetime1">
               <a:rPr lang="en-US" smtClean="0"/>
-              <a:t>6/21/2021</a:t>
+              <a:t>6/22/2021</a:t>
             </a:fld>
             <a:endParaRPr lang="en-US" dirty="0"/>
           </a:p>
@@ -20584,7 +20977,7 @@
           <a:p>
             <a:fld id="{B73826A1-26CC-4FB0-BB09-54544FFF8F63}" type="datetime1">
               <a:rPr lang="en-US" smtClean="0"/>
-              <a:t>6/21/2021</a:t>
+              <a:t>6/22/2021</a:t>
             </a:fld>
             <a:endParaRPr lang="en-US" dirty="0"/>
           </a:p>
@@ -21172,7 +21565,7 @@
           <p:nvPr/>
         </p:nvPicPr>
         <p:blipFill rotWithShape="1">
-          <a:blip r:embed="rId2"/>
+          <a:blip r:embed="rId3"/>
           <a:srcRect r="52444" b="-1"/>
           <a:stretch/>
         </p:blipFill>
@@ -21734,331 +22127,6 @@
           <p:cNvPr id="2" name="Title 1">
             <a:extLst>
               <a:ext uri="{FF2B5EF4-FFF2-40B4-BE49-F238E27FC236}">
-                <a16:creationId xmlns:a16="http://schemas.microsoft.com/office/drawing/2014/main" id="{E06FFED8-AB88-4AF7-943E-BB94C6A22431}"/>
-              </a:ext>
-            </a:extLst>
-          </p:cNvPr>
-          <p:cNvSpPr>
-            <a:spLocks noGrp="1"/>
-          </p:cNvSpPr>
-          <p:nvPr>
-            <p:ph type="title"/>
-          </p:nvPr>
-        </p:nvSpPr>
-        <p:spPr>
-          <a:xfrm>
-            <a:off x="1024129" y="585216"/>
-            <a:ext cx="4431792" cy="1499616"/>
-          </a:xfrm>
-        </p:spPr>
-        <p:txBody>
-          <a:bodyPr>
-            <a:normAutofit fontScale="90000"/>
-          </a:bodyPr>
-          <a:lstStyle/>
-          <a:p>
-            <a:r>
-              <a:rPr lang="en-IN" dirty="0"/>
-              <a:t>Logistic regression model-1 </a:t>
-            </a:r>
-          </a:p>
-        </p:txBody>
-      </p:sp>
-      <p:sp>
-        <p:nvSpPr>
-          <p:cNvPr id="3" name="Content Placeholder 2">
-            <a:extLst>
-              <a:ext uri="{FF2B5EF4-FFF2-40B4-BE49-F238E27FC236}">
-                <a16:creationId xmlns:a16="http://schemas.microsoft.com/office/drawing/2014/main" id="{33F0A45B-C843-48B1-9196-189A76FC7605}"/>
-              </a:ext>
-            </a:extLst>
-          </p:cNvPr>
-          <p:cNvSpPr>
-            <a:spLocks noGrp="1"/>
-          </p:cNvSpPr>
-          <p:nvPr>
-            <p:ph idx="1"/>
-          </p:nvPr>
-        </p:nvSpPr>
-        <p:spPr>
-          <a:xfrm>
-            <a:off x="1024128" y="2286000"/>
-            <a:ext cx="4978222" cy="3931920"/>
-          </a:xfrm>
-        </p:spPr>
-        <p:txBody>
-          <a:bodyPr>
-            <a:normAutofit/>
-          </a:bodyPr>
-          <a:lstStyle/>
-          <a:p>
-            <a:pPr>
-              <a:lnSpc>
-                <a:spcPct val="150000"/>
-              </a:lnSpc>
-              <a:buFont typeface="Wingdings" panose="05000000000000000000" pitchFamily="2" charset="2"/>
-              <a:buChar char="§"/>
-            </a:pPr>
-            <a:r>
-              <a:rPr lang="en-IN" sz="2000" dirty="0"/>
-              <a:t>In this Model we are trying to predict </a:t>
-            </a:r>
-          </a:p>
-          <a:p>
-            <a:pPr lvl="2">
-              <a:lnSpc>
-                <a:spcPct val="100000"/>
-              </a:lnSpc>
-              <a:buFont typeface="Wingdings" panose="05000000000000000000" pitchFamily="2" charset="2"/>
-              <a:buChar char="§"/>
-            </a:pPr>
-            <a:r>
-              <a:rPr lang="en-IN" sz="2000" dirty="0"/>
-              <a:t>BS points which is recorded as ‘1’ in the column event_recorded</a:t>
-            </a:r>
-            <a:r>
-              <a:rPr lang="en-IN" sz="1200" dirty="0"/>
-              <a:t> </a:t>
-            </a:r>
-          </a:p>
-          <a:p>
-            <a:pPr lvl="2">
-              <a:lnSpc>
-                <a:spcPct val="100000"/>
-              </a:lnSpc>
-              <a:buFont typeface="Wingdings" panose="05000000000000000000" pitchFamily="2" charset="2"/>
-              <a:buChar char="§"/>
-            </a:pPr>
-            <a:r>
-              <a:rPr lang="en-IN" sz="2000" dirty="0"/>
-              <a:t>MP and NE points are recorded as ‘0’ in the column event_recorded </a:t>
-            </a:r>
-          </a:p>
-          <a:p>
-            <a:pPr>
-              <a:lnSpc>
-                <a:spcPct val="100000"/>
-              </a:lnSpc>
-              <a:buFont typeface="Wingdings" panose="05000000000000000000" pitchFamily="2" charset="2"/>
-              <a:buChar char="§"/>
-            </a:pPr>
-            <a:r>
-              <a:rPr lang="en-IN" sz="2000" dirty="0"/>
-              <a:t>Accuracy is about 69%</a:t>
-            </a:r>
-          </a:p>
-          <a:p>
-            <a:pPr>
-              <a:lnSpc>
-                <a:spcPct val="100000"/>
-              </a:lnSpc>
-              <a:buFont typeface="Wingdings" panose="05000000000000000000" pitchFamily="2" charset="2"/>
-              <a:buChar char="§"/>
-            </a:pPr>
-            <a:r>
-              <a:rPr lang="en-IN" sz="2000" dirty="0"/>
-              <a:t>60/145 Bow shock points were predicted correctly.</a:t>
-            </a:r>
-          </a:p>
-          <a:p>
-            <a:pPr>
-              <a:lnSpc>
-                <a:spcPct val="100000"/>
-              </a:lnSpc>
-              <a:buFont typeface="Wingdings" panose="05000000000000000000" pitchFamily="2" charset="2"/>
-              <a:buChar char="§"/>
-            </a:pPr>
-            <a:r>
-              <a:rPr lang="en-IN" sz="2000" dirty="0"/>
-              <a:t>The threshold used here is 0.9</a:t>
-            </a:r>
-          </a:p>
-          <a:p>
-            <a:pPr lvl="2">
-              <a:buFont typeface="Wingdings" panose="05000000000000000000" pitchFamily="2" charset="2"/>
-              <a:buChar char="§"/>
-            </a:pPr>
-            <a:endParaRPr lang="en-IN" sz="1200" dirty="0"/>
-          </a:p>
-          <a:p>
-            <a:pPr lvl="2">
-              <a:buFont typeface="Wingdings" panose="05000000000000000000" pitchFamily="2" charset="2"/>
-              <a:buChar char="§"/>
-            </a:pPr>
-            <a:endParaRPr lang="en-IN" sz="1200" dirty="0"/>
-          </a:p>
-        </p:txBody>
-      </p:sp>
-      <p:sp>
-        <p:nvSpPr>
-          <p:cNvPr id="4" name="Slide Number Placeholder 3">
-            <a:extLst>
-              <a:ext uri="{FF2B5EF4-FFF2-40B4-BE49-F238E27FC236}">
-                <a16:creationId xmlns:a16="http://schemas.microsoft.com/office/drawing/2014/main" id="{EC846B6A-E724-4D1E-A785-F76B727BDF64}"/>
-              </a:ext>
-            </a:extLst>
-          </p:cNvPr>
-          <p:cNvSpPr>
-            <a:spLocks noGrp="1"/>
-          </p:cNvSpPr>
-          <p:nvPr>
-            <p:ph type="sldNum" sz="quarter" idx="12"/>
-          </p:nvPr>
-        </p:nvSpPr>
-        <p:spPr>
-          <a:xfrm>
-            <a:off x="10837333" y="6339440"/>
-            <a:ext cx="973667" cy="405584"/>
-          </a:xfrm>
-        </p:spPr>
-        <p:txBody>
-          <a:bodyPr>
-            <a:normAutofit/>
-          </a:bodyPr>
-          <a:lstStyle/>
-          <a:p>
-            <a:pPr>
-              <a:spcAft>
-                <a:spcPts val="600"/>
-              </a:spcAft>
-            </a:pPr>
-            <a:fld id="{4FAB73BC-B049-4115-A692-8D63A059BFB8}" type="slidenum">
-              <a:rPr lang="en-US" sz="2000" smtClean="0"/>
-              <a:pPr>
-                <a:spcAft>
-                  <a:spcPts val="600"/>
-                </a:spcAft>
-              </a:pPr>
-              <a:t>10</a:t>
-            </a:fld>
-            <a:endParaRPr lang="en-US" sz="2000" dirty="0"/>
-          </a:p>
-        </p:txBody>
-      </p:sp>
-      <p:sp>
-        <p:nvSpPr>
-          <p:cNvPr id="7" name="TextBox 6">
-            <a:extLst>
-              <a:ext uri="{FF2B5EF4-FFF2-40B4-BE49-F238E27FC236}">
-                <a16:creationId xmlns:a16="http://schemas.microsoft.com/office/drawing/2014/main" id="{5916F81C-CD8F-4C47-95D5-D34D83F2BBC9}"/>
-              </a:ext>
-            </a:extLst>
-          </p:cNvPr>
-          <p:cNvSpPr txBox="1"/>
-          <p:nvPr/>
-        </p:nvSpPr>
-        <p:spPr>
-          <a:xfrm>
-            <a:off x="6334849" y="6065120"/>
-            <a:ext cx="5310724" cy="274320"/>
-          </a:xfrm>
-          <a:prstGeom prst="rect">
-            <a:avLst/>
-          </a:prstGeom>
-          <a:solidFill>
-            <a:srgbClr val="000000">
-              <a:alpha val="50000"/>
-            </a:srgbClr>
-          </a:solidFill>
-          <a:ln>
-            <a:noFill/>
-          </a:ln>
-        </p:spPr>
-        <p:txBody>
-          <a:bodyPr wrap="square" rtlCol="0">
-            <a:noAutofit/>
-          </a:bodyPr>
-          <a:lstStyle/>
-          <a:p>
-            <a:pPr algn="ctr">
-              <a:spcAft>
-                <a:spcPts val="600"/>
-              </a:spcAft>
-            </a:pPr>
-            <a:r>
-              <a:rPr lang="en-IN" sz="1300" dirty="0">
-                <a:solidFill>
-                  <a:srgbClr val="FFFFFF"/>
-                </a:solidFill>
-              </a:rPr>
-              <a:t>Fig 5:  Confusion Matrix of Logistic Regression Model-1</a:t>
-            </a:r>
-          </a:p>
-        </p:txBody>
-      </p:sp>
-      <p:pic>
-        <p:nvPicPr>
-          <p:cNvPr id="9" name="Picture 8">
-            <a:extLst>
-              <a:ext uri="{FF2B5EF4-FFF2-40B4-BE49-F238E27FC236}">
-                <a16:creationId xmlns:a16="http://schemas.microsoft.com/office/drawing/2014/main" id="{3C40A3C9-5221-49D8-A111-AD7602A9E547}"/>
-              </a:ext>
-            </a:extLst>
-          </p:cNvPr>
-          <p:cNvPicPr>
-            <a:picLocks noChangeAspect="1"/>
-          </p:cNvPicPr>
-          <p:nvPr/>
-        </p:nvPicPr>
-        <p:blipFill>
-          <a:blip r:embed="rId2"/>
-          <a:stretch>
-            <a:fillRect/>
-          </a:stretch>
-        </p:blipFill>
-        <p:spPr>
-          <a:xfrm>
-            <a:off x="6656191" y="1123311"/>
-            <a:ext cx="4840483" cy="4978008"/>
-          </a:xfrm>
-          <a:prstGeom prst="rect">
-            <a:avLst/>
-          </a:prstGeom>
-        </p:spPr>
-      </p:pic>
-    </p:spTree>
-    <p:extLst>
-      <p:ext uri="{BB962C8B-B14F-4D97-AF65-F5344CB8AC3E}">
-        <p14:creationId xmlns:p14="http://schemas.microsoft.com/office/powerpoint/2010/main" val="3189604281"/>
-      </p:ext>
-    </p:extLst>
-  </p:cSld>
-  <p:clrMapOvr>
-    <a:masterClrMapping/>
-  </p:clrMapOvr>
-</p:sld>
-</file>
-
-<file path=ppt/slides/slide11.xml><?xml version="1.0" encoding="utf-8"?>
-<p:sld xmlns:a="http://schemas.openxmlformats.org/drawingml/2006/main" xmlns:r="http://schemas.openxmlformats.org/officeDocument/2006/relationships" xmlns:p="http://schemas.openxmlformats.org/presentationml/2006/main">
-  <p:cSld>
-    <p:bg>
-      <p:bgPr>
-        <a:solidFill>
-          <a:schemeClr val="bg1"/>
-        </a:solidFill>
-        <a:effectLst/>
-      </p:bgPr>
-    </p:bg>
-    <p:spTree>
-      <p:nvGrpSpPr>
-        <p:cNvPr id="1" name=""/>
-        <p:cNvGrpSpPr/>
-        <p:nvPr/>
-      </p:nvGrpSpPr>
-      <p:grpSpPr>
-        <a:xfrm>
-          <a:off x="0" y="0"/>
-          <a:ext cx="0" cy="0"/>
-          <a:chOff x="0" y="0"/>
-          <a:chExt cx="0" cy="0"/>
-        </a:xfrm>
-      </p:grpSpPr>
-      <p:sp>
-        <p:nvSpPr>
-          <p:cNvPr id="2" name="Title 1">
-            <a:extLst>
-              <a:ext uri="{FF2B5EF4-FFF2-40B4-BE49-F238E27FC236}">
                 <a16:creationId xmlns:a16="http://schemas.microsoft.com/office/drawing/2014/main" id="{0B712EB0-887A-4DE3-B949-B84E48B34104}"/>
               </a:ext>
             </a:extLst>
@@ -22182,7 +22250,7 @@
             </a:pPr>
             <a:r>
               <a:rPr lang="en-IN" sz="2000" dirty="0"/>
-              <a:t>33/103 Bow shock points were predicted correctly.</a:t>
+              <a:t>33/103 Magnetopause points were predicted correctly.</a:t>
             </a:r>
           </a:p>
           <a:p>
@@ -22232,7 +22300,7 @@
           <p:nvPr/>
         </p:nvPicPr>
         <p:blipFill>
-          <a:blip r:embed="rId2"/>
+          <a:blip r:embed="rId3"/>
           <a:stretch>
             <a:fillRect/>
           </a:stretch>
@@ -22287,7 +22355,7 @@
                   <a:spcPts val="600"/>
                 </a:spcAft>
               </a:pPr>
-              <a:t>11</a:t>
+              <a:t>10</a:t>
             </a:fld>
             <a:endParaRPr lang="en-US" sz="2000" dirty="0"/>
           </a:p>
@@ -22348,6 +22416,478 @@
     <p:extLst>
       <p:ext uri="{BB962C8B-B14F-4D97-AF65-F5344CB8AC3E}">
         <p14:creationId xmlns:p14="http://schemas.microsoft.com/office/powerpoint/2010/main" val="2749314391"/>
+      </p:ext>
+    </p:extLst>
+  </p:cSld>
+  <p:clrMapOvr>
+    <a:masterClrMapping/>
+  </p:clrMapOvr>
+</p:sld>
+</file>
+
+<file path=ppt/slides/slide11.xml><?xml version="1.0" encoding="utf-8"?>
+<p:sld xmlns:a="http://schemas.openxmlformats.org/drawingml/2006/main" xmlns:r="http://schemas.openxmlformats.org/officeDocument/2006/relationships" xmlns:p="http://schemas.openxmlformats.org/presentationml/2006/main">
+  <p:cSld>
+    <p:bg>
+      <p:bgPr>
+        <a:solidFill>
+          <a:schemeClr val="bg1"/>
+        </a:solidFill>
+        <a:effectLst/>
+      </p:bgPr>
+    </p:bg>
+    <p:spTree>
+      <p:nvGrpSpPr>
+        <p:cNvPr id="1" name=""/>
+        <p:cNvGrpSpPr/>
+        <p:nvPr/>
+      </p:nvGrpSpPr>
+      <p:grpSpPr>
+        <a:xfrm>
+          <a:off x="0" y="0"/>
+          <a:ext cx="0" cy="0"/>
+          <a:chOff x="0" y="0"/>
+          <a:chExt cx="0" cy="0"/>
+        </a:xfrm>
+      </p:grpSpPr>
+      <p:sp>
+        <p:nvSpPr>
+          <p:cNvPr id="26" name="Rectangle 25">
+            <a:extLst>
+              <a:ext uri="{FF2B5EF4-FFF2-40B4-BE49-F238E27FC236}">
+                <a16:creationId xmlns:a16="http://schemas.microsoft.com/office/drawing/2014/main" id="{4FAE1107-CEC3-4041-8BAA-CDB6F6759B35}"/>
+              </a:ext>
+              <a:ext uri="{C183D7F6-B498-43B3-948B-1728B52AA6E4}">
+                <adec:decorative xmlns:adec="http://schemas.microsoft.com/office/drawing/2017/decorative" val="1"/>
+              </a:ext>
+            </a:extLst>
+          </p:cNvPr>
+          <p:cNvSpPr>
+            <a:spLocks noGrp="1" noRot="1" noChangeAspect="1" noMove="1" noResize="1" noEditPoints="1" noAdjustHandles="1" noChangeArrowheads="1" noChangeShapeType="1" noTextEdit="1"/>
+          </p:cNvSpPr>
+          <p:nvPr>
+            <p:extLst>
+              <p:ext uri="{386F3935-93C4-4BCD-93E2-E3B085C9AB24}">
+                <p16:designElem xmlns:p16="http://schemas.microsoft.com/office/powerpoint/2015/main" val="1"/>
+              </p:ext>
+            </p:extLst>
+          </p:nvPr>
+        </p:nvSpPr>
+        <p:spPr>
+          <a:xfrm>
+            <a:off x="0" y="0"/>
+            <a:ext cx="5468548" cy="6858000"/>
+          </a:xfrm>
+          <a:prstGeom prst="rect">
+            <a:avLst/>
+          </a:prstGeom>
+          <a:solidFill>
+            <a:schemeClr val="accent1"/>
+          </a:solidFill>
+          <a:ln>
+            <a:noFill/>
+          </a:ln>
+        </p:spPr>
+        <p:style>
+          <a:lnRef idx="2">
+            <a:schemeClr val="accent1">
+              <a:shade val="50000"/>
+            </a:schemeClr>
+          </a:lnRef>
+          <a:fillRef idx="1">
+            <a:schemeClr val="accent1"/>
+          </a:fillRef>
+          <a:effectRef idx="0">
+            <a:schemeClr val="accent1"/>
+          </a:effectRef>
+          <a:fontRef idx="minor">
+            <a:schemeClr val="lt1"/>
+          </a:fontRef>
+        </p:style>
+        <p:txBody>
+          <a:bodyPr rtlCol="0" anchor="ctr"/>
+          <a:lstStyle/>
+          <a:p>
+            <a:pPr algn="ctr"/>
+            <a:endParaRPr lang="en-US"/>
+          </a:p>
+        </p:txBody>
+      </p:sp>
+      <p:sp>
+        <p:nvSpPr>
+          <p:cNvPr id="2" name="Title 1">
+            <a:extLst>
+              <a:ext uri="{FF2B5EF4-FFF2-40B4-BE49-F238E27FC236}">
+                <a16:creationId xmlns:a16="http://schemas.microsoft.com/office/drawing/2014/main" id="{081D94C2-E172-4F07-B6FE-D5CF5FD815EA}"/>
+              </a:ext>
+            </a:extLst>
+          </p:cNvPr>
+          <p:cNvSpPr>
+            <a:spLocks noGrp="1"/>
+          </p:cNvSpPr>
+          <p:nvPr>
+            <p:ph type="title"/>
+          </p:nvPr>
+        </p:nvSpPr>
+        <p:spPr>
+          <a:xfrm>
+            <a:off x="1024129" y="585216"/>
+            <a:ext cx="3779085" cy="1499616"/>
+          </a:xfrm>
+        </p:spPr>
+        <p:txBody>
+          <a:bodyPr>
+            <a:normAutofit/>
+          </a:bodyPr>
+          <a:lstStyle/>
+          <a:p>
+            <a:r>
+              <a:rPr lang="en-IN" dirty="0">
+                <a:solidFill>
+                  <a:srgbClr val="FFFFFF"/>
+                </a:solidFill>
+              </a:rPr>
+              <a:t>Random Forest</a:t>
+            </a:r>
+          </a:p>
+        </p:txBody>
+      </p:sp>
+      <p:cxnSp>
+        <p:nvCxnSpPr>
+          <p:cNvPr id="28" name="Straight Connector 27">
+            <a:extLst>
+              <a:ext uri="{FF2B5EF4-FFF2-40B4-BE49-F238E27FC236}">
+                <a16:creationId xmlns:a16="http://schemas.microsoft.com/office/drawing/2014/main" id="{1AEA88FB-F5DD-45CE-AAE1-7B33D0ABDD25}"/>
+              </a:ext>
+              <a:ext uri="{C183D7F6-B498-43B3-948B-1728B52AA6E4}">
+                <adec:decorative xmlns:adec="http://schemas.microsoft.com/office/drawing/2017/decorative" val="1"/>
+              </a:ext>
+            </a:extLst>
+          </p:cNvPr>
+          <p:cNvCxnSpPr>
+            <a:cxnSpLocks noGrp="1" noRot="1" noChangeAspect="1" noMove="1" noResize="1" noEditPoints="1" noAdjustHandles="1" noChangeArrowheads="1" noChangeShapeType="1"/>
+          </p:cNvCxnSpPr>
+          <p:nvPr>
+            <p:extLst>
+              <p:ext uri="{386F3935-93C4-4BCD-93E2-E3B085C9AB24}">
+                <p16:designElem xmlns:p16="http://schemas.microsoft.com/office/powerpoint/2015/main" val="1"/>
+              </p:ext>
+            </p:extLst>
+          </p:nvPr>
+        </p:nvCxnSpPr>
+        <p:spPr>
+          <a:xfrm flipV="1">
+            <a:off x="762000" y="826324"/>
+            <a:ext cx="0" cy="914400"/>
+          </a:xfrm>
+          <a:prstGeom prst="line">
+            <a:avLst/>
+          </a:prstGeom>
+          <a:ln w="19050">
+            <a:solidFill>
+              <a:schemeClr val="accent1">
+                <a:lumMod val="20000"/>
+                <a:lumOff val="80000"/>
+              </a:schemeClr>
+            </a:solidFill>
+          </a:ln>
+        </p:spPr>
+        <p:style>
+          <a:lnRef idx="1">
+            <a:schemeClr val="accent1"/>
+          </a:lnRef>
+          <a:fillRef idx="0">
+            <a:schemeClr val="accent1"/>
+          </a:fillRef>
+          <a:effectRef idx="0">
+            <a:schemeClr val="accent1"/>
+          </a:effectRef>
+          <a:fontRef idx="minor">
+            <a:schemeClr val="tx1"/>
+          </a:fontRef>
+        </p:style>
+      </p:cxnSp>
+      <p:sp>
+        <p:nvSpPr>
+          <p:cNvPr id="18" name="Content Placeholder 17">
+            <a:extLst>
+              <a:ext uri="{FF2B5EF4-FFF2-40B4-BE49-F238E27FC236}">
+                <a16:creationId xmlns:a16="http://schemas.microsoft.com/office/drawing/2014/main" id="{5B9B1CCC-31F9-42ED-9DCB-107A89E180C2}"/>
+              </a:ext>
+            </a:extLst>
+          </p:cNvPr>
+          <p:cNvSpPr>
+            <a:spLocks noGrp="1"/>
+          </p:cNvSpPr>
+          <p:nvPr>
+            <p:ph idx="1"/>
+          </p:nvPr>
+        </p:nvSpPr>
+        <p:spPr>
+          <a:xfrm>
+            <a:off x="443377" y="2286000"/>
+            <a:ext cx="4940588" cy="3931920"/>
+          </a:xfrm>
+          <a:ln>
+            <a:solidFill>
+              <a:srgbClr val="1CADE4"/>
+            </a:solidFill>
+          </a:ln>
+        </p:spPr>
+        <p:txBody>
+          <a:bodyPr>
+            <a:normAutofit/>
+          </a:bodyPr>
+          <a:lstStyle/>
+          <a:p>
+            <a:pPr lvl="1">
+              <a:lnSpc>
+                <a:spcPct val="150000"/>
+              </a:lnSpc>
+              <a:buFont typeface="Wingdings" panose="05000000000000000000" pitchFamily="2" charset="2"/>
+              <a:buChar char="§"/>
+            </a:pPr>
+            <a:r>
+              <a:rPr lang="en-US" sz="2000" dirty="0">
+                <a:solidFill>
+                  <a:schemeClr val="bg1"/>
+                </a:solidFill>
+              </a:rPr>
+              <a:t>- Trained using the balanced dataset</a:t>
+            </a:r>
+          </a:p>
+          <a:p>
+            <a:pPr lvl="1">
+              <a:lnSpc>
+                <a:spcPct val="150000"/>
+              </a:lnSpc>
+              <a:buFont typeface="Wingdings" panose="05000000000000000000" pitchFamily="2" charset="2"/>
+              <a:buChar char="§"/>
+            </a:pPr>
+            <a:r>
+              <a:rPr lang="en-US" sz="2000" dirty="0">
+                <a:solidFill>
+                  <a:schemeClr val="bg1"/>
+                </a:solidFill>
+              </a:rPr>
+              <a:t>- Tested Using all the remaining  Datapoints</a:t>
+            </a:r>
+          </a:p>
+          <a:p>
+            <a:pPr lvl="1">
+              <a:lnSpc>
+                <a:spcPct val="150000"/>
+              </a:lnSpc>
+              <a:buFont typeface="Wingdings" panose="05000000000000000000" pitchFamily="2" charset="2"/>
+              <a:buChar char="§"/>
+            </a:pPr>
+            <a:r>
+              <a:rPr lang="en-US" sz="2000" dirty="0">
+                <a:solidFill>
+                  <a:schemeClr val="bg1"/>
+                </a:solidFill>
+              </a:rPr>
+              <a:t>- Used the ‘ranger’ package</a:t>
+            </a:r>
+          </a:p>
+          <a:p>
+            <a:pPr lvl="1">
+              <a:lnSpc>
+                <a:spcPct val="150000"/>
+              </a:lnSpc>
+              <a:buFont typeface="Wingdings" panose="05000000000000000000" pitchFamily="2" charset="2"/>
+              <a:buChar char="§"/>
+            </a:pPr>
+            <a:r>
+              <a:rPr lang="en-US" sz="2000" dirty="0">
+                <a:solidFill>
+                  <a:schemeClr val="bg1"/>
+                </a:solidFill>
+              </a:rPr>
+              <a:t>- Accuracy is about 90%</a:t>
+            </a:r>
+          </a:p>
+          <a:p>
+            <a:pPr lvl="1">
+              <a:lnSpc>
+                <a:spcPct val="150000"/>
+              </a:lnSpc>
+              <a:buFont typeface="Wingdings" panose="05000000000000000000" pitchFamily="2" charset="2"/>
+              <a:buChar char="§"/>
+            </a:pPr>
+            <a:r>
+              <a:rPr lang="en-US" sz="2000" dirty="0">
+                <a:solidFill>
+                  <a:schemeClr val="bg1"/>
+                </a:solidFill>
+              </a:rPr>
+              <a:t>- 116/145 BS events are classified correctly </a:t>
+            </a:r>
+          </a:p>
+          <a:p>
+            <a:pPr lvl="1">
+              <a:lnSpc>
+                <a:spcPct val="150000"/>
+              </a:lnSpc>
+              <a:buFont typeface="Wingdings" panose="05000000000000000000" pitchFamily="2" charset="2"/>
+              <a:buChar char="§"/>
+            </a:pPr>
+            <a:r>
+              <a:rPr lang="en-US" sz="2000" dirty="0">
+                <a:solidFill>
+                  <a:schemeClr val="bg1"/>
+                </a:solidFill>
+              </a:rPr>
+              <a:t>- 80/106 MP events are classified Correctly</a:t>
+            </a:r>
+          </a:p>
+          <a:p>
+            <a:pPr lvl="1">
+              <a:lnSpc>
+                <a:spcPct val="150000"/>
+              </a:lnSpc>
+              <a:buFont typeface="Wingdings" panose="05000000000000000000" pitchFamily="2" charset="2"/>
+              <a:buChar char="§"/>
+            </a:pPr>
+            <a:endParaRPr lang="en-US" sz="2000" dirty="0">
+              <a:solidFill>
+                <a:schemeClr val="bg1"/>
+              </a:solidFill>
+            </a:endParaRPr>
+          </a:p>
+        </p:txBody>
+      </p:sp>
+      <p:sp>
+        <p:nvSpPr>
+          <p:cNvPr id="4" name="Slide Number Placeholder 3">
+            <a:extLst>
+              <a:ext uri="{FF2B5EF4-FFF2-40B4-BE49-F238E27FC236}">
+                <a16:creationId xmlns:a16="http://schemas.microsoft.com/office/drawing/2014/main" id="{ED70D88F-73C8-4419-9F9D-F10DB88F0734}"/>
+              </a:ext>
+            </a:extLst>
+          </p:cNvPr>
+          <p:cNvSpPr>
+            <a:spLocks noGrp="1"/>
+          </p:cNvSpPr>
+          <p:nvPr>
+            <p:ph type="sldNum" sz="quarter" idx="12"/>
+          </p:nvPr>
+        </p:nvSpPr>
+        <p:spPr>
+          <a:xfrm>
+            <a:off x="10837333" y="6301731"/>
+            <a:ext cx="973667" cy="443293"/>
+          </a:xfrm>
+        </p:spPr>
+        <p:txBody>
+          <a:bodyPr>
+            <a:normAutofit/>
+          </a:bodyPr>
+          <a:lstStyle/>
+          <a:p>
+            <a:pPr>
+              <a:spcAft>
+                <a:spcPts val="600"/>
+              </a:spcAft>
+            </a:pPr>
+            <a:fld id="{4FAB73BC-B049-4115-A692-8D63A059BFB8}" type="slidenum">
+              <a:rPr lang="en-US" sz="2000" smtClean="0"/>
+              <a:pPr>
+                <a:spcAft>
+                  <a:spcPts val="600"/>
+                </a:spcAft>
+              </a:pPr>
+              <a:t>11</a:t>
+            </a:fld>
+            <a:endParaRPr lang="en-US" sz="2000" dirty="0"/>
+          </a:p>
+        </p:txBody>
+      </p:sp>
+      <p:sp>
+        <p:nvSpPr>
+          <p:cNvPr id="21" name="TextBox 20">
+            <a:extLst>
+              <a:ext uri="{FF2B5EF4-FFF2-40B4-BE49-F238E27FC236}">
+                <a16:creationId xmlns:a16="http://schemas.microsoft.com/office/drawing/2014/main" id="{8066B30D-1E34-4455-8448-6E45E37C096B}"/>
+              </a:ext>
+            </a:extLst>
+          </p:cNvPr>
+          <p:cNvSpPr txBox="1"/>
+          <p:nvPr/>
+        </p:nvSpPr>
+        <p:spPr>
+          <a:xfrm>
+            <a:off x="6095999" y="5774627"/>
+            <a:ext cx="5455921" cy="443293"/>
+          </a:xfrm>
+          <a:prstGeom prst="rect">
+            <a:avLst/>
+          </a:prstGeom>
+          <a:solidFill>
+            <a:srgbClr val="000000">
+              <a:alpha val="50000"/>
+            </a:srgbClr>
+          </a:solidFill>
+          <a:ln>
+            <a:noFill/>
+          </a:ln>
+        </p:spPr>
+        <p:txBody>
+          <a:bodyPr wrap="square" rtlCol="0">
+            <a:noAutofit/>
+          </a:bodyPr>
+          <a:lstStyle/>
+          <a:p>
+            <a:pPr algn="ctr">
+              <a:spcAft>
+                <a:spcPts val="600"/>
+              </a:spcAft>
+            </a:pPr>
+            <a:r>
+              <a:rPr lang="en-IN" sz="1300" dirty="0">
+                <a:solidFill>
+                  <a:srgbClr val="FFFFFF"/>
+                </a:solidFill>
+              </a:rPr>
+              <a:t>Fig 4:  Confusion Matrix of Random Forrest Model</a:t>
+            </a:r>
+          </a:p>
+        </p:txBody>
+      </p:sp>
+      <p:pic>
+        <p:nvPicPr>
+          <p:cNvPr id="16" name="Picture 15">
+            <a:extLst>
+              <a:ext uri="{FF2B5EF4-FFF2-40B4-BE49-F238E27FC236}">
+                <a16:creationId xmlns:a16="http://schemas.microsoft.com/office/drawing/2014/main" id="{33E9D915-5CAE-48D9-885C-40347B0AEB41}"/>
+              </a:ext>
+            </a:extLst>
+          </p:cNvPr>
+          <p:cNvPicPr>
+            <a:picLocks noChangeAspect="1"/>
+          </p:cNvPicPr>
+          <p:nvPr/>
+        </p:nvPicPr>
+        <p:blipFill>
+          <a:blip r:embed="rId3"/>
+          <a:stretch>
+            <a:fillRect/>
+          </a:stretch>
+        </p:blipFill>
+        <p:spPr>
+          <a:xfrm>
+            <a:off x="6095999" y="1093509"/>
+            <a:ext cx="5376146" cy="4511954"/>
+          </a:xfrm>
+          <a:prstGeom prst="rect">
+            <a:avLst/>
+          </a:prstGeom>
+        </p:spPr>
+      </p:pic>
+    </p:spTree>
+    <p:extLst>
+      <p:ext uri="{BB962C8B-B14F-4D97-AF65-F5344CB8AC3E}">
+        <p14:creationId xmlns:p14="http://schemas.microsoft.com/office/powerpoint/2010/main" val="2082599721"/>
       </p:ext>
     </p:extLst>
   </p:cSld>
@@ -22613,7 +23153,7 @@
             </a:pPr>
             <a:r>
               <a:rPr lang="en-IN" dirty="0"/>
-              <a:t> Classifying the events in dataset by using Neural Networks (RNN).</a:t>
+              <a:t> Classifying the events in dataset by using Neural Networks.</a:t>
             </a:r>
           </a:p>
           <a:p>
@@ -22843,7 +23383,7 @@
           <p:nvPr/>
         </p:nvPicPr>
         <p:blipFill rotWithShape="1">
-          <a:blip r:embed="rId2">
+          <a:blip r:embed="rId3">
             <a:duotone>
               <a:schemeClr val="bg2">
                 <a:shade val="45000"/>
@@ -23022,7 +23562,7 @@
             </a:pPr>
             <a:r>
               <a:rPr lang="en-IN" sz="2000" b="1" dirty="0"/>
-              <a:t>By classifying the boundary crossings it will give more insights to the Solar wind conditions upstream of Saturn at the time of crossing.</a:t>
+              <a:t>By classifying the boundary crossings it will give more insights to the Solar wind conditions of Saturn at the time of crossing.</a:t>
             </a:r>
           </a:p>
         </p:txBody>
@@ -23256,7 +23796,17 @@
             </a:pPr>
             <a:r>
               <a:rPr lang="en-US" sz="2000" dirty="0"/>
-              <a:t>Magnetic Field vector data : X_KSM,Y_KSM , Z_KSM, Bx, By , </a:t>
+              <a:t>Positions of Spacecraft: X_KSM,Y_KSM , Z_KSM</a:t>
+            </a:r>
+          </a:p>
+          <a:p>
+            <a:pPr lvl="6">
+              <a:buFont typeface="Arial" panose="020B0604020202020204" pitchFamily="34" charset="0"/>
+              <a:buChar char="•"/>
+            </a:pPr>
+            <a:r>
+              <a:rPr lang="en-US" sz="2000" dirty="0"/>
+              <a:t>Magnetic Field vector data : Bx, By , </a:t>
             </a:r>
             <a:r>
               <a:rPr lang="en-US" sz="2000" dirty="0" err="1"/>
@@ -24379,8 +24929,8 @@
         </p:nvSpPr>
         <p:spPr>
           <a:xfrm>
-            <a:off x="762000" y="2268244"/>
-            <a:ext cx="4608988" cy="3931920"/>
+            <a:off x="655090" y="2103073"/>
+            <a:ext cx="4608988" cy="4320125"/>
           </a:xfrm>
           <a:ln>
             <a:noFill/>
@@ -24396,7 +24946,7 @@
               <a:buNone/>
             </a:pPr>
             <a:r>
-              <a:rPr lang="en-US" dirty="0">
+              <a:rPr lang="en-US" sz="2000" dirty="0">
                 <a:solidFill>
                   <a:schemeClr val="bg1"/>
                 </a:solidFill>
@@ -24439,13 +24989,63 @@
                 </a:solidFill>
                 <a:effectLst/>
               </a:rPr>
-              <a:t>of the year 2005</a:t>
+              <a:t>of the year 2005(</a:t>
             </a:r>
-            <a:endParaRPr lang="en-US" sz="2000" dirty="0">
-              <a:solidFill>
-                <a:schemeClr val="bg1"/>
-              </a:solidFill>
-            </a:endParaRPr>
+            <a:r>
+              <a:rPr lang="en-IN" sz="2000" dirty="0">
+                <a:solidFill>
+                  <a:schemeClr val="bg1"/>
+                </a:solidFill>
+              </a:rPr>
+              <a:t>Outbound</a:t>
+            </a:r>
+            <a:r>
+              <a:rPr lang="en-US" sz="2000" b="0" i="0" dirty="0">
+                <a:solidFill>
+                  <a:schemeClr val="bg1"/>
+                </a:solidFill>
+                <a:effectLst/>
+              </a:rPr>
+              <a:t>)</a:t>
+            </a:r>
+          </a:p>
+          <a:p>
+            <a:pPr lvl="1"/>
+            <a:r>
+              <a:rPr lang="en-US" sz="2000" dirty="0">
+                <a:solidFill>
+                  <a:schemeClr val="bg1"/>
+                </a:solidFill>
+              </a:rPr>
+              <a:t> - Recorded B</a:t>
+            </a:r>
+            <a:r>
+              <a:rPr lang="en-US" sz="2000" b="0" i="0" dirty="0">
+                <a:solidFill>
+                  <a:schemeClr val="bg1"/>
+                </a:solidFill>
+                <a:effectLst/>
+              </a:rPr>
+              <a:t>etween the days 136 and </a:t>
+            </a:r>
+            <a:r>
+              <a:rPr lang="en-US" sz="2000" b="0" i="0" dirty="0">
+                <a:solidFill>
+                  <a:srgbClr val="1CADE4"/>
+                </a:solidFill>
+                <a:effectLst/>
+              </a:rPr>
+              <a:t>sss</a:t>
+            </a:r>
+            <a:r>
+              <a:rPr lang="en-US" sz="2000" b="0" i="0" dirty="0">
+                <a:solidFill>
+                  <a:schemeClr val="bg1"/>
+                </a:solidFill>
+                <a:effectLst/>
+              </a:rPr>
+              <a:t>138 of the year 2005(Inbound)</a:t>
+            </a:r>
           </a:p>
           <a:p>
             <a:pPr lvl="1"/>
@@ -24512,7 +25112,7 @@
           <p:nvPr/>
         </p:nvPicPr>
         <p:blipFill>
-          <a:blip r:embed="rId2">
+          <a:blip r:embed="rId3">
             <a:extLst>
               <a:ext uri="{28A0092B-C50C-407E-A947-70E740481C1C}">
                 <a14:useLocalDpi xmlns:a14="http://schemas.microsoft.com/office/drawing/2010/main" val="0"/>
@@ -24604,7 +25204,7 @@
           <p:nvPr/>
         </p:nvPicPr>
         <p:blipFill>
-          <a:blip r:embed="rId3">
+          <a:blip r:embed="rId4">
             <a:extLst>
               <a:ext uri="{28A0092B-C50C-407E-A947-70E740481C1C}">
                 <a14:useLocalDpi xmlns:a14="http://schemas.microsoft.com/office/drawing/2010/main" val="0"/>
@@ -25314,73 +25914,10 @@
       </p:grpSpPr>
       <p:sp>
         <p:nvSpPr>
-          <p:cNvPr id="26" name="Rectangle 25">
-            <a:extLst>
-              <a:ext uri="{FF2B5EF4-FFF2-40B4-BE49-F238E27FC236}">
-                <a16:creationId xmlns:a16="http://schemas.microsoft.com/office/drawing/2014/main" id="{4FAE1107-CEC3-4041-8BAA-CDB6F6759B35}"/>
-              </a:ext>
-              <a:ext uri="{C183D7F6-B498-43B3-948B-1728B52AA6E4}">
-                <adec:decorative xmlns:adec="http://schemas.microsoft.com/office/drawing/2017/decorative" val="1"/>
-              </a:ext>
-            </a:extLst>
-          </p:cNvPr>
-          <p:cNvSpPr>
-            <a:spLocks noGrp="1" noRot="1" noChangeAspect="1" noMove="1" noResize="1" noEditPoints="1" noAdjustHandles="1" noChangeArrowheads="1" noChangeShapeType="1" noTextEdit="1"/>
-          </p:cNvSpPr>
-          <p:nvPr>
-            <p:extLst>
-              <p:ext uri="{386F3935-93C4-4BCD-93E2-E3B085C9AB24}">
-                <p16:designElem xmlns:p16="http://schemas.microsoft.com/office/powerpoint/2015/main" val="1"/>
-              </p:ext>
-            </p:extLst>
-          </p:nvPr>
-        </p:nvSpPr>
-        <p:spPr>
-          <a:xfrm>
-            <a:off x="0" y="0"/>
-            <a:ext cx="5468548" cy="6858000"/>
-          </a:xfrm>
-          <a:prstGeom prst="rect">
-            <a:avLst/>
-          </a:prstGeom>
-          <a:solidFill>
-            <a:schemeClr val="accent1"/>
-          </a:solidFill>
-          <a:ln>
-            <a:noFill/>
-          </a:ln>
-        </p:spPr>
-        <p:style>
-          <a:lnRef idx="2">
-            <a:schemeClr val="accent1">
-              <a:shade val="50000"/>
-            </a:schemeClr>
-          </a:lnRef>
-          <a:fillRef idx="1">
-            <a:schemeClr val="accent1"/>
-          </a:fillRef>
-          <a:effectRef idx="0">
-            <a:schemeClr val="accent1"/>
-          </a:effectRef>
-          <a:fontRef idx="minor">
-            <a:schemeClr val="lt1"/>
-          </a:fontRef>
-        </p:style>
-        <p:txBody>
-          <a:bodyPr rtlCol="0" anchor="ctr"/>
-          <a:lstStyle/>
-          <a:p>
-            <a:pPr algn="ctr"/>
-            <a:endParaRPr lang="en-US"/>
-          </a:p>
-        </p:txBody>
-      </p:sp>
-      <p:sp>
-        <p:nvSpPr>
           <p:cNvPr id="2" name="Title 1">
             <a:extLst>
               <a:ext uri="{FF2B5EF4-FFF2-40B4-BE49-F238E27FC236}">
-                <a16:creationId xmlns:a16="http://schemas.microsoft.com/office/drawing/2014/main" id="{081D94C2-E172-4F07-B6FE-D5CF5FD815EA}"/>
+                <a16:creationId xmlns:a16="http://schemas.microsoft.com/office/drawing/2014/main" id="{E06FFED8-AB88-4AF7-943E-BB94C6A22431}"/>
               </a:ext>
             </a:extLst>
           </p:cNvPr>
@@ -25394,87 +25931,28 @@
         <p:spPr>
           <a:xfrm>
             <a:off x="1024129" y="585216"/>
-            <a:ext cx="3779085" cy="1499616"/>
+            <a:ext cx="4431792" cy="1499616"/>
           </a:xfrm>
         </p:spPr>
         <p:txBody>
           <a:bodyPr>
-            <a:normAutofit/>
+            <a:normAutofit fontScale="90000"/>
           </a:bodyPr>
           <a:lstStyle/>
           <a:p>
             <a:r>
-              <a:rPr lang="en-IN" dirty="0">
-                <a:solidFill>
-                  <a:srgbClr val="FFFFFF"/>
-                </a:solidFill>
-              </a:rPr>
-              <a:t>Random Forest</a:t>
+              <a:rPr lang="en-IN" dirty="0"/>
+              <a:t>Logistic regression model-1 </a:t>
             </a:r>
           </a:p>
         </p:txBody>
       </p:sp>
-      <p:cxnSp>
-        <p:nvCxnSpPr>
-          <p:cNvPr id="28" name="Straight Connector 27">
+      <p:sp>
+        <p:nvSpPr>
+          <p:cNvPr id="3" name="Content Placeholder 2">
             <a:extLst>
               <a:ext uri="{FF2B5EF4-FFF2-40B4-BE49-F238E27FC236}">
-                <a16:creationId xmlns:a16="http://schemas.microsoft.com/office/drawing/2014/main" id="{1AEA88FB-F5DD-45CE-AAE1-7B33D0ABDD25}"/>
-              </a:ext>
-              <a:ext uri="{C183D7F6-B498-43B3-948B-1728B52AA6E4}">
-                <adec:decorative xmlns:adec="http://schemas.microsoft.com/office/drawing/2017/decorative" val="1"/>
-              </a:ext>
-            </a:extLst>
-          </p:cNvPr>
-          <p:cNvCxnSpPr>
-            <a:cxnSpLocks noGrp="1" noRot="1" noChangeAspect="1" noMove="1" noResize="1" noEditPoints="1" noAdjustHandles="1" noChangeArrowheads="1" noChangeShapeType="1"/>
-          </p:cNvCxnSpPr>
-          <p:nvPr>
-            <p:extLst>
-              <p:ext uri="{386F3935-93C4-4BCD-93E2-E3B085C9AB24}">
-                <p16:designElem xmlns:p16="http://schemas.microsoft.com/office/powerpoint/2015/main" val="1"/>
-              </p:ext>
-            </p:extLst>
-          </p:nvPr>
-        </p:nvCxnSpPr>
-        <p:spPr>
-          <a:xfrm flipV="1">
-            <a:off x="762000" y="826324"/>
-            <a:ext cx="0" cy="914400"/>
-          </a:xfrm>
-          <a:prstGeom prst="line">
-            <a:avLst/>
-          </a:prstGeom>
-          <a:ln w="19050">
-            <a:solidFill>
-              <a:schemeClr val="accent1">
-                <a:lumMod val="20000"/>
-                <a:lumOff val="80000"/>
-              </a:schemeClr>
-            </a:solidFill>
-          </a:ln>
-        </p:spPr>
-        <p:style>
-          <a:lnRef idx="1">
-            <a:schemeClr val="accent1"/>
-          </a:lnRef>
-          <a:fillRef idx="0">
-            <a:schemeClr val="accent1"/>
-          </a:fillRef>
-          <a:effectRef idx="0">
-            <a:schemeClr val="accent1"/>
-          </a:effectRef>
-          <a:fontRef idx="minor">
-            <a:schemeClr val="tx1"/>
-          </a:fontRef>
-        </p:style>
-      </p:cxnSp>
-      <p:sp>
-        <p:nvSpPr>
-          <p:cNvPr id="18" name="Content Placeholder 17">
-            <a:extLst>
-              <a:ext uri="{FF2B5EF4-FFF2-40B4-BE49-F238E27FC236}">
-                <a16:creationId xmlns:a16="http://schemas.microsoft.com/office/drawing/2014/main" id="{5B9B1CCC-31F9-42ED-9DCB-107A89E180C2}"/>
+                <a16:creationId xmlns:a16="http://schemas.microsoft.com/office/drawing/2014/main" id="{33F0A45B-C843-48B1-9196-189A76FC7605}"/>
               </a:ext>
             </a:extLst>
           </p:cNvPr>
@@ -25487,14 +25965,9 @@
         </p:nvSpPr>
         <p:spPr>
           <a:xfrm>
-            <a:off x="443377" y="2286000"/>
-            <a:ext cx="4940588" cy="3931920"/>
+            <a:off x="1024128" y="2286000"/>
+            <a:ext cx="4978222" cy="3931920"/>
           </a:xfrm>
-          <a:ln>
-            <a:solidFill>
-              <a:srgbClr val="1CADE4"/>
-            </a:solidFill>
-          </a:ln>
         </p:spPr>
         <p:txBody>
           <a:bodyPr>
@@ -25502,7 +25975,7 @@
           </a:bodyPr>
           <a:lstStyle/>
           <a:p>
-            <a:pPr lvl="1">
+            <a:pPr>
               <a:lnSpc>
                 <a:spcPct val="150000"/>
               </a:lnSpc>
@@ -25510,112 +25983,92 @@
               <a:buChar char="§"/>
             </a:pPr>
             <a:r>
-              <a:rPr lang="en-US" sz="2000" dirty="0">
-                <a:solidFill>
-                  <a:schemeClr val="bg1"/>
-                </a:solidFill>
-              </a:rPr>
-              <a:t>- Trained using the balanced dataset</a:t>
+              <a:rPr lang="en-IN" sz="2000" dirty="0"/>
+              <a:t>In this Model we are trying to predict </a:t>
             </a:r>
           </a:p>
           <a:p>
-            <a:pPr lvl="1">
+            <a:pPr lvl="2">
               <a:lnSpc>
-                <a:spcPct val="150000"/>
+                <a:spcPct val="100000"/>
               </a:lnSpc>
               <a:buFont typeface="Wingdings" panose="05000000000000000000" pitchFamily="2" charset="2"/>
               <a:buChar char="§"/>
             </a:pPr>
             <a:r>
-              <a:rPr lang="en-US" sz="2000" dirty="0">
-                <a:solidFill>
-                  <a:schemeClr val="bg1"/>
-                </a:solidFill>
-              </a:rPr>
-              <a:t>- Tested Using all the remaining  Datapoints</a:t>
+              <a:rPr lang="en-IN" sz="2000" dirty="0"/>
+              <a:t>BS points which is recorded as ‘1’ in the column event_recorded</a:t>
+            </a:r>
+            <a:r>
+              <a:rPr lang="en-IN" sz="1200" dirty="0"/>
+              <a:t> </a:t>
             </a:r>
           </a:p>
           <a:p>
-            <a:pPr lvl="1">
+            <a:pPr lvl="2">
               <a:lnSpc>
-                <a:spcPct val="150000"/>
+                <a:spcPct val="100000"/>
               </a:lnSpc>
               <a:buFont typeface="Wingdings" panose="05000000000000000000" pitchFamily="2" charset="2"/>
               <a:buChar char="§"/>
             </a:pPr>
             <a:r>
-              <a:rPr lang="en-US" sz="2000" dirty="0">
-                <a:solidFill>
-                  <a:schemeClr val="bg1"/>
-                </a:solidFill>
-              </a:rPr>
-              <a:t>- Used the ‘ranger’ package</a:t>
+              <a:rPr lang="en-IN" sz="2000" dirty="0"/>
+              <a:t>MP and NE points are recorded as ‘0’ in the column event_recorded </a:t>
             </a:r>
           </a:p>
           <a:p>
-            <a:pPr lvl="1">
+            <a:pPr>
               <a:lnSpc>
-                <a:spcPct val="150000"/>
+                <a:spcPct val="100000"/>
               </a:lnSpc>
               <a:buFont typeface="Wingdings" panose="05000000000000000000" pitchFamily="2" charset="2"/>
               <a:buChar char="§"/>
             </a:pPr>
             <a:r>
-              <a:rPr lang="en-US" sz="2000" dirty="0">
-                <a:solidFill>
-                  <a:schemeClr val="bg1"/>
-                </a:solidFill>
-              </a:rPr>
-              <a:t>- Accuracy is about 90%</a:t>
+              <a:rPr lang="en-IN" sz="2000" dirty="0"/>
+              <a:t>Accuracy is about 69%</a:t>
             </a:r>
           </a:p>
           <a:p>
-            <a:pPr lvl="1">
+            <a:pPr>
               <a:lnSpc>
-                <a:spcPct val="150000"/>
+                <a:spcPct val="100000"/>
               </a:lnSpc>
               <a:buFont typeface="Wingdings" panose="05000000000000000000" pitchFamily="2" charset="2"/>
               <a:buChar char="§"/>
             </a:pPr>
             <a:r>
-              <a:rPr lang="en-US" sz="2000" dirty="0">
-                <a:solidFill>
-                  <a:schemeClr val="bg1"/>
-                </a:solidFill>
-              </a:rPr>
-              <a:t>- 116/145 BS events are classified correctly </a:t>
+              <a:rPr lang="en-IN" sz="2000" dirty="0"/>
+              <a:t>60/145 Bow shock points were predicted correctly.</a:t>
             </a:r>
           </a:p>
           <a:p>
-            <a:pPr lvl="1">
+            <a:pPr>
               <a:lnSpc>
-                <a:spcPct val="150000"/>
+                <a:spcPct val="100000"/>
               </a:lnSpc>
               <a:buFont typeface="Wingdings" panose="05000000000000000000" pitchFamily="2" charset="2"/>
               <a:buChar char="§"/>
             </a:pPr>
             <a:r>
-              <a:rPr lang="en-US" sz="2000" dirty="0">
-                <a:solidFill>
-                  <a:schemeClr val="bg1"/>
-                </a:solidFill>
-              </a:rPr>
-              <a:t>- 80/106 MP events are classified Correctly</a:t>
+              <a:rPr lang="en-IN" sz="2000" dirty="0"/>
+              <a:t>The threshold used here is 0.9</a:t>
             </a:r>
           </a:p>
           <a:p>
-            <a:pPr lvl="1">
-              <a:lnSpc>
-                <a:spcPct val="150000"/>
-              </a:lnSpc>
+            <a:pPr lvl="2">
               <a:buFont typeface="Wingdings" panose="05000000000000000000" pitchFamily="2" charset="2"/>
               <a:buChar char="§"/>
             </a:pPr>
-            <a:endParaRPr lang="en-US" sz="2000" dirty="0">
-              <a:solidFill>
-                <a:schemeClr val="bg1"/>
-              </a:solidFill>
-            </a:endParaRPr>
+            <a:endParaRPr lang="en-IN" sz="1200" dirty="0"/>
+          </a:p>
+          <a:p>
+            <a:pPr lvl="2">
+              <a:buFont typeface="Wingdings" panose="05000000000000000000" pitchFamily="2" charset="2"/>
+              <a:buChar char="§"/>
+            </a:pPr>
+            <a:endParaRPr lang="en-IN" sz="1200" dirty="0"/>
           </a:p>
         </p:txBody>
       </p:sp>
@@ -25624,7 +26077,7 @@
           <p:cNvPr id="4" name="Slide Number Placeholder 3">
             <a:extLst>
               <a:ext uri="{FF2B5EF4-FFF2-40B4-BE49-F238E27FC236}">
-                <a16:creationId xmlns:a16="http://schemas.microsoft.com/office/drawing/2014/main" id="{ED70D88F-73C8-4419-9F9D-F10DB88F0734}"/>
+                <a16:creationId xmlns:a16="http://schemas.microsoft.com/office/drawing/2014/main" id="{EC846B6A-E724-4D1E-A785-F76B727BDF64}"/>
               </a:ext>
             </a:extLst>
           </p:cNvPr>
@@ -25637,8 +26090,8 @@
         </p:nvSpPr>
         <p:spPr>
           <a:xfrm>
-            <a:off x="10837333" y="6301731"/>
-            <a:ext cx="973667" cy="443293"/>
+            <a:off x="10837333" y="6339440"/>
+            <a:ext cx="973667" cy="405584"/>
           </a:xfrm>
         </p:spPr>
         <p:txBody>
@@ -25667,10 +26120,10 @@
       </p:sp>
       <p:sp>
         <p:nvSpPr>
-          <p:cNvPr id="21" name="TextBox 20">
+          <p:cNvPr id="7" name="TextBox 6">
             <a:extLst>
               <a:ext uri="{FF2B5EF4-FFF2-40B4-BE49-F238E27FC236}">
-                <a16:creationId xmlns:a16="http://schemas.microsoft.com/office/drawing/2014/main" id="{8066B30D-1E34-4455-8448-6E45E37C096B}"/>
+                <a16:creationId xmlns:a16="http://schemas.microsoft.com/office/drawing/2014/main" id="{5916F81C-CD8F-4C47-95D5-D34D83F2BBC9}"/>
               </a:ext>
             </a:extLst>
           </p:cNvPr>
@@ -25679,8 +26132,8 @@
         </p:nvSpPr>
         <p:spPr>
           <a:xfrm>
-            <a:off x="6095999" y="5774627"/>
-            <a:ext cx="5455921" cy="443293"/>
+            <a:off x="6334849" y="6065120"/>
+            <a:ext cx="5310724" cy="274320"/>
           </a:xfrm>
           <a:prstGeom prst="rect">
             <a:avLst/>
@@ -25711,17 +26164,17 @@
                   <a:srgbClr val="FFFFFF"/>
                 </a:solidFill>
               </a:rPr>
-              <a:t>Fig 4:  Confusion Matrix of Random Forrest Model</a:t>
+              <a:t>Fig 5:  Confusion Matrix of Logistic Regression Model-1</a:t>
             </a:r>
           </a:p>
         </p:txBody>
       </p:sp>
       <p:pic>
         <p:nvPicPr>
-          <p:cNvPr id="16" name="Picture 15">
+          <p:cNvPr id="9" name="Picture 8">
             <a:extLst>
               <a:ext uri="{FF2B5EF4-FFF2-40B4-BE49-F238E27FC236}">
-                <a16:creationId xmlns:a16="http://schemas.microsoft.com/office/drawing/2014/main" id="{33E9D915-5CAE-48D9-885C-40347B0AEB41}"/>
+                <a16:creationId xmlns:a16="http://schemas.microsoft.com/office/drawing/2014/main" id="{3C40A3C9-5221-49D8-A111-AD7602A9E547}"/>
               </a:ext>
             </a:extLst>
           </p:cNvPr>
@@ -25731,15 +26184,15 @@
           <p:nvPr/>
         </p:nvPicPr>
         <p:blipFill>
-          <a:blip r:embed="rId3"/>
+          <a:blip r:embed="rId2"/>
           <a:stretch>
             <a:fillRect/>
           </a:stretch>
         </p:blipFill>
         <p:spPr>
           <a:xfrm>
-            <a:off x="6095999" y="1093509"/>
-            <a:ext cx="5376146" cy="4511954"/>
+            <a:off x="6656191" y="1123311"/>
+            <a:ext cx="4840483" cy="4978008"/>
           </a:xfrm>
           <a:prstGeom prst="rect">
             <a:avLst/>
@@ -25749,7 +26202,7 @@
     </p:spTree>
     <p:extLst>
       <p:ext uri="{BB962C8B-B14F-4D97-AF65-F5344CB8AC3E}">
-        <p14:creationId xmlns:p14="http://schemas.microsoft.com/office/powerpoint/2010/main" val="2082599721"/>
+        <p14:creationId xmlns:p14="http://schemas.microsoft.com/office/powerpoint/2010/main" val="3189604281"/>
       </p:ext>
     </p:extLst>
   </p:cSld>
